--- a/assets/ApresentaçãoFinal.pptx
+++ b/assets/ApresentaçãoFinal.pptx
@@ -283,7 +283,7 @@
   </p:defaultTextStyle>
   <p:extLst>
     <p:ext uri="http://customooxmlschemas.google.com/">
-      <go:slidesCustomData xmlns:go="http://customooxmlschemas.google.com/" r:id="rId32" roundtripDataSignature="AMtx7mgU8qbso08UiSdZ/pdkMerZp4fM1Q=="/>
+      <go:slidesCustomData xmlns:go="http://customooxmlschemas.google.com/" r:id="rId32" roundtripDataSignature="AMtx7migDBqLA4gnxICuLkZHkwcTCcUDGg=="/>
     </p:ext>
   </p:extLst>
 </p:presentation>
@@ -979,7 +979,7 @@
   <p:cSld>
     <p:spTree>
       <p:nvGrpSpPr>
-        <p:cNvPr id="305" name="Shape 305"/>
+        <p:cNvPr id="307" name="Shape 307"/>
         <p:cNvGrpSpPr/>
         <p:nvPr/>
       </p:nvGrpSpPr>
@@ -993,7 +993,7 @@
       </p:grpSpPr>
       <p:sp>
         <p:nvSpPr>
-          <p:cNvPr id="306" name="Google Shape;306;p10:notes"/>
+          <p:cNvPr id="308" name="Google Shape;308;p9:notes"/>
           <p:cNvSpPr txBox="1"/>
           <p:nvPr>
             <p:ph idx="1" type="body"/>
@@ -1032,7 +1032,7 @@
       </p:sp>
       <p:sp>
         <p:nvSpPr>
-          <p:cNvPr id="307" name="Google Shape;307;p10:notes"/>
+          <p:cNvPr id="309" name="Google Shape;309;p9:notes"/>
           <p:cNvSpPr/>
           <p:nvPr>
             <p:ph idx="2" type="sldImg"/>
@@ -1078,7 +1078,7 @@
   <p:cSld>
     <p:spTree>
       <p:nvGrpSpPr>
-        <p:cNvPr id="311" name="Shape 311"/>
+        <p:cNvPr id="314" name="Shape 314"/>
         <p:cNvGrpSpPr/>
         <p:nvPr/>
       </p:nvGrpSpPr>
@@ -1092,7 +1092,7 @@
       </p:grpSpPr>
       <p:sp>
         <p:nvSpPr>
-          <p:cNvPr id="312" name="Google Shape;312;p11:notes"/>
+          <p:cNvPr id="315" name="Google Shape;315;p10:notes"/>
           <p:cNvSpPr txBox="1"/>
           <p:nvPr>
             <p:ph idx="1" type="body"/>
@@ -1131,7 +1131,7 @@
       </p:sp>
       <p:sp>
         <p:nvSpPr>
-          <p:cNvPr id="313" name="Google Shape;313;p11:notes"/>
+          <p:cNvPr id="316" name="Google Shape;316;p10:notes"/>
           <p:cNvSpPr/>
           <p:nvPr>
             <p:ph idx="2" type="sldImg"/>
@@ -1177,7 +1177,7 @@
   <p:cSld>
     <p:spTree>
       <p:nvGrpSpPr>
-        <p:cNvPr id="319" name="Shape 319"/>
+        <p:cNvPr id="320" name="Shape 320"/>
         <p:cNvGrpSpPr/>
         <p:nvPr/>
       </p:nvGrpSpPr>
@@ -1191,7 +1191,7 @@
       </p:grpSpPr>
       <p:sp>
         <p:nvSpPr>
-          <p:cNvPr id="320" name="Google Shape;320;p12:notes"/>
+          <p:cNvPr id="321" name="Google Shape;321;p11:notes"/>
           <p:cNvSpPr txBox="1"/>
           <p:nvPr>
             <p:ph idx="1" type="body"/>
@@ -1230,7 +1230,7 @@
       </p:sp>
       <p:sp>
         <p:nvSpPr>
-          <p:cNvPr id="321" name="Google Shape;321;p12:notes"/>
+          <p:cNvPr id="322" name="Google Shape;322;p11:notes"/>
           <p:cNvSpPr/>
           <p:nvPr>
             <p:ph idx="2" type="sldImg"/>
@@ -1276,7 +1276,7 @@
   <p:cSld>
     <p:spTree>
       <p:nvGrpSpPr>
-        <p:cNvPr id="325" name="Shape 325"/>
+        <p:cNvPr id="328" name="Shape 328"/>
         <p:cNvGrpSpPr/>
         <p:nvPr/>
       </p:nvGrpSpPr>
@@ -1290,7 +1290,7 @@
       </p:grpSpPr>
       <p:sp>
         <p:nvSpPr>
-          <p:cNvPr id="326" name="Google Shape;326;p13:notes"/>
+          <p:cNvPr id="329" name="Google Shape;329;p13:notes"/>
           <p:cNvSpPr txBox="1"/>
           <p:nvPr>
             <p:ph idx="1" type="body"/>
@@ -1329,7 +1329,7 @@
       </p:sp>
       <p:sp>
         <p:nvSpPr>
-          <p:cNvPr id="327" name="Google Shape;327;p13:notes"/>
+          <p:cNvPr id="330" name="Google Shape;330;p13:notes"/>
           <p:cNvSpPr/>
           <p:nvPr>
             <p:ph idx="2" type="sldImg"/>
@@ -1375,7 +1375,7 @@
   <p:cSld>
     <p:spTree>
       <p:nvGrpSpPr>
-        <p:cNvPr id="331" name="Shape 331"/>
+        <p:cNvPr id="334" name="Shape 334"/>
         <p:cNvGrpSpPr/>
         <p:nvPr/>
       </p:nvGrpSpPr>
@@ -1389,7 +1389,7 @@
       </p:grpSpPr>
       <p:sp>
         <p:nvSpPr>
-          <p:cNvPr id="332" name="Google Shape;332;g13a7cec00ac_0_0:notes"/>
+          <p:cNvPr id="335" name="Google Shape;335;g13a7cec00ac_0_0:notes"/>
           <p:cNvSpPr txBox="1"/>
           <p:nvPr>
             <p:ph idx="1" type="body"/>
@@ -1428,7 +1428,7 @@
       </p:sp>
       <p:sp>
         <p:nvSpPr>
-          <p:cNvPr id="333" name="Google Shape;333;g13a7cec00ac_0_0:notes"/>
+          <p:cNvPr id="336" name="Google Shape;336;g13a7cec00ac_0_0:notes"/>
           <p:cNvSpPr/>
           <p:nvPr>
             <p:ph idx="2" type="sldImg"/>
@@ -1488,7 +1488,106 @@
       </p:grpSpPr>
       <p:sp>
         <p:nvSpPr>
-          <p:cNvPr id="251" name="Google Shape;251;p2:notes"/>
+          <p:cNvPr id="251" name="Google Shape;251;p12:notes"/>
+          <p:cNvSpPr txBox="1"/>
+          <p:nvPr>
+            <p:ph idx="1" type="body"/>
+          </p:nvPr>
+        </p:nvSpPr>
+        <p:spPr>
+          <a:xfrm>
+            <a:off x="685800" y="4343400"/>
+            <a:ext cx="5486400" cy="4114800"/>
+          </a:xfrm>
+          <a:prstGeom prst="rect">
+            <a:avLst/>
+          </a:prstGeom>
+        </p:spPr>
+        <p:txBody>
+          <a:bodyPr anchorCtr="0" anchor="t" bIns="91425" lIns="91425" spcFirstLastPara="1" rIns="91425" wrap="square" tIns="91425">
+            <a:noAutofit/>
+          </a:bodyPr>
+          <a:lstStyle/>
+          <a:p>
+            <a:pPr indent="0" lvl="0" marL="0" rtl="0" algn="l">
+              <a:spcBef>
+                <a:spcPts val="0"/>
+              </a:spcBef>
+              <a:spcAft>
+                <a:spcPts val="0"/>
+              </a:spcAft>
+              <a:buNone/>
+            </a:pPr>
+            <a:r>
+              <a:t/>
+            </a:r>
+            <a:endParaRPr/>
+          </a:p>
+        </p:txBody>
+      </p:sp>
+      <p:sp>
+        <p:nvSpPr>
+          <p:cNvPr id="252" name="Google Shape;252;p12:notes"/>
+          <p:cNvSpPr/>
+          <p:nvPr>
+            <p:ph idx="2" type="sldImg"/>
+          </p:nvPr>
+        </p:nvSpPr>
+        <p:spPr>
+          <a:xfrm>
+            <a:off x="381300" y="685800"/>
+            <a:ext cx="6096075" cy="3429000"/>
+          </a:xfrm>
+          <a:custGeom>
+            <a:rect b="b" l="l" r="r" t="t"/>
+            <a:pathLst>
+              <a:path extrusionOk="0" h="120000" w="120000">
+                <a:moveTo>
+                  <a:pt x="0" y="0"/>
+                </a:moveTo>
+                <a:lnTo>
+                  <a:pt x="120000" y="0"/>
+                </a:lnTo>
+                <a:lnTo>
+                  <a:pt x="120000" y="120000"/>
+                </a:lnTo>
+                <a:lnTo>
+                  <a:pt x="0" y="120000"/>
+                </a:lnTo>
+                <a:close/>
+              </a:path>
+            </a:pathLst>
+          </a:custGeom>
+        </p:spPr>
+      </p:sp>
+    </p:spTree>
+  </p:cSld>
+  <p:clrMapOvr>
+    <a:masterClrMapping/>
+  </p:clrMapOvr>
+</p:notes>
+</file>
+
+<file path=ppt/notesSlides/notesSlide3.xml><?xml version="1.0" encoding="utf-8"?>
+<p:notes xmlns:a="http://schemas.openxmlformats.org/drawingml/2006/main" xmlns:r="http://schemas.openxmlformats.org/officeDocument/2006/relationships" xmlns:mc="http://schemas.openxmlformats.org/markup-compatibility/2006" xmlns:mv="urn:schemas-microsoft-com:mac:vml" xmlns:p="http://schemas.openxmlformats.org/presentationml/2006/main" xmlns:c="http://schemas.openxmlformats.org/drawingml/2006/chart" xmlns:dgm="http://schemas.openxmlformats.org/drawingml/2006/diagram" xmlns:o="urn:schemas-microsoft-com:office:office" xmlns:v="urn:schemas-microsoft-com:vml" xmlns:pvml="urn:schemas-microsoft-com:office:powerpoint" xmlns:com="http://schemas.openxmlformats.org/drawingml/2006/compatibility" xmlns:p14="http://schemas.microsoft.com/office/powerpoint/2010/main" xmlns:p15="http://schemas.microsoft.com/office/powerpoint/2012/main" xmlns:ahyp="http://schemas.microsoft.com/office/drawing/2018/hyperlinkcolor" showMasterPhAnim="0" showMasterSp="0">
+  <p:cSld>
+    <p:spTree>
+      <p:nvGrpSpPr>
+        <p:cNvPr id="257" name="Shape 257"/>
+        <p:cNvGrpSpPr/>
+        <p:nvPr/>
+      </p:nvGrpSpPr>
+      <p:grpSpPr>
+        <a:xfrm>
+          <a:off x="0" y="0"/>
+          <a:ext cx="0" cy="0"/>
+          <a:chOff x="0" y="0"/>
+          <a:chExt cx="0" cy="0"/>
+        </a:xfrm>
+      </p:grpSpPr>
+      <p:sp>
+        <p:nvSpPr>
+          <p:cNvPr id="258" name="Google Shape;258;p2:notes"/>
           <p:cNvSpPr/>
           <p:nvPr>
             <p:ph idx="2" type="sldImg"/>
@@ -1533,7 +1632,7 @@
       </p:sp>
       <p:sp>
         <p:nvSpPr>
-          <p:cNvPr id="252" name="Google Shape;252;p2:notes"/>
+          <p:cNvPr id="259" name="Google Shape;259;p2:notes"/>
           <p:cNvSpPr txBox="1"/>
           <p:nvPr>
             <p:ph idx="1" type="body"/>
@@ -1586,12 +1685,12 @@
 </p:notes>
 </file>
 
-<file path=ppt/notesSlides/notesSlide3.xml><?xml version="1.0" encoding="utf-8"?>
+<file path=ppt/notesSlides/notesSlide4.xml><?xml version="1.0" encoding="utf-8"?>
 <p:notes xmlns:a="http://schemas.openxmlformats.org/drawingml/2006/main" xmlns:r="http://schemas.openxmlformats.org/officeDocument/2006/relationships" xmlns:mc="http://schemas.openxmlformats.org/markup-compatibility/2006" xmlns:mv="urn:schemas-microsoft-com:mac:vml" xmlns:p="http://schemas.openxmlformats.org/presentationml/2006/main" xmlns:c="http://schemas.openxmlformats.org/drawingml/2006/chart" xmlns:dgm="http://schemas.openxmlformats.org/drawingml/2006/diagram" xmlns:o="urn:schemas-microsoft-com:office:office" xmlns:v="urn:schemas-microsoft-com:vml" xmlns:pvml="urn:schemas-microsoft-com:office:powerpoint" xmlns:com="http://schemas.openxmlformats.org/drawingml/2006/compatibility" xmlns:p14="http://schemas.microsoft.com/office/powerpoint/2010/main" xmlns:p15="http://schemas.microsoft.com/office/powerpoint/2012/main" xmlns:ahyp="http://schemas.microsoft.com/office/drawing/2018/hyperlinkcolor" showMasterPhAnim="0" showMasterSp="0">
   <p:cSld>
     <p:spTree>
       <p:nvGrpSpPr>
-        <p:cNvPr id="260" name="Shape 260"/>
+        <p:cNvPr id="267" name="Shape 267"/>
         <p:cNvGrpSpPr/>
         <p:nvPr/>
       </p:nvGrpSpPr>
@@ -1605,7 +1704,7 @@
       </p:grpSpPr>
       <p:sp>
         <p:nvSpPr>
-          <p:cNvPr id="261" name="Google Shape;261;p3:notes"/>
+          <p:cNvPr id="268" name="Google Shape;268;p3:notes"/>
           <p:cNvSpPr/>
           <p:nvPr>
             <p:ph idx="2" type="sldImg"/>
@@ -1650,7 +1749,7 @@
       </p:sp>
       <p:sp>
         <p:nvSpPr>
-          <p:cNvPr id="262" name="Google Shape;262;p3:notes"/>
+          <p:cNvPr id="269" name="Google Shape;269;p3:notes"/>
           <p:cNvSpPr txBox="1"/>
           <p:nvPr>
             <p:ph idx="1" type="body"/>
@@ -1703,12 +1802,12 @@
 </p:notes>
 </file>
 
-<file path=ppt/notesSlides/notesSlide4.xml><?xml version="1.0" encoding="utf-8"?>
+<file path=ppt/notesSlides/notesSlide5.xml><?xml version="1.0" encoding="utf-8"?>
 <p:notes xmlns:a="http://schemas.openxmlformats.org/drawingml/2006/main" xmlns:r="http://schemas.openxmlformats.org/officeDocument/2006/relationships" xmlns:mc="http://schemas.openxmlformats.org/markup-compatibility/2006" xmlns:mv="urn:schemas-microsoft-com:mac:vml" xmlns:p="http://schemas.openxmlformats.org/presentationml/2006/main" xmlns:c="http://schemas.openxmlformats.org/drawingml/2006/chart" xmlns:dgm="http://schemas.openxmlformats.org/drawingml/2006/diagram" xmlns:o="urn:schemas-microsoft-com:office:office" xmlns:v="urn:schemas-microsoft-com:vml" xmlns:pvml="urn:schemas-microsoft-com:office:powerpoint" xmlns:com="http://schemas.openxmlformats.org/drawingml/2006/compatibility" xmlns:p14="http://schemas.microsoft.com/office/powerpoint/2010/main" xmlns:p15="http://schemas.microsoft.com/office/powerpoint/2012/main" xmlns:ahyp="http://schemas.microsoft.com/office/drawing/2018/hyperlinkcolor" showMasterPhAnim="0" showMasterSp="0">
   <p:cSld>
     <p:spTree>
       <p:nvGrpSpPr>
-        <p:cNvPr id="266" name="Shape 266"/>
+        <p:cNvPr id="273" name="Shape 273"/>
         <p:cNvGrpSpPr/>
         <p:nvPr/>
       </p:nvGrpSpPr>
@@ -1722,7 +1821,7 @@
       </p:grpSpPr>
       <p:sp>
         <p:nvSpPr>
-          <p:cNvPr id="267" name="Google Shape;267;p4:notes"/>
+          <p:cNvPr id="274" name="Google Shape;274;p4:notes"/>
           <p:cNvSpPr txBox="1"/>
           <p:nvPr>
             <p:ph idx="1" type="body"/>
@@ -1761,106 +1860,7 @@
       </p:sp>
       <p:sp>
         <p:nvSpPr>
-          <p:cNvPr id="268" name="Google Shape;268;p4:notes"/>
-          <p:cNvSpPr/>
-          <p:nvPr>
-            <p:ph idx="2" type="sldImg"/>
-          </p:nvPr>
-        </p:nvSpPr>
-        <p:spPr>
-          <a:xfrm>
-            <a:off x="381300" y="685800"/>
-            <a:ext cx="6096075" cy="3429000"/>
-          </a:xfrm>
-          <a:custGeom>
-            <a:rect b="b" l="l" r="r" t="t"/>
-            <a:pathLst>
-              <a:path extrusionOk="0" h="120000" w="120000">
-                <a:moveTo>
-                  <a:pt x="0" y="0"/>
-                </a:moveTo>
-                <a:lnTo>
-                  <a:pt x="120000" y="0"/>
-                </a:lnTo>
-                <a:lnTo>
-                  <a:pt x="120000" y="120000"/>
-                </a:lnTo>
-                <a:lnTo>
-                  <a:pt x="0" y="120000"/>
-                </a:lnTo>
-                <a:close/>
-              </a:path>
-            </a:pathLst>
-          </a:custGeom>
-        </p:spPr>
-      </p:sp>
-    </p:spTree>
-  </p:cSld>
-  <p:clrMapOvr>
-    <a:masterClrMapping/>
-  </p:clrMapOvr>
-</p:notes>
-</file>
-
-<file path=ppt/notesSlides/notesSlide5.xml><?xml version="1.0" encoding="utf-8"?>
-<p:notes xmlns:a="http://schemas.openxmlformats.org/drawingml/2006/main" xmlns:r="http://schemas.openxmlformats.org/officeDocument/2006/relationships" xmlns:mc="http://schemas.openxmlformats.org/markup-compatibility/2006" xmlns:mv="urn:schemas-microsoft-com:mac:vml" xmlns:p="http://schemas.openxmlformats.org/presentationml/2006/main" xmlns:c="http://schemas.openxmlformats.org/drawingml/2006/chart" xmlns:dgm="http://schemas.openxmlformats.org/drawingml/2006/diagram" xmlns:o="urn:schemas-microsoft-com:office:office" xmlns:v="urn:schemas-microsoft-com:vml" xmlns:pvml="urn:schemas-microsoft-com:office:powerpoint" xmlns:com="http://schemas.openxmlformats.org/drawingml/2006/compatibility" xmlns:p14="http://schemas.microsoft.com/office/powerpoint/2010/main" xmlns:p15="http://schemas.microsoft.com/office/powerpoint/2012/main" xmlns:ahyp="http://schemas.microsoft.com/office/drawing/2018/hyperlinkcolor" showMasterPhAnim="0" showMasterSp="0">
-  <p:cSld>
-    <p:spTree>
-      <p:nvGrpSpPr>
-        <p:cNvPr id="272" name="Shape 272"/>
-        <p:cNvGrpSpPr/>
-        <p:nvPr/>
-      </p:nvGrpSpPr>
-      <p:grpSpPr>
-        <a:xfrm>
-          <a:off x="0" y="0"/>
-          <a:ext cx="0" cy="0"/>
-          <a:chOff x="0" y="0"/>
-          <a:chExt cx="0" cy="0"/>
-        </a:xfrm>
-      </p:grpSpPr>
-      <p:sp>
-        <p:nvSpPr>
-          <p:cNvPr id="273" name="Google Shape;273;p5:notes"/>
-          <p:cNvSpPr txBox="1"/>
-          <p:nvPr>
-            <p:ph idx="1" type="body"/>
-          </p:nvPr>
-        </p:nvSpPr>
-        <p:spPr>
-          <a:xfrm>
-            <a:off x="685800" y="4343400"/>
-            <a:ext cx="5486400" cy="4114800"/>
-          </a:xfrm>
-          <a:prstGeom prst="rect">
-            <a:avLst/>
-          </a:prstGeom>
-        </p:spPr>
-        <p:txBody>
-          <a:bodyPr anchorCtr="0" anchor="t" bIns="91425" lIns="91425" spcFirstLastPara="1" rIns="91425" wrap="square" tIns="91425">
-            <a:noAutofit/>
-          </a:bodyPr>
-          <a:lstStyle/>
-          <a:p>
-            <a:pPr indent="0" lvl="0" marL="0" rtl="0" algn="l">
-              <a:spcBef>
-                <a:spcPts val="0"/>
-              </a:spcBef>
-              <a:spcAft>
-                <a:spcPts val="0"/>
-              </a:spcAft>
-              <a:buNone/>
-            </a:pPr>
-            <a:r>
-              <a:t/>
-            </a:r>
-            <a:endParaRPr/>
-          </a:p>
-        </p:txBody>
-      </p:sp>
-      <p:sp>
-        <p:nvSpPr>
-          <p:cNvPr id="274" name="Google Shape;274;p5:notes"/>
+          <p:cNvPr id="275" name="Google Shape;275;p4:notes"/>
           <p:cNvSpPr/>
           <p:nvPr>
             <p:ph idx="2" type="sldImg"/>
@@ -1920,7 +1920,7 @@
       </p:grpSpPr>
       <p:sp>
         <p:nvSpPr>
-          <p:cNvPr id="280" name="Google Shape;280;p6:notes"/>
+          <p:cNvPr id="280" name="Google Shape;280;p5:notes"/>
           <p:cNvSpPr txBox="1"/>
           <p:nvPr>
             <p:ph idx="1" type="body"/>
@@ -1959,7 +1959,7 @@
       </p:sp>
       <p:sp>
         <p:nvSpPr>
-          <p:cNvPr id="281" name="Google Shape;281;p6:notes"/>
+          <p:cNvPr id="281" name="Google Shape;281;p5:notes"/>
           <p:cNvSpPr/>
           <p:nvPr>
             <p:ph idx="2" type="sldImg"/>
@@ -2005,7 +2005,7 @@
   <p:cSld>
     <p:spTree>
       <p:nvGrpSpPr>
-        <p:cNvPr id="285" name="Shape 285"/>
+        <p:cNvPr id="286" name="Shape 286"/>
         <p:cNvGrpSpPr/>
         <p:nvPr/>
       </p:nvGrpSpPr>
@@ -2019,7 +2019,7 @@
       </p:grpSpPr>
       <p:sp>
         <p:nvSpPr>
-          <p:cNvPr id="286" name="Google Shape;286;p7:notes"/>
+          <p:cNvPr id="287" name="Google Shape;287;p6:notes"/>
           <p:cNvSpPr txBox="1"/>
           <p:nvPr>
             <p:ph idx="1" type="body"/>
@@ -2058,7 +2058,7 @@
       </p:sp>
       <p:sp>
         <p:nvSpPr>
-          <p:cNvPr id="287" name="Google Shape;287;p7:notes"/>
+          <p:cNvPr id="288" name="Google Shape;288;p6:notes"/>
           <p:cNvSpPr/>
           <p:nvPr>
             <p:ph idx="2" type="sldImg"/>
@@ -2104,7 +2104,7 @@
   <p:cSld>
     <p:spTree>
       <p:nvGrpSpPr>
-        <p:cNvPr id="291" name="Shape 291"/>
+        <p:cNvPr id="294" name="Shape 294"/>
         <p:cNvGrpSpPr/>
         <p:nvPr/>
       </p:nvGrpSpPr>
@@ -2118,7 +2118,7 @@
       </p:grpSpPr>
       <p:sp>
         <p:nvSpPr>
-          <p:cNvPr id="292" name="Google Shape;292;p8:notes"/>
+          <p:cNvPr id="295" name="Google Shape;295;p7:notes"/>
           <p:cNvSpPr txBox="1"/>
           <p:nvPr>
             <p:ph idx="1" type="body"/>
@@ -2157,7 +2157,7 @@
       </p:sp>
       <p:sp>
         <p:nvSpPr>
-          <p:cNvPr id="293" name="Google Shape;293;p8:notes"/>
+          <p:cNvPr id="296" name="Google Shape;296;p7:notes"/>
           <p:cNvSpPr/>
           <p:nvPr>
             <p:ph idx="2" type="sldImg"/>
@@ -2203,7 +2203,7 @@
   <p:cSld>
     <p:spTree>
       <p:nvGrpSpPr>
-        <p:cNvPr id="298" name="Shape 298"/>
+        <p:cNvPr id="300" name="Shape 300"/>
         <p:cNvGrpSpPr/>
         <p:nvPr/>
       </p:nvGrpSpPr>
@@ -2217,7 +2217,7 @@
       </p:grpSpPr>
       <p:sp>
         <p:nvSpPr>
-          <p:cNvPr id="299" name="Google Shape;299;p9:notes"/>
+          <p:cNvPr id="301" name="Google Shape;301;p8:notes"/>
           <p:cNvSpPr txBox="1"/>
           <p:nvPr>
             <p:ph idx="1" type="body"/>
@@ -2256,7 +2256,7 @@
       </p:sp>
       <p:sp>
         <p:nvSpPr>
-          <p:cNvPr id="300" name="Google Shape;300;p9:notes"/>
+          <p:cNvPr id="302" name="Google Shape;302;p8:notes"/>
           <p:cNvSpPr/>
           <p:nvPr>
             <p:ph idx="2" type="sldImg"/>
@@ -33173,7 +33173,7 @@
   <p:cSld>
     <p:spTree>
       <p:nvGrpSpPr>
-        <p:cNvPr id="308" name="Shape 308"/>
+        <p:cNvPr id="310" name="Shape 310"/>
         <p:cNvGrpSpPr/>
         <p:nvPr/>
       </p:nvGrpSpPr>
@@ -33187,7 +33187,414 @@
       </p:grpSpPr>
       <p:sp>
         <p:nvSpPr>
-          <p:cNvPr id="309" name="Google Shape;309;p10"/>
+          <p:cNvPr id="311" name="Google Shape;311;p9"/>
+          <p:cNvSpPr txBox="1"/>
+          <p:nvPr>
+            <p:ph type="ctrTitle"/>
+          </p:nvPr>
+        </p:nvSpPr>
+        <p:spPr>
+          <a:xfrm flipH="1">
+            <a:off x="479711" y="89373"/>
+            <a:ext cx="8184600" cy="670500"/>
+          </a:xfrm>
+          <a:prstGeom prst="rect">
+            <a:avLst/>
+          </a:prstGeom>
+          <a:noFill/>
+          <a:ln>
+            <a:noFill/>
+          </a:ln>
+        </p:spPr>
+        <p:txBody>
+          <a:bodyPr anchorCtr="0" anchor="ctr" bIns="91425" lIns="91425" spcFirstLastPara="1" rIns="91425" wrap="square" tIns="91425">
+            <a:noAutofit/>
+          </a:bodyPr>
+          <a:lstStyle/>
+          <a:p>
+            <a:pPr indent="0" lvl="0" marL="0" rtl="0" algn="ctr">
+              <a:lnSpc>
+                <a:spcPct val="100000"/>
+              </a:lnSpc>
+              <a:spcBef>
+                <a:spcPts val="0"/>
+              </a:spcBef>
+              <a:spcAft>
+                <a:spcPts val="0"/>
+              </a:spcAft>
+              <a:buSzPts val="3600"/>
+              <a:buNone/>
+            </a:pPr>
+            <a:r>
+              <a:rPr lang="en"/>
+              <a:t>Implementação</a:t>
+            </a:r>
+            <a:endParaRPr/>
+          </a:p>
+        </p:txBody>
+      </p:sp>
+      <p:sp>
+        <p:nvSpPr>
+          <p:cNvPr id="312" name="Google Shape;312;p9"/>
+          <p:cNvSpPr txBox="1"/>
+          <p:nvPr/>
+        </p:nvSpPr>
+        <p:spPr>
+          <a:xfrm>
+            <a:off x="472975" y="1368950"/>
+            <a:ext cx="4831500" cy="2678100"/>
+          </a:xfrm>
+          <a:prstGeom prst="rect">
+            <a:avLst/>
+          </a:prstGeom>
+          <a:noFill/>
+          <a:ln>
+            <a:noFill/>
+          </a:ln>
+        </p:spPr>
+        <p:txBody>
+          <a:bodyPr anchorCtr="0" anchor="t" bIns="45700" lIns="91425" spcFirstLastPara="1" rIns="91425" wrap="square" tIns="45700">
+            <a:spAutoFit/>
+          </a:bodyPr>
+          <a:lstStyle/>
+          <a:p>
+            <a:pPr indent="-285750" lvl="0" marL="285750" marR="0" rtl="0" algn="l">
+              <a:lnSpc>
+                <a:spcPct val="100000"/>
+              </a:lnSpc>
+              <a:spcBef>
+                <a:spcPts val="0"/>
+              </a:spcBef>
+              <a:spcAft>
+                <a:spcPts val="0"/>
+              </a:spcAft>
+              <a:buClr>
+                <a:schemeClr val="lt1"/>
+              </a:buClr>
+              <a:buSzPts val="1400"/>
+              <a:buFont typeface="Arial"/>
+              <a:buChar char="•"/>
+            </a:pPr>
+            <a:r>
+              <a:rPr b="0" i="0" lang="en" sz="1400" u="none" cap="none" strike="noStrike">
+                <a:solidFill>
+                  <a:schemeClr val="lt1"/>
+                </a:solidFill>
+                <a:latin typeface="Arial"/>
+                <a:ea typeface="Arial"/>
+                <a:cs typeface="Arial"/>
+                <a:sym typeface="Arial"/>
+              </a:rPr>
+              <a:t>Integração Front + Back ocorre na GameScreen</a:t>
+            </a:r>
+            <a:endParaRPr b="0" i="0" sz="1400" u="none" cap="none" strike="noStrike">
+              <a:solidFill>
+                <a:schemeClr val="lt1"/>
+              </a:solidFill>
+              <a:latin typeface="Arial"/>
+              <a:ea typeface="Arial"/>
+              <a:cs typeface="Arial"/>
+              <a:sym typeface="Arial"/>
+            </a:endParaRPr>
+          </a:p>
+          <a:p>
+            <a:pPr indent="-196850" lvl="0" marL="285750" marR="0" rtl="0" algn="l">
+              <a:lnSpc>
+                <a:spcPct val="100000"/>
+              </a:lnSpc>
+              <a:spcBef>
+                <a:spcPts val="0"/>
+              </a:spcBef>
+              <a:spcAft>
+                <a:spcPts val="0"/>
+              </a:spcAft>
+              <a:buClr>
+                <a:schemeClr val="lt1"/>
+              </a:buClr>
+              <a:buSzPts val="1400"/>
+              <a:buFont typeface="Arial"/>
+              <a:buNone/>
+            </a:pPr>
+            <a:r>
+              <a:t/>
+            </a:r>
+            <a:endParaRPr b="0" i="0" sz="1400" u="none" cap="none" strike="noStrike">
+              <a:solidFill>
+                <a:schemeClr val="lt1"/>
+              </a:solidFill>
+              <a:latin typeface="Arial"/>
+              <a:ea typeface="Arial"/>
+              <a:cs typeface="Arial"/>
+              <a:sym typeface="Arial"/>
+            </a:endParaRPr>
+          </a:p>
+          <a:p>
+            <a:pPr indent="-285750" lvl="0" marL="285750" marR="0" rtl="0" algn="l">
+              <a:lnSpc>
+                <a:spcPct val="100000"/>
+              </a:lnSpc>
+              <a:spcBef>
+                <a:spcPts val="0"/>
+              </a:spcBef>
+              <a:spcAft>
+                <a:spcPts val="0"/>
+              </a:spcAft>
+              <a:buClr>
+                <a:schemeClr val="lt1"/>
+              </a:buClr>
+              <a:buSzPts val="1400"/>
+              <a:buFont typeface="Arial"/>
+              <a:buChar char="•"/>
+            </a:pPr>
+            <a:r>
+              <a:rPr b="0" i="0" lang="en" sz="1400" u="none" cap="none" strike="noStrike">
+                <a:solidFill>
+                  <a:schemeClr val="lt1"/>
+                </a:solidFill>
+                <a:latin typeface="Arial"/>
+                <a:ea typeface="Arial"/>
+                <a:cs typeface="Arial"/>
+                <a:sym typeface="Arial"/>
+              </a:rPr>
+              <a:t>Ela contém um objeto mapa inicializado no renderizador e um </a:t>
+            </a:r>
+            <a:r>
+              <a:rPr b="0" lang="en" sz="1400" u="none" cap="none" strike="noStrike">
+                <a:solidFill>
+                  <a:schemeClr val="lt1"/>
+                </a:solidFill>
+                <a:latin typeface="Arial"/>
+                <a:ea typeface="Arial"/>
+                <a:cs typeface="Arial"/>
+                <a:sym typeface="Arial"/>
+              </a:rPr>
+              <a:t>TiledMap</a:t>
+            </a:r>
+            <a:r>
+              <a:rPr b="0" i="0" lang="en" sz="1400" u="none" cap="none" strike="noStrike">
+                <a:solidFill>
+                  <a:schemeClr val="lt1"/>
+                </a:solidFill>
+                <a:latin typeface="Arial"/>
+                <a:ea typeface="Arial"/>
+                <a:cs typeface="Arial"/>
+                <a:sym typeface="Arial"/>
+              </a:rPr>
+              <a:t> que será visualizado na tela</a:t>
+            </a:r>
+            <a:endParaRPr/>
+          </a:p>
+          <a:p>
+            <a:pPr indent="-196850" lvl="0" marL="285750" marR="0" rtl="0" algn="l">
+              <a:lnSpc>
+                <a:spcPct val="100000"/>
+              </a:lnSpc>
+              <a:spcBef>
+                <a:spcPts val="0"/>
+              </a:spcBef>
+              <a:spcAft>
+                <a:spcPts val="0"/>
+              </a:spcAft>
+              <a:buClr>
+                <a:schemeClr val="lt1"/>
+              </a:buClr>
+              <a:buSzPts val="1400"/>
+              <a:buFont typeface="Arial"/>
+              <a:buNone/>
+            </a:pPr>
+            <a:r>
+              <a:t/>
+            </a:r>
+            <a:endParaRPr b="0" i="0" sz="1400" u="none" cap="none" strike="noStrike">
+              <a:solidFill>
+                <a:schemeClr val="lt1"/>
+              </a:solidFill>
+              <a:latin typeface="Arial"/>
+              <a:ea typeface="Arial"/>
+              <a:cs typeface="Arial"/>
+              <a:sym typeface="Arial"/>
+            </a:endParaRPr>
+          </a:p>
+          <a:p>
+            <a:pPr indent="-285750" lvl="0" marL="285750" marR="0" rtl="0" algn="l">
+              <a:lnSpc>
+                <a:spcPct val="100000"/>
+              </a:lnSpc>
+              <a:spcBef>
+                <a:spcPts val="0"/>
+              </a:spcBef>
+              <a:spcAft>
+                <a:spcPts val="0"/>
+              </a:spcAft>
+              <a:buClr>
+                <a:schemeClr val="lt1"/>
+              </a:buClr>
+              <a:buSzPts val="1400"/>
+              <a:buFont typeface="Arial"/>
+              <a:buChar char="•"/>
+            </a:pPr>
+            <a:r>
+              <a:rPr b="0" i="0" lang="en" sz="1400" u="none" cap="none" strike="noStrike">
+                <a:solidFill>
+                  <a:schemeClr val="lt1"/>
+                </a:solidFill>
+                <a:latin typeface="Arial"/>
+                <a:ea typeface="Arial"/>
+                <a:cs typeface="Arial"/>
+                <a:sym typeface="Arial"/>
+              </a:rPr>
+              <a:t>Pelo TiledM</a:t>
+            </a:r>
+            <a:r>
+              <a:rPr lang="en">
+                <a:solidFill>
+                  <a:schemeClr val="lt1"/>
+                </a:solidFill>
+              </a:rPr>
+              <a:t>ap</a:t>
+            </a:r>
+            <a:r>
+              <a:rPr b="0" i="0" lang="en" sz="1400" u="none" cap="none" strike="noStrike">
+                <a:solidFill>
+                  <a:schemeClr val="lt1"/>
+                </a:solidFill>
+                <a:latin typeface="Arial"/>
+                <a:ea typeface="Arial"/>
+                <a:cs typeface="Arial"/>
+                <a:sym typeface="Arial"/>
+              </a:rPr>
+              <a:t> podemos inicializar diversos objetos retângulos</a:t>
+            </a:r>
+            <a:endParaRPr/>
+          </a:p>
+          <a:p>
+            <a:pPr indent="-196850" lvl="0" marL="285750" marR="0" rtl="0" algn="l">
+              <a:lnSpc>
+                <a:spcPct val="100000"/>
+              </a:lnSpc>
+              <a:spcBef>
+                <a:spcPts val="0"/>
+              </a:spcBef>
+              <a:spcAft>
+                <a:spcPts val="0"/>
+              </a:spcAft>
+              <a:buClr>
+                <a:schemeClr val="lt1"/>
+              </a:buClr>
+              <a:buSzPts val="1400"/>
+              <a:buFont typeface="Arial"/>
+              <a:buNone/>
+            </a:pPr>
+            <a:r>
+              <a:t/>
+            </a:r>
+            <a:endParaRPr b="0" i="0" sz="1400" u="none" cap="none" strike="noStrike">
+              <a:solidFill>
+                <a:schemeClr val="lt1"/>
+              </a:solidFill>
+              <a:latin typeface="Arial"/>
+              <a:ea typeface="Arial"/>
+              <a:cs typeface="Arial"/>
+              <a:sym typeface="Arial"/>
+            </a:endParaRPr>
+          </a:p>
+          <a:p>
+            <a:pPr indent="-285750" lvl="0" marL="285750" marR="0" rtl="0" algn="l">
+              <a:lnSpc>
+                <a:spcPct val="100000"/>
+              </a:lnSpc>
+              <a:spcBef>
+                <a:spcPts val="0"/>
+              </a:spcBef>
+              <a:spcAft>
+                <a:spcPts val="0"/>
+              </a:spcAft>
+              <a:buClr>
+                <a:schemeClr val="lt1"/>
+              </a:buClr>
+              <a:buSzPts val="1400"/>
+              <a:buFont typeface="Arial"/>
+              <a:buChar char="•"/>
+            </a:pPr>
+            <a:r>
+              <a:rPr b="0" i="0" lang="en" sz="1400" u="none" cap="none" strike="noStrike">
+                <a:solidFill>
+                  <a:schemeClr val="lt1"/>
+                </a:solidFill>
+                <a:latin typeface="Arial"/>
+                <a:ea typeface="Arial"/>
+                <a:cs typeface="Arial"/>
+                <a:sym typeface="Arial"/>
+              </a:rPr>
+              <a:t>Cada Sala será associada a um retângulo do TiledMap que representará sua posição na matriz e na tela simultaneamente</a:t>
+            </a:r>
+            <a:endParaRPr b="0" i="0" sz="1400" u="none" cap="none" strike="noStrike">
+              <a:solidFill>
+                <a:schemeClr val="lt1"/>
+              </a:solidFill>
+              <a:latin typeface="Arial"/>
+              <a:ea typeface="Arial"/>
+              <a:cs typeface="Arial"/>
+              <a:sym typeface="Arial"/>
+            </a:endParaRPr>
+          </a:p>
+        </p:txBody>
+      </p:sp>
+      <p:pic>
+        <p:nvPicPr>
+          <p:cNvPr id="313" name="Google Shape;313;p9"/>
+          <p:cNvPicPr preferRelativeResize="0"/>
+          <p:nvPr/>
+        </p:nvPicPr>
+        <p:blipFill rotWithShape="1">
+          <a:blip r:embed="rId3">
+            <a:alphaModFix/>
+          </a:blip>
+          <a:srcRect b="0" l="0" r="0" t="0"/>
+          <a:stretch/>
+        </p:blipFill>
+        <p:spPr>
+          <a:xfrm>
+            <a:off x="5304475" y="1125073"/>
+            <a:ext cx="3366544" cy="3165860"/>
+          </a:xfrm>
+          <a:prstGeom prst="rect">
+            <a:avLst/>
+          </a:prstGeom>
+          <a:noFill/>
+          <a:ln>
+            <a:noFill/>
+          </a:ln>
+        </p:spPr>
+      </p:pic>
+    </p:spTree>
+  </p:cSld>
+  <p:clrMapOvr>
+    <a:masterClrMapping/>
+  </p:clrMapOvr>
+</p:sld>
+</file>
+
+<file path=ppt/slides/slide11.xml><?xml version="1.0" encoding="utf-8"?>
+<p:sld xmlns:a="http://schemas.openxmlformats.org/drawingml/2006/main" xmlns:r="http://schemas.openxmlformats.org/officeDocument/2006/relationships" xmlns:mc="http://schemas.openxmlformats.org/markup-compatibility/2006" xmlns:mv="urn:schemas-microsoft-com:mac:vml" xmlns:p="http://schemas.openxmlformats.org/presentationml/2006/main" xmlns:c="http://schemas.openxmlformats.org/drawingml/2006/chart" xmlns:dgm="http://schemas.openxmlformats.org/drawingml/2006/diagram" xmlns:o="urn:schemas-microsoft-com:office:office" xmlns:v="urn:schemas-microsoft-com:vml" xmlns:pvml="urn:schemas-microsoft-com:office:powerpoint" xmlns:com="http://schemas.openxmlformats.org/drawingml/2006/compatibility" xmlns:p14="http://schemas.microsoft.com/office/powerpoint/2010/main" xmlns:p15="http://schemas.microsoft.com/office/powerpoint/2012/main" xmlns:ahyp="http://schemas.microsoft.com/office/drawing/2018/hyperlinkcolor">
+  <p:cSld>
+    <p:spTree>
+      <p:nvGrpSpPr>
+        <p:cNvPr id="317" name="Shape 317"/>
+        <p:cNvGrpSpPr/>
+        <p:nvPr/>
+      </p:nvGrpSpPr>
+      <p:grpSpPr>
+        <a:xfrm>
+          <a:off x="0" y="0"/>
+          <a:ext cx="0" cy="0"/>
+          <a:chOff x="0" y="0"/>
+          <a:chExt cx="0" cy="0"/>
+        </a:xfrm>
+      </p:grpSpPr>
+      <p:sp>
+        <p:nvSpPr>
+          <p:cNvPr id="318" name="Google Shape;318;p10"/>
           <p:cNvSpPr txBox="1"/>
           <p:nvPr>
             <p:ph idx="8" type="ctrTitle"/>
@@ -33235,7 +33642,7 @@
       </p:sp>
       <p:pic>
         <p:nvPicPr>
-          <p:cNvPr id="310" name="Google Shape;310;p10"/>
+          <p:cNvPr id="319" name="Google Shape;319;p10"/>
           <p:cNvPicPr preferRelativeResize="0"/>
           <p:nvPr/>
         </p:nvPicPr>
@@ -33248,7 +33655,7 @@
         </p:blipFill>
         <p:spPr>
           <a:xfrm>
-            <a:off x="318714" y="1229219"/>
+            <a:off x="318714" y="1236294"/>
             <a:ext cx="8506572" cy="3379665"/>
           </a:xfrm>
           <a:prstGeom prst="rect">
@@ -33268,12 +33675,12 @@
 </p:sld>
 </file>
 
-<file path=ppt/slides/slide11.xml><?xml version="1.0" encoding="utf-8"?>
+<file path=ppt/slides/slide12.xml><?xml version="1.0" encoding="utf-8"?>
 <p:sld xmlns:a="http://schemas.openxmlformats.org/drawingml/2006/main" xmlns:r="http://schemas.openxmlformats.org/officeDocument/2006/relationships" xmlns:mc="http://schemas.openxmlformats.org/markup-compatibility/2006" xmlns:mv="urn:schemas-microsoft-com:mac:vml" xmlns:p="http://schemas.openxmlformats.org/presentationml/2006/main" xmlns:c="http://schemas.openxmlformats.org/drawingml/2006/chart" xmlns:dgm="http://schemas.openxmlformats.org/drawingml/2006/diagram" xmlns:o="urn:schemas-microsoft-com:office:office" xmlns:v="urn:schemas-microsoft-com:vml" xmlns:pvml="urn:schemas-microsoft-com:office:powerpoint" xmlns:com="http://schemas.openxmlformats.org/drawingml/2006/compatibility" xmlns:p14="http://schemas.microsoft.com/office/powerpoint/2010/main" xmlns:p15="http://schemas.microsoft.com/office/powerpoint/2012/main" xmlns:ahyp="http://schemas.microsoft.com/office/drawing/2018/hyperlinkcolor">
   <p:cSld>
     <p:spTree>
       <p:nvGrpSpPr>
-        <p:cNvPr id="314" name="Shape 314"/>
+        <p:cNvPr id="323" name="Shape 323"/>
         <p:cNvGrpSpPr/>
         <p:nvPr/>
       </p:nvGrpSpPr>
@@ -33287,7 +33694,7 @@
       </p:grpSpPr>
       <p:sp>
         <p:nvSpPr>
-          <p:cNvPr id="315" name="Google Shape;315;p11"/>
+          <p:cNvPr id="324" name="Google Shape;324;p11"/>
           <p:cNvSpPr txBox="1"/>
           <p:nvPr>
             <p:ph type="ctrTitle"/>
@@ -33335,14 +33742,14 @@
       </p:sp>
       <p:sp>
         <p:nvSpPr>
-          <p:cNvPr id="316" name="Google Shape;316;p11"/>
+          <p:cNvPr id="325" name="Google Shape;325;p11"/>
           <p:cNvSpPr txBox="1"/>
           <p:nvPr/>
         </p:nvSpPr>
         <p:spPr>
           <a:xfrm>
-            <a:off x="4065974" y="710213"/>
-            <a:ext cx="4998128" cy="3754874"/>
+            <a:off x="3962124" y="816338"/>
+            <a:ext cx="4998000" cy="3755700"/>
           </a:xfrm>
           <a:prstGeom prst="rect">
             <a:avLst/>
@@ -33385,7 +33792,87 @@
                 <a:cs typeface="Arial"/>
                 <a:sym typeface="Arial"/>
               </a:rPr>
-              <a:t>Os inimigos são spawnados na função SpawnInimigos(). Sendo cada um deles representado por um retângulo que se movimenta</a:t>
+              <a:t>Os inimigos são spawnados na função </a:t>
+            </a:r>
+            <a:r>
+              <a:rPr lang="en">
+                <a:solidFill>
+                  <a:schemeClr val="lt1"/>
+                </a:solidFill>
+              </a:rPr>
+              <a:t>s</a:t>
+            </a:r>
+            <a:r>
+              <a:rPr b="0" i="0" lang="en" sz="1400" u="none" cap="none" strike="noStrike">
+                <a:solidFill>
+                  <a:schemeClr val="lt1"/>
+                </a:solidFill>
+                <a:latin typeface="Arial"/>
+                <a:ea typeface="Arial"/>
+                <a:cs typeface="Arial"/>
+                <a:sym typeface="Arial"/>
+              </a:rPr>
+              <a:t>pawn</a:t>
+            </a:r>
+            <a:r>
+              <a:rPr lang="en">
+                <a:solidFill>
+                  <a:schemeClr val="lt1"/>
+                </a:solidFill>
+              </a:rPr>
+              <a:t>Enemies</a:t>
+            </a:r>
+            <a:r>
+              <a:rPr b="0" i="0" lang="en" sz="1400" u="none" cap="none" strike="noStrike">
+                <a:solidFill>
+                  <a:schemeClr val="lt1"/>
+                </a:solidFill>
+                <a:latin typeface="Arial"/>
+                <a:ea typeface="Arial"/>
+                <a:cs typeface="Arial"/>
+                <a:sym typeface="Arial"/>
+              </a:rPr>
+              <a:t>()</a:t>
+            </a:r>
+            <a:r>
+              <a:rPr lang="en">
+                <a:solidFill>
+                  <a:schemeClr val="lt1"/>
+                </a:solidFill>
+              </a:rPr>
+              <a:t>,</a:t>
+            </a:r>
+            <a:r>
+              <a:rPr b="0" i="0" lang="en" sz="1400" u="none" cap="none" strike="noStrike">
+                <a:solidFill>
+                  <a:schemeClr val="lt1"/>
+                </a:solidFill>
+                <a:latin typeface="Arial"/>
+                <a:ea typeface="Arial"/>
+                <a:cs typeface="Arial"/>
+                <a:sym typeface="Arial"/>
+              </a:rPr>
+              <a:t> </a:t>
+            </a:r>
+            <a:r>
+              <a:rPr lang="en">
+                <a:solidFill>
+                  <a:schemeClr val="lt1"/>
+                </a:solidFill>
+              </a:rPr>
+              <a:t>s</a:t>
+            </a:r>
+            <a:r>
+              <a:rPr b="0" i="0" lang="en" sz="1400" u="none" cap="none" strike="noStrike">
+                <a:solidFill>
+                  <a:schemeClr val="lt1"/>
+                </a:solidFill>
+                <a:latin typeface="Arial"/>
+                <a:ea typeface="Arial"/>
+                <a:cs typeface="Arial"/>
+                <a:sym typeface="Arial"/>
+              </a:rPr>
+              <a:t>endo cada um deles representado por um retângulo que se movimenta</a:t>
             </a:r>
             <a:endParaRPr/>
           </a:p>
@@ -33448,7 +33935,27 @@
                 <a:cs typeface="Arial"/>
                 <a:sym typeface="Arial"/>
               </a:rPr>
-              <a:t>Na gameScreen, as salas verificam o tempo todo quais inimigos estão contidos nelas</a:t>
+              <a:t>Na </a:t>
+            </a:r>
+            <a:r>
+              <a:rPr lang="en">
+                <a:solidFill>
+                  <a:schemeClr val="lt1"/>
+                </a:solidFill>
+              </a:rPr>
+              <a:t>G</a:t>
+            </a:r>
+            <a:r>
+              <a:rPr b="0" i="0" lang="en" sz="1400" u="none" cap="none" strike="noStrike">
+                <a:solidFill>
+                  <a:schemeClr val="lt1"/>
+                </a:solidFill>
+                <a:latin typeface="Arial"/>
+                <a:ea typeface="Arial"/>
+                <a:cs typeface="Arial"/>
+                <a:sym typeface="Arial"/>
+              </a:rPr>
+              <a:t>ameScreen, as salas verificam o tempo todo quais inimigos estão contidos nelas</a:t>
             </a:r>
             <a:endParaRPr/>
           </a:p>
@@ -33700,7 +34207,27 @@
                 <a:cs typeface="Arial"/>
                 <a:sym typeface="Arial"/>
               </a:rPr>
-              <a:t>Enquanto um quadrado sala contiver um quadrado inimigo, o objeto Inimigo estará contido nas salas</a:t>
+              <a:t>Enquanto um quadrado sala contiver um quadrado </a:t>
+            </a:r>
+            <a:r>
+              <a:rPr lang="en">
+                <a:solidFill>
+                  <a:schemeClr val="lt1"/>
+                </a:solidFill>
+              </a:rPr>
+              <a:t>I</a:t>
+            </a:r>
+            <a:r>
+              <a:rPr b="0" i="0" lang="en" sz="1400" u="none" cap="none" strike="noStrike">
+                <a:solidFill>
+                  <a:schemeClr val="lt1"/>
+                </a:solidFill>
+                <a:latin typeface="Arial"/>
+                <a:ea typeface="Arial"/>
+                <a:cs typeface="Arial"/>
+                <a:sym typeface="Arial"/>
+              </a:rPr>
+              <a:t>nimigo, o objeto Inimigo estará contido nas salas</a:t>
             </a:r>
             <a:endParaRPr/>
           </a:p>
@@ -33708,7 +34235,7 @@
       </p:sp>
       <p:pic>
         <p:nvPicPr>
-          <p:cNvPr id="317" name="Google Shape;317;p11"/>
+          <p:cNvPr id="326" name="Google Shape;326;p11"/>
           <p:cNvPicPr preferRelativeResize="0"/>
           <p:nvPr/>
         </p:nvPicPr>
@@ -33721,8 +34248,8 @@
         </p:blipFill>
         <p:spPr>
           <a:xfrm>
-            <a:off x="273599" y="568171"/>
-            <a:ext cx="3628248" cy="2849732"/>
+            <a:off x="183899" y="590433"/>
+            <a:ext cx="3628247" cy="2849733"/>
           </a:xfrm>
           <a:prstGeom prst="rect">
             <a:avLst/>
@@ -33735,7 +34262,7 @@
       </p:pic>
       <p:pic>
         <p:nvPicPr>
-          <p:cNvPr id="318" name="Google Shape;318;p11"/>
+          <p:cNvPr id="327" name="Google Shape;327;p11"/>
           <p:cNvPicPr preferRelativeResize="0"/>
           <p:nvPr/>
         </p:nvPicPr>
@@ -33748,8 +34275,8 @@
         </p:blipFill>
         <p:spPr>
           <a:xfrm>
-            <a:off x="273599" y="3533313"/>
-            <a:ext cx="3628248" cy="1242380"/>
+            <a:off x="183899" y="3555576"/>
+            <a:ext cx="3628247" cy="1242380"/>
           </a:xfrm>
           <a:prstGeom prst="rect">
             <a:avLst/>
@@ -33768,12 +34295,12 @@
 </p:sld>
 </file>
 
-<file path=ppt/slides/slide12.xml><?xml version="1.0" encoding="utf-8"?>
+<file path=ppt/slides/slide13.xml><?xml version="1.0" encoding="utf-8"?>
 <p:sld xmlns:a="http://schemas.openxmlformats.org/drawingml/2006/main" xmlns:r="http://schemas.openxmlformats.org/officeDocument/2006/relationships" xmlns:mc="http://schemas.openxmlformats.org/markup-compatibility/2006" xmlns:mv="urn:schemas-microsoft-com:mac:vml" xmlns:p="http://schemas.openxmlformats.org/presentationml/2006/main" xmlns:c="http://schemas.openxmlformats.org/drawingml/2006/chart" xmlns:dgm="http://schemas.openxmlformats.org/drawingml/2006/diagram" xmlns:o="urn:schemas-microsoft-com:office:office" xmlns:v="urn:schemas-microsoft-com:vml" xmlns:pvml="urn:schemas-microsoft-com:office:powerpoint" xmlns:com="http://schemas.openxmlformats.org/drawingml/2006/compatibility" xmlns:p14="http://schemas.microsoft.com/office/powerpoint/2010/main" xmlns:p15="http://schemas.microsoft.com/office/powerpoint/2012/main" xmlns:ahyp="http://schemas.microsoft.com/office/drawing/2018/hyperlinkcolor">
   <p:cSld>
     <p:spTree>
       <p:nvGrpSpPr>
-        <p:cNvPr id="322" name="Shape 322"/>
+        <p:cNvPr id="331" name="Shape 331"/>
         <p:cNvGrpSpPr/>
         <p:nvPr/>
       </p:nvGrpSpPr>
@@ -33787,390 +34314,7 @@
       </p:grpSpPr>
       <p:sp>
         <p:nvSpPr>
-          <p:cNvPr id="323" name="Google Shape;323;p12"/>
-          <p:cNvSpPr txBox="1"/>
-          <p:nvPr>
-            <p:ph type="ctrTitle"/>
-          </p:nvPr>
-        </p:nvSpPr>
-        <p:spPr>
-          <a:xfrm flipH="1">
-            <a:off x="502200" y="445025"/>
-            <a:ext cx="8184600" cy="670500"/>
-          </a:xfrm>
-          <a:prstGeom prst="rect">
-            <a:avLst/>
-          </a:prstGeom>
-          <a:noFill/>
-          <a:ln>
-            <a:noFill/>
-          </a:ln>
-        </p:spPr>
-        <p:txBody>
-          <a:bodyPr anchorCtr="0" anchor="ctr" bIns="91425" lIns="91425" spcFirstLastPara="1" rIns="91425" wrap="square" tIns="91425">
-            <a:noAutofit/>
-          </a:bodyPr>
-          <a:lstStyle/>
-          <a:p>
-            <a:pPr indent="0" lvl="0" marL="0" rtl="0" algn="ctr">
-              <a:lnSpc>
-                <a:spcPct val="100000"/>
-              </a:lnSpc>
-              <a:spcBef>
-                <a:spcPts val="0"/>
-              </a:spcBef>
-              <a:spcAft>
-                <a:spcPts val="0"/>
-              </a:spcAft>
-              <a:buSzPts val="3600"/>
-              <a:buNone/>
-            </a:pPr>
-            <a:r>
-              <a:rPr lang="en"/>
-              <a:t>Implementação - regras</a:t>
-            </a:r>
-            <a:endParaRPr/>
-          </a:p>
-        </p:txBody>
-      </p:sp>
-      <p:sp>
-        <p:nvSpPr>
-          <p:cNvPr id="324" name="Google Shape;324;p12"/>
-          <p:cNvSpPr txBox="1"/>
-          <p:nvPr/>
-        </p:nvSpPr>
-        <p:spPr>
-          <a:xfrm>
-            <a:off x="213064" y="1242874"/>
-            <a:ext cx="8473736" cy="2246769"/>
-          </a:xfrm>
-          <a:prstGeom prst="rect">
-            <a:avLst/>
-          </a:prstGeom>
-          <a:noFill/>
-          <a:ln>
-            <a:noFill/>
-          </a:ln>
-        </p:spPr>
-        <p:txBody>
-          <a:bodyPr anchorCtr="0" anchor="t" bIns="45700" lIns="91425" spcFirstLastPara="1" rIns="91425" wrap="square" tIns="45700">
-            <a:spAutoFit/>
-          </a:bodyPr>
-          <a:lstStyle/>
-          <a:p>
-            <a:pPr indent="-285750" lvl="0" marL="285750" marR="0" rtl="0" algn="l">
-              <a:lnSpc>
-                <a:spcPct val="100000"/>
-              </a:lnSpc>
-              <a:spcBef>
-                <a:spcPts val="0"/>
-              </a:spcBef>
-              <a:spcAft>
-                <a:spcPts val="0"/>
-              </a:spcAft>
-              <a:buClr>
-                <a:schemeClr val="lt1"/>
-              </a:buClr>
-              <a:buSzPts val="1400"/>
-              <a:buFont typeface="Arial"/>
-              <a:buChar char="•"/>
-            </a:pPr>
-            <a:r>
-              <a:rPr b="0" i="0" lang="en" sz="1400" u="none" cap="none" strike="noStrike">
-                <a:solidFill>
-                  <a:schemeClr val="lt1"/>
-                </a:solidFill>
-                <a:latin typeface="Arial"/>
-                <a:ea typeface="Arial"/>
-                <a:cs typeface="Arial"/>
-                <a:sym typeface="Arial"/>
-              </a:rPr>
-              <a:t>Jogo funciona por rodadas. Cada rodada vem inimigos mais fortes e em maior numero </a:t>
-            </a:r>
-            <a:endParaRPr/>
-          </a:p>
-          <a:p>
-            <a:pPr indent="-196850" lvl="0" marL="285750" marR="0" rtl="0" algn="l">
-              <a:lnSpc>
-                <a:spcPct val="100000"/>
-              </a:lnSpc>
-              <a:spcBef>
-                <a:spcPts val="0"/>
-              </a:spcBef>
-              <a:spcAft>
-                <a:spcPts val="0"/>
-              </a:spcAft>
-              <a:buClr>
-                <a:schemeClr val="lt1"/>
-              </a:buClr>
-              <a:buSzPts val="1400"/>
-              <a:buFont typeface="Arial"/>
-              <a:buNone/>
-            </a:pPr>
-            <a:r>
-              <a:t/>
-            </a:r>
-            <a:endParaRPr b="0" i="0" sz="1400" u="none" cap="none" strike="noStrike">
-              <a:solidFill>
-                <a:schemeClr val="lt1"/>
-              </a:solidFill>
-              <a:latin typeface="Arial"/>
-              <a:ea typeface="Arial"/>
-              <a:cs typeface="Arial"/>
-              <a:sym typeface="Arial"/>
-            </a:endParaRPr>
-          </a:p>
-          <a:p>
-            <a:pPr indent="-285750" lvl="0" marL="285750" marR="0" rtl="0" algn="l">
-              <a:lnSpc>
-                <a:spcPct val="100000"/>
-              </a:lnSpc>
-              <a:spcBef>
-                <a:spcPts val="0"/>
-              </a:spcBef>
-              <a:spcAft>
-                <a:spcPts val="0"/>
-              </a:spcAft>
-              <a:buClr>
-                <a:schemeClr val="lt1"/>
-              </a:buClr>
-              <a:buSzPts val="1400"/>
-              <a:buFont typeface="Arial"/>
-              <a:buChar char="•"/>
-            </a:pPr>
-            <a:r>
-              <a:rPr b="0" i="0" lang="en" sz="1400" u="none" cap="none" strike="noStrike">
-                <a:solidFill>
-                  <a:schemeClr val="lt1"/>
-                </a:solidFill>
-                <a:latin typeface="Arial"/>
-                <a:ea typeface="Arial"/>
-                <a:cs typeface="Arial"/>
-                <a:sym typeface="Arial"/>
-              </a:rPr>
-              <a:t>Cada inimigo morto gera uma quantidade de Ouro, que serve para inserir torres</a:t>
-            </a:r>
-            <a:endParaRPr/>
-          </a:p>
-          <a:p>
-            <a:pPr indent="-196850" lvl="0" marL="285750" marR="0" rtl="0" algn="l">
-              <a:lnSpc>
-                <a:spcPct val="100000"/>
-              </a:lnSpc>
-              <a:spcBef>
-                <a:spcPts val="0"/>
-              </a:spcBef>
-              <a:spcAft>
-                <a:spcPts val="0"/>
-              </a:spcAft>
-              <a:buClr>
-                <a:schemeClr val="lt1"/>
-              </a:buClr>
-              <a:buSzPts val="1400"/>
-              <a:buFont typeface="Arial"/>
-              <a:buNone/>
-            </a:pPr>
-            <a:r>
-              <a:t/>
-            </a:r>
-            <a:endParaRPr b="0" i="0" sz="1400" u="none" cap="none" strike="noStrike">
-              <a:solidFill>
-                <a:schemeClr val="lt1"/>
-              </a:solidFill>
-              <a:latin typeface="Arial"/>
-              <a:ea typeface="Arial"/>
-              <a:cs typeface="Arial"/>
-              <a:sym typeface="Arial"/>
-            </a:endParaRPr>
-          </a:p>
-          <a:p>
-            <a:pPr indent="-285750" lvl="0" marL="285750" marR="0" rtl="0" algn="l">
-              <a:lnSpc>
-                <a:spcPct val="100000"/>
-              </a:lnSpc>
-              <a:spcBef>
-                <a:spcPts val="0"/>
-              </a:spcBef>
-              <a:spcAft>
-                <a:spcPts val="0"/>
-              </a:spcAft>
-              <a:buClr>
-                <a:schemeClr val="lt1"/>
-              </a:buClr>
-              <a:buSzPts val="1400"/>
-              <a:buFont typeface="Arial"/>
-              <a:buChar char="•"/>
-            </a:pPr>
-            <a:r>
-              <a:rPr b="0" i="0" lang="en" sz="1400" u="none" cap="none" strike="noStrike">
-                <a:solidFill>
-                  <a:schemeClr val="lt1"/>
-                </a:solidFill>
-                <a:latin typeface="Arial"/>
-                <a:ea typeface="Arial"/>
-                <a:cs typeface="Arial"/>
-                <a:sym typeface="Arial"/>
-              </a:rPr>
-              <a:t>O jogo é perdido caso os inimigos alcancem o ouro no final do percurso </a:t>
-            </a:r>
-            <a:endParaRPr/>
-          </a:p>
-          <a:p>
-            <a:pPr indent="-196850" lvl="0" marL="285750" marR="0" rtl="0" algn="l">
-              <a:lnSpc>
-                <a:spcPct val="100000"/>
-              </a:lnSpc>
-              <a:spcBef>
-                <a:spcPts val="0"/>
-              </a:spcBef>
-              <a:spcAft>
-                <a:spcPts val="0"/>
-              </a:spcAft>
-              <a:buClr>
-                <a:schemeClr val="lt1"/>
-              </a:buClr>
-              <a:buSzPts val="1400"/>
-              <a:buFont typeface="Arial"/>
-              <a:buNone/>
-            </a:pPr>
-            <a:r>
-              <a:t/>
-            </a:r>
-            <a:endParaRPr b="0" i="0" sz="1400" u="none" cap="none" strike="noStrike">
-              <a:solidFill>
-                <a:schemeClr val="lt1"/>
-              </a:solidFill>
-              <a:latin typeface="Arial"/>
-              <a:ea typeface="Arial"/>
-              <a:cs typeface="Arial"/>
-              <a:sym typeface="Arial"/>
-            </a:endParaRPr>
-          </a:p>
-          <a:p>
-            <a:pPr indent="-285750" lvl="0" marL="285750" marR="0" rtl="0" algn="l">
-              <a:lnSpc>
-                <a:spcPct val="100000"/>
-              </a:lnSpc>
-              <a:spcBef>
-                <a:spcPts val="0"/>
-              </a:spcBef>
-              <a:spcAft>
-                <a:spcPts val="0"/>
-              </a:spcAft>
-              <a:buClr>
-                <a:schemeClr val="lt1"/>
-              </a:buClr>
-              <a:buSzPts val="1400"/>
-              <a:buFont typeface="Arial"/>
-              <a:buChar char="•"/>
-            </a:pPr>
-            <a:r>
-              <a:rPr b="0" i="0" lang="en" sz="1400" u="none" cap="none" strike="noStrike">
-                <a:solidFill>
-                  <a:schemeClr val="lt1"/>
-                </a:solidFill>
-                <a:latin typeface="Arial"/>
-                <a:ea typeface="Arial"/>
-                <a:cs typeface="Arial"/>
-                <a:sym typeface="Arial"/>
-              </a:rPr>
-              <a:t>Pode-se inserir torres novas durante as rotas, dependendo apenas da quantidade de ouro que você tem</a:t>
-            </a:r>
-            <a:endParaRPr/>
-          </a:p>
-          <a:p>
-            <a:pPr indent="-196850" lvl="0" marL="285750" marR="0" rtl="0" algn="l">
-              <a:lnSpc>
-                <a:spcPct val="100000"/>
-              </a:lnSpc>
-              <a:spcBef>
-                <a:spcPts val="0"/>
-              </a:spcBef>
-              <a:spcAft>
-                <a:spcPts val="0"/>
-              </a:spcAft>
-              <a:buClr>
-                <a:schemeClr val="lt1"/>
-              </a:buClr>
-              <a:buSzPts val="1400"/>
-              <a:buFont typeface="Arial"/>
-              <a:buNone/>
-            </a:pPr>
-            <a:r>
-              <a:t/>
-            </a:r>
-            <a:endParaRPr b="0" i="0" sz="1400" u="none" cap="none" strike="noStrike">
-              <a:solidFill>
-                <a:schemeClr val="lt1"/>
-              </a:solidFill>
-              <a:latin typeface="Arial"/>
-              <a:ea typeface="Arial"/>
-              <a:cs typeface="Arial"/>
-              <a:sym typeface="Arial"/>
-            </a:endParaRPr>
-          </a:p>
-          <a:p>
-            <a:pPr indent="-285750" lvl="0" marL="285750" marR="0" rtl="0" algn="l">
-              <a:lnSpc>
-                <a:spcPct val="100000"/>
-              </a:lnSpc>
-              <a:spcBef>
-                <a:spcPts val="0"/>
-              </a:spcBef>
-              <a:spcAft>
-                <a:spcPts val="0"/>
-              </a:spcAft>
-              <a:buClr>
-                <a:schemeClr val="lt1"/>
-              </a:buClr>
-              <a:buSzPts val="1400"/>
-              <a:buFont typeface="Arial"/>
-              <a:buChar char="•"/>
-            </a:pPr>
-            <a:r>
-              <a:rPr b="0" i="0" lang="en" sz="1400" u="none" cap="none" strike="noStrike">
-                <a:solidFill>
-                  <a:schemeClr val="lt1"/>
-                </a:solidFill>
-                <a:latin typeface="Arial"/>
-                <a:ea typeface="Arial"/>
-                <a:cs typeface="Arial"/>
-                <a:sym typeface="Arial"/>
-              </a:rPr>
-              <a:t>O Objetivo do jogador é vencer todas as hordas e não deixar nenhuma chegar no ouro</a:t>
-            </a:r>
-            <a:endParaRPr/>
-          </a:p>
-        </p:txBody>
-      </p:sp>
-    </p:spTree>
-  </p:cSld>
-  <p:clrMapOvr>
-    <a:masterClrMapping/>
-  </p:clrMapOvr>
-</p:sld>
-</file>
-
-<file path=ppt/slides/slide13.xml><?xml version="1.0" encoding="utf-8"?>
-<p:sld xmlns:a="http://schemas.openxmlformats.org/drawingml/2006/main" xmlns:r="http://schemas.openxmlformats.org/officeDocument/2006/relationships" xmlns:mc="http://schemas.openxmlformats.org/markup-compatibility/2006" xmlns:mv="urn:schemas-microsoft-com:mac:vml" xmlns:p="http://schemas.openxmlformats.org/presentationml/2006/main" xmlns:c="http://schemas.openxmlformats.org/drawingml/2006/chart" xmlns:dgm="http://schemas.openxmlformats.org/drawingml/2006/diagram" xmlns:o="urn:schemas-microsoft-com:office:office" xmlns:v="urn:schemas-microsoft-com:vml" xmlns:pvml="urn:schemas-microsoft-com:office:powerpoint" xmlns:com="http://schemas.openxmlformats.org/drawingml/2006/compatibility" xmlns:p14="http://schemas.microsoft.com/office/powerpoint/2010/main" xmlns:p15="http://schemas.microsoft.com/office/powerpoint/2012/main" xmlns:ahyp="http://schemas.microsoft.com/office/drawing/2018/hyperlinkcolor">
-  <p:cSld>
-    <p:spTree>
-      <p:nvGrpSpPr>
-        <p:cNvPr id="328" name="Shape 328"/>
-        <p:cNvGrpSpPr/>
-        <p:nvPr/>
-      </p:nvGrpSpPr>
-      <p:grpSpPr>
-        <a:xfrm>
-          <a:off x="0" y="0"/>
-          <a:ext cx="0" cy="0"/>
-          <a:chOff x="0" y="0"/>
-          <a:chExt cx="0" cy="0"/>
-        </a:xfrm>
-      </p:grpSpPr>
-      <p:sp>
-        <p:nvSpPr>
-          <p:cNvPr id="329" name="Google Shape;329;p13"/>
+          <p:cNvPr id="332" name="Google Shape;332;p13"/>
           <p:cNvSpPr txBox="1"/>
           <p:nvPr>
             <p:ph type="ctrTitle"/>
@@ -34218,14 +34362,14 @@
       </p:sp>
       <p:sp>
         <p:nvSpPr>
-          <p:cNvPr id="330" name="Google Shape;330;p13"/>
+          <p:cNvPr id="333" name="Google Shape;333;p13"/>
           <p:cNvSpPr txBox="1"/>
           <p:nvPr/>
         </p:nvSpPr>
         <p:spPr>
           <a:xfrm>
-            <a:off x="230819" y="1420427"/>
-            <a:ext cx="8043169" cy="3108543"/>
+            <a:off x="550344" y="1469952"/>
+            <a:ext cx="8043300" cy="2678100"/>
           </a:xfrm>
           <a:prstGeom prst="rect">
             <a:avLst/>
@@ -34259,6 +34403,45 @@
               <a:buChar char="•"/>
             </a:pPr>
             <a:r>
+              <a:rPr b="1" i="0" lang="en" sz="1400" u="none" cap="none" strike="noStrike">
+                <a:solidFill>
+                  <a:schemeClr val="lt1"/>
+                </a:solidFill>
+              </a:rPr>
+              <a:t>Observer Pattern</a:t>
+            </a:r>
+            <a:r>
+              <a:rPr lang="en">
+                <a:solidFill>
+                  <a:schemeClr val="lt1"/>
+                </a:solidFill>
+              </a:rPr>
+              <a:t>: </a:t>
+            </a:r>
+            <a:r>
+              <a:rPr lang="en">
+                <a:solidFill>
+                  <a:schemeClr val="lt1"/>
+                </a:solidFill>
+              </a:rPr>
+              <a:t>movimentação dos inimigos</a:t>
+            </a:r>
+            <a:endParaRPr/>
+          </a:p>
+          <a:p>
+            <a:pPr indent="0" lvl="0" marL="0" marR="0" rtl="0" algn="l">
+              <a:lnSpc>
+                <a:spcPct val="100000"/>
+              </a:lnSpc>
+              <a:spcBef>
+                <a:spcPts val="0"/>
+              </a:spcBef>
+              <a:spcAft>
+                <a:spcPts val="0"/>
+              </a:spcAft>
+              <a:buNone/>
+            </a:pPr>
+            <a:r>
               <a:rPr b="0" i="0" lang="en" sz="1400" u="none" cap="none" strike="noStrike">
                 <a:solidFill>
                   <a:schemeClr val="lt1"/>
@@ -34268,31 +34451,16 @@
                 <a:cs typeface="Arial"/>
                 <a:sym typeface="Arial"/>
               </a:rPr>
-              <a:t>Observer Pattern</a:t>
+              <a:t>	- Salas </a:t>
             </a:r>
-            <a:endParaRPr b="0" i="0" sz="1400" u="none" cap="none" strike="noStrike">
-              <a:solidFill>
-                <a:schemeClr val="lt1"/>
-              </a:solidFill>
-              <a:latin typeface="Arial"/>
-              <a:ea typeface="Arial"/>
-              <a:cs typeface="Arial"/>
-              <a:sym typeface="Arial"/>
-            </a:endParaRPr>
-          </a:p>
-          <a:p>
-            <a:pPr indent="0" lvl="0" marL="0" marR="0" rtl="0" algn="l">
-              <a:lnSpc>
-                <a:spcPct val="100000"/>
-              </a:lnSpc>
-              <a:spcBef>
-                <a:spcPts val="0"/>
-              </a:spcBef>
-              <a:spcAft>
-                <a:spcPts val="0"/>
-              </a:spcAft>
-              <a:buNone/>
-            </a:pPr>
+            <a:r>
+              <a:rPr lang="en">
+                <a:solidFill>
+                  <a:schemeClr val="lt1"/>
+                </a:solidFill>
+              </a:rPr>
+              <a:t>(observers)</a:t>
+            </a:r>
             <a:r>
               <a:rPr b="0" i="0" lang="en" sz="1400" u="none" cap="none" strike="noStrike">
                 <a:solidFill>
@@ -34303,23 +34471,24 @@
                 <a:cs typeface="Arial"/>
                 <a:sym typeface="Arial"/>
               </a:rPr>
-              <a:t>	- Utilizamos muito o Observer Pattern, essencialmente para observar a movimentação 	dos inimigos pelo mapa</a:t>
+              <a:t> observam a movimentação dos inimigos (subjects)</a:t>
             </a:r>
-            <a:endParaRPr/>
-          </a:p>
-          <a:p>
-            <a:pPr indent="0" lvl="0" marL="0" marR="0" rtl="0" algn="l">
-              <a:lnSpc>
-                <a:spcPct val="100000"/>
-              </a:lnSpc>
-              <a:spcBef>
-                <a:spcPts val="0"/>
-              </a:spcBef>
-              <a:spcAft>
-                <a:spcPts val="0"/>
-              </a:spcAft>
-              <a:buNone/>
-            </a:pPr>
+            <a:r>
+              <a:rPr lang="en">
+                <a:solidFill>
+                  <a:schemeClr val="lt1"/>
+                </a:solidFill>
+              </a:rPr>
+              <a:t> e </a:t>
+            </a:r>
+            <a:r>
+              <a:rPr lang="en">
+                <a:solidFill>
+                  <a:schemeClr val="lt1"/>
+                </a:solidFill>
+              </a:rPr>
+              <a:t>aplicam seus efeitos neles </a:t>
+            </a:r>
             <a:r>
               <a:rPr b="0" i="0" lang="en" sz="1400" u="none" cap="none" strike="noStrike">
                 <a:solidFill>
@@ -34330,9 +34499,43 @@
                 <a:cs typeface="Arial"/>
                 <a:sym typeface="Arial"/>
               </a:rPr>
-              <a:t>	- Salas comportam-se como subjects e observam a movimentação dos inimigos, 	dependendo do local onde eles estão, as salas aplicam seus efeitos neles</a:t>
+              <a:t>dependendo d</a:t>
             </a:r>
-            <a:endParaRPr/>
+            <a:r>
+              <a:rPr lang="en">
+                <a:solidFill>
+                  <a:schemeClr val="lt1"/>
+                </a:solidFill>
+              </a:rPr>
+              <a:t>a posição</a:t>
+            </a:r>
+            <a:endParaRPr>
+              <a:solidFill>
+                <a:schemeClr val="lt1"/>
+              </a:solidFill>
+            </a:endParaRPr>
+          </a:p>
+          <a:p>
+            <a:pPr indent="0" lvl="0" marL="0" marR="0" rtl="0" algn="l">
+              <a:lnSpc>
+                <a:spcPct val="100000"/>
+              </a:lnSpc>
+              <a:spcBef>
+                <a:spcPts val="0"/>
+              </a:spcBef>
+              <a:spcAft>
+                <a:spcPts val="0"/>
+              </a:spcAft>
+              <a:buNone/>
+            </a:pPr>
+            <a:r>
+              <a:t/>
+            </a:r>
+            <a:endParaRPr>
+              <a:solidFill>
+                <a:schemeClr val="lt1"/>
+              </a:solidFill>
+            </a:endParaRPr>
           </a:p>
           <a:p>
             <a:pPr indent="-285750" lvl="0" marL="285750" marR="0" rtl="0" algn="l">
@@ -34353,6 +34556,45 @@
               <a:buChar char="•"/>
             </a:pPr>
             <a:r>
+              <a:rPr b="1" i="0" lang="en" sz="1400" u="none" cap="none" strike="noStrike">
+                <a:solidFill>
+                  <a:schemeClr val="lt1"/>
+                </a:solidFill>
+              </a:rPr>
+              <a:t>Adapter Pattern</a:t>
+            </a:r>
+            <a:r>
+              <a:rPr lang="en">
+                <a:solidFill>
+                  <a:schemeClr val="lt1"/>
+                </a:solidFill>
+              </a:rPr>
+              <a:t>: </a:t>
+            </a:r>
+            <a:r>
+              <a:rPr lang="en">
+                <a:solidFill>
+                  <a:schemeClr val="lt1"/>
+                </a:solidFill>
+              </a:rPr>
+              <a:t>inserção de torres</a:t>
+            </a:r>
+            <a:endParaRPr/>
+          </a:p>
+          <a:p>
+            <a:pPr indent="0" lvl="1" marL="0" marR="0" rtl="0" algn="l">
+              <a:lnSpc>
+                <a:spcPct val="100000"/>
+              </a:lnSpc>
+              <a:spcBef>
+                <a:spcPts val="0"/>
+              </a:spcBef>
+              <a:spcAft>
+                <a:spcPts val="0"/>
+              </a:spcAft>
+              <a:buNone/>
+            </a:pPr>
+            <a:r>
               <a:rPr b="0" i="0" lang="en" sz="1400" u="none" cap="none" strike="noStrike">
                 <a:solidFill>
                   <a:schemeClr val="lt1"/>
@@ -34362,7 +34604,27 @@
                 <a:cs typeface="Arial"/>
                 <a:sym typeface="Arial"/>
               </a:rPr>
-              <a:t>Adapter Pattern</a:t>
+              <a:t>	- Todas as torres podem ser inseridas sob um mesmo lugar sem alteração de código,</a:t>
+            </a:r>
+            <a:r>
+              <a:rPr lang="en">
+                <a:solidFill>
+                  <a:schemeClr val="lt1"/>
+                </a:solidFill>
+              </a:rPr>
+              <a:t> </a:t>
+            </a:r>
+            <a:r>
+              <a:rPr b="0" i="0" lang="en" sz="1400" u="none" cap="none" strike="noStrike">
+                <a:solidFill>
+                  <a:schemeClr val="lt1"/>
+                </a:solidFill>
+                <a:latin typeface="Arial"/>
+                <a:ea typeface="Arial"/>
+                <a:cs typeface="Arial"/>
+                <a:sym typeface="Arial"/>
+              </a:rPr>
+              <a:t>pois as Salas estão adaptadas para receber todos os tipos (polimorfismo)</a:t>
             </a:r>
             <a:endParaRPr b="0" i="0" sz="1400" u="none" cap="none" strike="noStrike">
               <a:solidFill>
@@ -34388,6 +34650,84 @@
               <a:buNone/>
             </a:pPr>
             <a:r>
+              <a:t/>
+            </a:r>
+            <a:endParaRPr>
+              <a:solidFill>
+                <a:schemeClr val="lt1"/>
+              </a:solidFill>
+            </a:endParaRPr>
+          </a:p>
+          <a:p>
+            <a:pPr indent="-285750" lvl="1" marL="285750" marR="0" rtl="0" algn="l">
+              <a:lnSpc>
+                <a:spcPct val="100000"/>
+              </a:lnSpc>
+              <a:spcBef>
+                <a:spcPts val="0"/>
+              </a:spcBef>
+              <a:spcAft>
+                <a:spcPts val="0"/>
+              </a:spcAft>
+              <a:buClr>
+                <a:schemeClr val="lt1"/>
+              </a:buClr>
+              <a:buSzPts val="1400"/>
+              <a:buFont typeface="Arial"/>
+              <a:buChar char="•"/>
+            </a:pPr>
+            <a:r>
+              <a:rPr b="1" i="0" lang="en" sz="1400" u="none" cap="none" strike="noStrike">
+                <a:solidFill>
+                  <a:schemeClr val="lt1"/>
+                </a:solidFill>
+              </a:rPr>
+              <a:t>Composite Pattern</a:t>
+            </a:r>
+            <a:r>
+              <a:rPr lang="en">
+                <a:solidFill>
+                  <a:schemeClr val="lt1"/>
+                </a:solidFill>
+              </a:rPr>
+              <a:t>: </a:t>
+            </a:r>
+            <a:r>
+              <a:rPr lang="en">
+                <a:solidFill>
+                  <a:schemeClr val="lt1"/>
+                </a:solidFill>
+              </a:rPr>
+              <a:t>organização das salas</a:t>
+            </a:r>
+            <a:endParaRPr>
+              <a:solidFill>
+                <a:schemeClr val="lt1"/>
+              </a:solidFill>
+            </a:endParaRPr>
+          </a:p>
+          <a:p>
+            <a:pPr indent="457200" lvl="1" marL="0" marR="0" rtl="0" algn="l">
+              <a:lnSpc>
+                <a:spcPct val="100000"/>
+              </a:lnSpc>
+              <a:spcBef>
+                <a:spcPts val="0"/>
+              </a:spcBef>
+              <a:spcAft>
+                <a:spcPts val="0"/>
+              </a:spcAft>
+              <a:buNone/>
+            </a:pPr>
+            <a:r>
+              <a:rPr lang="en">
+                <a:solidFill>
+                  <a:schemeClr val="lt1"/>
+                </a:solidFill>
+              </a:rPr>
+              <a:t>-</a:t>
+            </a:r>
+            <a:r>
               <a:rPr b="0" i="0" lang="en" sz="1400" u="none" cap="none" strike="noStrike">
                 <a:solidFill>
                   <a:schemeClr val="lt1"/>
@@ -34397,23 +34737,16 @@
                 <a:cs typeface="Arial"/>
                 <a:sym typeface="Arial"/>
               </a:rPr>
-              <a:t>	- Utilizado na inserção de torres.</a:t>
+              <a:t> </a:t>
             </a:r>
-            <a:endParaRPr/>
-          </a:p>
-          <a:p>
-            <a:pPr indent="0" lvl="1" marL="0" marR="0" rtl="0" algn="l">
-              <a:lnSpc>
-                <a:spcPct val="100000"/>
-              </a:lnSpc>
-              <a:spcBef>
-                <a:spcPts val="0"/>
-              </a:spcBef>
-              <a:spcAft>
-                <a:spcPts val="0"/>
-              </a:spcAft>
-              <a:buNone/>
-            </a:pPr>
+            <a:r>
+              <a:rPr lang="en">
+                <a:solidFill>
+                  <a:schemeClr val="lt1"/>
+                </a:solidFill>
+              </a:rPr>
+              <a:t>M</a:t>
+            </a:r>
             <a:r>
               <a:rPr b="0" i="0" lang="en" sz="1400" u="none" cap="none" strike="noStrike">
                 <a:solidFill>
@@ -34424,28 +34757,16 @@
                 <a:cs typeface="Arial"/>
                 <a:sym typeface="Arial"/>
               </a:rPr>
-              <a:t>	- Todas as torres podem ser inseridas sob um mesmo lugar sem alteração de código, 	pois as Salas estão adaptadas para receber todos os tipos</a:t>
+              <a:t>apa cont</a:t>
             </a:r>
-            <a:endParaRPr/>
-          </a:p>
-          <a:p>
-            <a:pPr indent="-285750" lvl="1" marL="285750" marR="0" rtl="0" algn="l">
-              <a:lnSpc>
-                <a:spcPct val="100000"/>
-              </a:lnSpc>
-              <a:spcBef>
-                <a:spcPts val="0"/>
-              </a:spcBef>
-              <a:spcAft>
-                <a:spcPts val="0"/>
-              </a:spcAft>
-              <a:buClr>
-                <a:schemeClr val="lt1"/>
-              </a:buClr>
-              <a:buSzPts val="1400"/>
-              <a:buFont typeface="Arial"/>
-              <a:buChar char="•"/>
-            </a:pPr>
+            <a:r>
+              <a:rPr lang="en">
+                <a:solidFill>
+                  <a:schemeClr val="lt1"/>
+                </a:solidFill>
+              </a:rPr>
+              <a:t>é</a:t>
+            </a:r>
             <a:r>
               <a:rPr b="0" i="0" lang="en" sz="1400" u="none" cap="none" strike="noStrike">
                 <a:solidFill>
@@ -34456,23 +34777,16 @@
                 <a:cs typeface="Arial"/>
                 <a:sym typeface="Arial"/>
               </a:rPr>
-              <a:t>Composite Pattern </a:t>
+              <a:t>m todas as salas, que cont</a:t>
             </a:r>
-            <a:endParaRPr/>
-          </a:p>
-          <a:p>
-            <a:pPr indent="0" lvl="1" marL="0" marR="0" rtl="0" algn="l">
-              <a:lnSpc>
-                <a:spcPct val="100000"/>
-              </a:lnSpc>
-              <a:spcBef>
-                <a:spcPts val="0"/>
-              </a:spcBef>
-              <a:spcAft>
-                <a:spcPts val="0"/>
-              </a:spcAft>
-              <a:buNone/>
-            </a:pPr>
+            <a:r>
+              <a:rPr lang="en">
+                <a:solidFill>
+                  <a:schemeClr val="lt1"/>
+                </a:solidFill>
+              </a:rPr>
+              <a:t>é</a:t>
+            </a:r>
             <a:r>
               <a:rPr b="0" i="0" lang="en" sz="1400" u="none" cap="none" strike="noStrike">
                 <a:solidFill>
@@ -34483,7 +34797,35 @@
                 <a:cs typeface="Arial"/>
                 <a:sym typeface="Arial"/>
               </a:rPr>
-              <a:t>	- Usado na forma como se organizam as salas, pois um mapa contem todas as salas, 	que contem inimigos, efeitos e torres, estes que contem seus respectivos atributos 	sozinhos</a:t>
+              <a:t>m inimigos, efeitos e torres, e estes cont</a:t>
+            </a:r>
+            <a:r>
+              <a:rPr lang="en">
+                <a:solidFill>
+                  <a:schemeClr val="lt1"/>
+                </a:solidFill>
+              </a:rPr>
+              <a:t>é</a:t>
+            </a:r>
+            <a:r>
+              <a:rPr b="0" i="0" lang="en" sz="1400" u="none" cap="none" strike="noStrike">
+                <a:solidFill>
+                  <a:schemeClr val="lt1"/>
+                </a:solidFill>
+                <a:latin typeface="Arial"/>
+                <a:ea typeface="Arial"/>
+                <a:cs typeface="Arial"/>
+                <a:sym typeface="Arial"/>
+              </a:rPr>
+              <a:t>m seus respectivos atributo</a:t>
+            </a:r>
+            <a:r>
+              <a:rPr lang="en">
+                <a:solidFill>
+                  <a:schemeClr val="lt1"/>
+                </a:solidFill>
+              </a:rPr>
+              <a:t>s</a:t>
             </a:r>
             <a:endParaRPr/>
           </a:p>
@@ -34528,7 +34870,7 @@
   <p:cSld>
     <p:spTree>
       <p:nvGrpSpPr>
-        <p:cNvPr id="334" name="Shape 334"/>
+        <p:cNvPr id="337" name="Shape 337"/>
         <p:cNvGrpSpPr/>
         <p:nvPr/>
       </p:nvGrpSpPr>
@@ -34542,7 +34884,7 @@
       </p:grpSpPr>
       <p:sp>
         <p:nvSpPr>
-          <p:cNvPr id="335" name="Google Shape;335;g13a7cec00ac_0_0"/>
+          <p:cNvPr id="338" name="Google Shape;338;g13a7cec00ac_0_0"/>
           <p:cNvSpPr txBox="1"/>
           <p:nvPr>
             <p:ph type="ctrTitle"/>
@@ -34550,7 +34892,7 @@
         </p:nvSpPr>
         <p:spPr>
           <a:xfrm flipH="1">
-            <a:off x="479700" y="445025"/>
+            <a:off x="479700" y="0"/>
             <a:ext cx="8184600" cy="670500"/>
           </a:xfrm>
           <a:prstGeom prst="rect">
@@ -34590,7 +34932,7 @@
       </p:sp>
       <p:pic>
         <p:nvPicPr>
-          <p:cNvPr id="336" name="Google Shape;336;g13a7cec00ac_0_0"/>
+          <p:cNvPr id="339" name="Google Shape;339;g13a7cec00ac_0_0"/>
           <p:cNvPicPr preferRelativeResize="0"/>
           <p:nvPr/>
         </p:nvPicPr>
@@ -34604,8 +34946,8 @@
         </p:blipFill>
         <p:spPr>
           <a:xfrm>
-            <a:off x="765850" y="1115525"/>
-            <a:ext cx="7466358" cy="3922749"/>
+            <a:off x="394441" y="670500"/>
+            <a:ext cx="8355118" cy="4389701"/>
           </a:xfrm>
           <a:prstGeom prst="rect">
             <a:avLst/>
@@ -34643,7 +34985,7 @@
       </p:grpSpPr>
       <p:sp>
         <p:nvSpPr>
-          <p:cNvPr id="254" name="Google Shape;254;p2"/>
+          <p:cNvPr id="254" name="Google Shape;254;p12"/>
           <p:cNvSpPr txBox="1"/>
           <p:nvPr>
             <p:ph type="ctrTitle"/>
@@ -34663,6 +35005,505 @@
           </a:ln>
         </p:spPr>
         <p:txBody>
+          <a:bodyPr anchorCtr="0" anchor="ctr" bIns="91425" lIns="91425" spcFirstLastPara="1" rIns="91425" wrap="square" tIns="91425">
+            <a:noAutofit/>
+          </a:bodyPr>
+          <a:lstStyle/>
+          <a:p>
+            <a:pPr indent="0" lvl="0" marL="0" rtl="0" algn="ctr">
+              <a:lnSpc>
+                <a:spcPct val="100000"/>
+              </a:lnSpc>
+              <a:spcBef>
+                <a:spcPts val="0"/>
+              </a:spcBef>
+              <a:spcAft>
+                <a:spcPts val="0"/>
+              </a:spcAft>
+              <a:buSzPts val="3600"/>
+              <a:buNone/>
+            </a:pPr>
+            <a:r>
+              <a:rPr lang="en"/>
+              <a:t>Implementação - regras</a:t>
+            </a:r>
+            <a:endParaRPr/>
+          </a:p>
+        </p:txBody>
+      </p:sp>
+      <p:sp>
+        <p:nvSpPr>
+          <p:cNvPr id="255" name="Google Shape;255;p12"/>
+          <p:cNvSpPr txBox="1"/>
+          <p:nvPr/>
+        </p:nvSpPr>
+        <p:spPr>
+          <a:xfrm>
+            <a:off x="213071" y="1242875"/>
+            <a:ext cx="5459100" cy="3109200"/>
+          </a:xfrm>
+          <a:prstGeom prst="rect">
+            <a:avLst/>
+          </a:prstGeom>
+          <a:noFill/>
+          <a:ln>
+            <a:noFill/>
+          </a:ln>
+        </p:spPr>
+        <p:txBody>
+          <a:bodyPr anchorCtr="0" anchor="t" bIns="45700" lIns="91425" spcFirstLastPara="1" rIns="91425" wrap="square" tIns="45700">
+            <a:spAutoFit/>
+          </a:bodyPr>
+          <a:lstStyle/>
+          <a:p>
+            <a:pPr indent="-285750" lvl="0" marL="285750" marR="0" rtl="0" algn="l">
+              <a:lnSpc>
+                <a:spcPct val="100000"/>
+              </a:lnSpc>
+              <a:spcBef>
+                <a:spcPts val="0"/>
+              </a:spcBef>
+              <a:spcAft>
+                <a:spcPts val="0"/>
+              </a:spcAft>
+              <a:buClr>
+                <a:schemeClr val="lt1"/>
+              </a:buClr>
+              <a:buSzPts val="1400"/>
+              <a:buFont typeface="Arial"/>
+              <a:buChar char="•"/>
+            </a:pPr>
+            <a:r>
+              <a:rPr lang="en">
+                <a:solidFill>
+                  <a:schemeClr val="lt1"/>
+                </a:solidFill>
+              </a:rPr>
+              <a:t>O j</a:t>
+            </a:r>
+            <a:r>
+              <a:rPr b="0" i="0" lang="en" sz="1400" u="none" cap="none" strike="noStrike">
+                <a:solidFill>
+                  <a:schemeClr val="lt1"/>
+                </a:solidFill>
+                <a:latin typeface="Arial"/>
+                <a:ea typeface="Arial"/>
+                <a:cs typeface="Arial"/>
+                <a:sym typeface="Arial"/>
+              </a:rPr>
+              <a:t>ogo funciona por rodadas. </a:t>
+            </a:r>
+            <a:r>
+              <a:rPr lang="en">
+                <a:solidFill>
+                  <a:schemeClr val="lt1"/>
+                </a:solidFill>
+              </a:rPr>
+              <a:t>A c</a:t>
+            </a:r>
+            <a:r>
+              <a:rPr b="0" i="0" lang="en" sz="1400" u="none" cap="none" strike="noStrike">
+                <a:solidFill>
+                  <a:schemeClr val="lt1"/>
+                </a:solidFill>
+                <a:latin typeface="Arial"/>
+                <a:ea typeface="Arial"/>
+                <a:cs typeface="Arial"/>
+                <a:sym typeface="Arial"/>
+              </a:rPr>
+              <a:t>ada </a:t>
+            </a:r>
+            <a:r>
+              <a:rPr lang="en">
+                <a:solidFill>
+                  <a:schemeClr val="lt1"/>
+                </a:solidFill>
+              </a:rPr>
+              <a:t>uma </a:t>
+            </a:r>
+            <a:r>
+              <a:rPr b="0" i="0" lang="en" sz="1400" u="none" cap="none" strike="noStrike">
+                <a:solidFill>
+                  <a:schemeClr val="lt1"/>
+                </a:solidFill>
+                <a:latin typeface="Arial"/>
+                <a:ea typeface="Arial"/>
+                <a:cs typeface="Arial"/>
+                <a:sym typeface="Arial"/>
+              </a:rPr>
+              <a:t>v</a:t>
+            </a:r>
+            <a:r>
+              <a:rPr lang="en">
+                <a:solidFill>
+                  <a:schemeClr val="lt1"/>
+                </a:solidFill>
+              </a:rPr>
+              <a:t>ê</a:t>
+            </a:r>
+            <a:r>
+              <a:rPr b="0" i="0" lang="en" sz="1400" u="none" cap="none" strike="noStrike">
+                <a:solidFill>
+                  <a:schemeClr val="lt1"/>
+                </a:solidFill>
+                <a:latin typeface="Arial"/>
+                <a:ea typeface="Arial"/>
+                <a:cs typeface="Arial"/>
+                <a:sym typeface="Arial"/>
+              </a:rPr>
+              <a:t>m inimigos mais fortes e em maior n</a:t>
+            </a:r>
+            <a:r>
+              <a:rPr lang="en">
+                <a:solidFill>
+                  <a:schemeClr val="lt1"/>
+                </a:solidFill>
+              </a:rPr>
+              <a:t>ú</a:t>
+            </a:r>
+            <a:r>
+              <a:rPr b="0" i="0" lang="en" sz="1400" u="none" cap="none" strike="noStrike">
+                <a:solidFill>
+                  <a:schemeClr val="lt1"/>
+                </a:solidFill>
+                <a:latin typeface="Arial"/>
+                <a:ea typeface="Arial"/>
+                <a:cs typeface="Arial"/>
+                <a:sym typeface="Arial"/>
+              </a:rPr>
+              <a:t>mero </a:t>
+            </a:r>
+            <a:endParaRPr/>
+          </a:p>
+          <a:p>
+            <a:pPr indent="-196850" lvl="0" marL="285750" marR="0" rtl="0" algn="l">
+              <a:lnSpc>
+                <a:spcPct val="100000"/>
+              </a:lnSpc>
+              <a:spcBef>
+                <a:spcPts val="0"/>
+              </a:spcBef>
+              <a:spcAft>
+                <a:spcPts val="0"/>
+              </a:spcAft>
+              <a:buClr>
+                <a:schemeClr val="lt1"/>
+              </a:buClr>
+              <a:buSzPts val="1400"/>
+              <a:buFont typeface="Arial"/>
+              <a:buNone/>
+            </a:pPr>
+            <a:r>
+              <a:t/>
+            </a:r>
+            <a:endParaRPr b="0" i="0" sz="1400" u="none" cap="none" strike="noStrike">
+              <a:solidFill>
+                <a:schemeClr val="lt1"/>
+              </a:solidFill>
+              <a:latin typeface="Arial"/>
+              <a:ea typeface="Arial"/>
+              <a:cs typeface="Arial"/>
+              <a:sym typeface="Arial"/>
+            </a:endParaRPr>
+          </a:p>
+          <a:p>
+            <a:pPr indent="-285750" lvl="0" marL="285750" marR="0" rtl="0" algn="l">
+              <a:lnSpc>
+                <a:spcPct val="100000"/>
+              </a:lnSpc>
+              <a:spcBef>
+                <a:spcPts val="0"/>
+              </a:spcBef>
+              <a:spcAft>
+                <a:spcPts val="0"/>
+              </a:spcAft>
+              <a:buClr>
+                <a:schemeClr val="lt1"/>
+              </a:buClr>
+              <a:buSzPts val="1400"/>
+              <a:buFont typeface="Arial"/>
+              <a:buChar char="•"/>
+            </a:pPr>
+            <a:r>
+              <a:rPr b="0" i="0" lang="en" sz="1400" u="none" cap="none" strike="noStrike">
+                <a:solidFill>
+                  <a:schemeClr val="lt1"/>
+                </a:solidFill>
+                <a:latin typeface="Arial"/>
+                <a:ea typeface="Arial"/>
+                <a:cs typeface="Arial"/>
+                <a:sym typeface="Arial"/>
+              </a:rPr>
+              <a:t>Cada inimigo morto gera uma quantidade de Ouro, que serve para inserir torres</a:t>
+            </a:r>
+            <a:endParaRPr/>
+          </a:p>
+          <a:p>
+            <a:pPr indent="-196850" lvl="0" marL="285750" marR="0" rtl="0" algn="l">
+              <a:lnSpc>
+                <a:spcPct val="100000"/>
+              </a:lnSpc>
+              <a:spcBef>
+                <a:spcPts val="0"/>
+              </a:spcBef>
+              <a:spcAft>
+                <a:spcPts val="0"/>
+              </a:spcAft>
+              <a:buClr>
+                <a:schemeClr val="lt1"/>
+              </a:buClr>
+              <a:buSzPts val="1400"/>
+              <a:buFont typeface="Arial"/>
+              <a:buNone/>
+            </a:pPr>
+            <a:r>
+              <a:t/>
+            </a:r>
+            <a:endParaRPr b="0" i="0" sz="1400" u="none" cap="none" strike="noStrike">
+              <a:solidFill>
+                <a:schemeClr val="lt1"/>
+              </a:solidFill>
+              <a:latin typeface="Arial"/>
+              <a:ea typeface="Arial"/>
+              <a:cs typeface="Arial"/>
+              <a:sym typeface="Arial"/>
+            </a:endParaRPr>
+          </a:p>
+          <a:p>
+            <a:pPr indent="-285750" lvl="0" marL="285750" marR="0" rtl="0" algn="l">
+              <a:lnSpc>
+                <a:spcPct val="100000"/>
+              </a:lnSpc>
+              <a:spcBef>
+                <a:spcPts val="0"/>
+              </a:spcBef>
+              <a:spcAft>
+                <a:spcPts val="0"/>
+              </a:spcAft>
+              <a:buClr>
+                <a:schemeClr val="lt1"/>
+              </a:buClr>
+              <a:buSzPts val="1400"/>
+              <a:buFont typeface="Arial"/>
+              <a:buChar char="•"/>
+            </a:pPr>
+            <a:r>
+              <a:rPr b="0" i="0" lang="en" sz="1400" u="none" cap="none" strike="noStrike">
+                <a:solidFill>
+                  <a:schemeClr val="lt1"/>
+                </a:solidFill>
+                <a:latin typeface="Arial"/>
+                <a:ea typeface="Arial"/>
+                <a:cs typeface="Arial"/>
+                <a:sym typeface="Arial"/>
+              </a:rPr>
+              <a:t>O jogo é perdido caso os inimigos alcancem o ouro no final do percurso </a:t>
+            </a:r>
+            <a:endParaRPr/>
+          </a:p>
+          <a:p>
+            <a:pPr indent="-196850" lvl="0" marL="285750" marR="0" rtl="0" algn="l">
+              <a:lnSpc>
+                <a:spcPct val="100000"/>
+              </a:lnSpc>
+              <a:spcBef>
+                <a:spcPts val="0"/>
+              </a:spcBef>
+              <a:spcAft>
+                <a:spcPts val="0"/>
+              </a:spcAft>
+              <a:buClr>
+                <a:schemeClr val="lt1"/>
+              </a:buClr>
+              <a:buSzPts val="1400"/>
+              <a:buFont typeface="Arial"/>
+              <a:buNone/>
+            </a:pPr>
+            <a:r>
+              <a:t/>
+            </a:r>
+            <a:endParaRPr b="0" i="0" sz="1400" u="none" cap="none" strike="noStrike">
+              <a:solidFill>
+                <a:schemeClr val="lt1"/>
+              </a:solidFill>
+              <a:latin typeface="Arial"/>
+              <a:ea typeface="Arial"/>
+              <a:cs typeface="Arial"/>
+              <a:sym typeface="Arial"/>
+            </a:endParaRPr>
+          </a:p>
+          <a:p>
+            <a:pPr indent="-285750" lvl="0" marL="285750" marR="0" rtl="0" algn="l">
+              <a:lnSpc>
+                <a:spcPct val="100000"/>
+              </a:lnSpc>
+              <a:spcBef>
+                <a:spcPts val="0"/>
+              </a:spcBef>
+              <a:spcAft>
+                <a:spcPts val="0"/>
+              </a:spcAft>
+              <a:buClr>
+                <a:schemeClr val="lt1"/>
+              </a:buClr>
+              <a:buSzPts val="1400"/>
+              <a:buFont typeface="Arial"/>
+              <a:buChar char="•"/>
+            </a:pPr>
+            <a:r>
+              <a:rPr b="0" i="0" lang="en" sz="1400" u="none" cap="none" strike="noStrike">
+                <a:solidFill>
+                  <a:schemeClr val="lt1"/>
+                </a:solidFill>
+                <a:latin typeface="Arial"/>
+                <a:ea typeface="Arial"/>
+                <a:cs typeface="Arial"/>
+                <a:sym typeface="Arial"/>
+              </a:rPr>
+              <a:t>Pode-se inserir torres novas e mais fortes durante as rotas, dependendo apenas da quantidade de ouro que você tem</a:t>
+            </a:r>
+            <a:endParaRPr/>
+          </a:p>
+          <a:p>
+            <a:pPr indent="-196850" lvl="0" marL="285750" marR="0" rtl="0" algn="l">
+              <a:lnSpc>
+                <a:spcPct val="100000"/>
+              </a:lnSpc>
+              <a:spcBef>
+                <a:spcPts val="0"/>
+              </a:spcBef>
+              <a:spcAft>
+                <a:spcPts val="0"/>
+              </a:spcAft>
+              <a:buClr>
+                <a:schemeClr val="lt1"/>
+              </a:buClr>
+              <a:buSzPts val="1400"/>
+              <a:buFont typeface="Arial"/>
+              <a:buNone/>
+            </a:pPr>
+            <a:r>
+              <a:t/>
+            </a:r>
+            <a:endParaRPr b="0" i="0" sz="1400" u="none" cap="none" strike="noStrike">
+              <a:solidFill>
+                <a:schemeClr val="lt1"/>
+              </a:solidFill>
+              <a:latin typeface="Arial"/>
+              <a:ea typeface="Arial"/>
+              <a:cs typeface="Arial"/>
+              <a:sym typeface="Arial"/>
+            </a:endParaRPr>
+          </a:p>
+          <a:p>
+            <a:pPr indent="-285750" lvl="0" marL="285750" marR="0" rtl="0" algn="l">
+              <a:lnSpc>
+                <a:spcPct val="100000"/>
+              </a:lnSpc>
+              <a:spcBef>
+                <a:spcPts val="0"/>
+              </a:spcBef>
+              <a:spcAft>
+                <a:spcPts val="0"/>
+              </a:spcAft>
+              <a:buClr>
+                <a:schemeClr val="lt1"/>
+              </a:buClr>
+              <a:buSzPts val="1400"/>
+              <a:buFont typeface="Arial"/>
+              <a:buChar char="•"/>
+            </a:pPr>
+            <a:r>
+              <a:rPr b="0" i="0" lang="en" sz="1400" u="none" cap="none" strike="noStrike">
+                <a:solidFill>
+                  <a:schemeClr val="lt1"/>
+                </a:solidFill>
+                <a:latin typeface="Arial"/>
+                <a:ea typeface="Arial"/>
+                <a:cs typeface="Arial"/>
+                <a:sym typeface="Arial"/>
+              </a:rPr>
+              <a:t>O Objetivo do jogador é vencer todas as hordas e não deixar nenhuma chegar no ouro</a:t>
+            </a:r>
+            <a:endParaRPr/>
+          </a:p>
+        </p:txBody>
+      </p:sp>
+      <p:pic>
+        <p:nvPicPr>
+          <p:cNvPr id="256" name="Google Shape;256;p12"/>
+          <p:cNvPicPr preferRelativeResize="0"/>
+          <p:nvPr/>
+        </p:nvPicPr>
+        <p:blipFill>
+          <a:blip r:embed="rId3">
+            <a:alphaModFix/>
+          </a:blip>
+          <a:stretch>
+            <a:fillRect/>
+          </a:stretch>
+        </p:blipFill>
+        <p:spPr>
+          <a:xfrm>
+            <a:off x="5672075" y="1242875"/>
+            <a:ext cx="3123276" cy="3123276"/>
+          </a:xfrm>
+          <a:prstGeom prst="rect">
+            <a:avLst/>
+          </a:prstGeom>
+          <a:noFill/>
+          <a:ln>
+            <a:noFill/>
+          </a:ln>
+        </p:spPr>
+      </p:pic>
+    </p:spTree>
+  </p:cSld>
+  <p:clrMapOvr>
+    <a:masterClrMapping/>
+  </p:clrMapOvr>
+</p:sld>
+</file>
+
+<file path=ppt/slides/slide3.xml><?xml version="1.0" encoding="utf-8"?>
+<p:sld xmlns:a="http://schemas.openxmlformats.org/drawingml/2006/main" xmlns:r="http://schemas.openxmlformats.org/officeDocument/2006/relationships" xmlns:mc="http://schemas.openxmlformats.org/markup-compatibility/2006" xmlns:mv="urn:schemas-microsoft-com:mac:vml" xmlns:p="http://schemas.openxmlformats.org/presentationml/2006/main" xmlns:c="http://schemas.openxmlformats.org/drawingml/2006/chart" xmlns:dgm="http://schemas.openxmlformats.org/drawingml/2006/diagram" xmlns:o="urn:schemas-microsoft-com:office:office" xmlns:v="urn:schemas-microsoft-com:vml" xmlns:pvml="urn:schemas-microsoft-com:office:powerpoint" xmlns:com="http://schemas.openxmlformats.org/drawingml/2006/compatibility" xmlns:p14="http://schemas.microsoft.com/office/powerpoint/2010/main" xmlns:p15="http://schemas.microsoft.com/office/powerpoint/2012/main" xmlns:ahyp="http://schemas.microsoft.com/office/drawing/2018/hyperlinkcolor">
+  <p:cSld>
+    <p:spTree>
+      <p:nvGrpSpPr>
+        <p:cNvPr id="260" name="Shape 260"/>
+        <p:cNvGrpSpPr/>
+        <p:nvPr/>
+      </p:nvGrpSpPr>
+      <p:grpSpPr>
+        <a:xfrm>
+          <a:off x="0" y="0"/>
+          <a:ext cx="0" cy="0"/>
+          <a:chOff x="0" y="0"/>
+          <a:chExt cx="0" cy="0"/>
+        </a:xfrm>
+      </p:grpSpPr>
+      <p:sp>
+        <p:nvSpPr>
+          <p:cNvPr id="261" name="Google Shape;261;p2"/>
+          <p:cNvSpPr txBox="1"/>
+          <p:nvPr>
+            <p:ph type="ctrTitle"/>
+          </p:nvPr>
+        </p:nvSpPr>
+        <p:spPr>
+          <a:xfrm flipH="1">
+            <a:off x="479700" y="452100"/>
+            <a:ext cx="8184600" cy="670500"/>
+          </a:xfrm>
+          <a:prstGeom prst="rect">
+            <a:avLst/>
+          </a:prstGeom>
+          <a:noFill/>
+          <a:ln>
+            <a:noFill/>
+          </a:ln>
+        </p:spPr>
+        <p:txBody>
           <a:bodyPr anchorCtr="0" anchor="t" bIns="91425" lIns="91425" spcFirstLastPara="1" rIns="91425" wrap="square" tIns="91425">
             <a:noAutofit/>
           </a:bodyPr>
@@ -34710,14 +35551,14 @@
       </p:sp>
       <p:sp>
         <p:nvSpPr>
-          <p:cNvPr id="255" name="Google Shape;255;p2"/>
+          <p:cNvPr id="262" name="Google Shape;262;p2"/>
           <p:cNvSpPr txBox="1"/>
           <p:nvPr/>
         </p:nvSpPr>
         <p:spPr>
           <a:xfrm>
-            <a:off x="1091952" y="1296140"/>
-            <a:ext cx="4900475" cy="2031325"/>
+            <a:off x="1091950" y="1219949"/>
+            <a:ext cx="4900500" cy="2072700"/>
           </a:xfrm>
           <a:prstGeom prst="rect">
             <a:avLst/>
@@ -34747,7 +35588,7 @@
                 <a:schemeClr val="lt1"/>
               </a:buClr>
               <a:buSzPts val="1400"/>
-              <a:buFont typeface="Arial"/>
+              <a:buFont typeface="Squada One"/>
               <a:buAutoNum type="arabicPeriod"/>
             </a:pPr>
             <a:r>
@@ -34760,7 +35601,55 @@
                 <a:cs typeface="Squada One"/>
                 <a:sym typeface="Squada One"/>
               </a:rPr>
-              <a:t>Para começar a fazer o jogo, primeiro montamos seu mapa, célula a célula, para ter noção de como organizaríamos o jogo</a:t>
+              <a:t>Para começar</a:t>
+            </a:r>
+            <a:r>
+              <a:rPr lang="en">
+                <a:solidFill>
+                  <a:schemeClr val="lt1"/>
+                </a:solidFill>
+                <a:latin typeface="Squada One"/>
+                <a:ea typeface="Squada One"/>
+                <a:cs typeface="Squada One"/>
+                <a:sym typeface="Squada One"/>
+              </a:rPr>
+              <a:t>,</a:t>
+            </a:r>
+            <a:r>
+              <a:rPr b="0" i="0" lang="en" sz="1400" u="none" cap="none" strike="noStrike">
+                <a:solidFill>
+                  <a:schemeClr val="lt1"/>
+                </a:solidFill>
+                <a:latin typeface="Squada One"/>
+                <a:ea typeface="Squada One"/>
+                <a:cs typeface="Squada One"/>
+                <a:sym typeface="Squada One"/>
+              </a:rPr>
+              <a:t> montamos </a:t>
+            </a:r>
+            <a:r>
+              <a:rPr lang="en">
+                <a:solidFill>
+                  <a:schemeClr val="lt1"/>
+                </a:solidFill>
+                <a:latin typeface="Squada One"/>
+                <a:ea typeface="Squada One"/>
+                <a:cs typeface="Squada One"/>
+                <a:sym typeface="Squada One"/>
+              </a:rPr>
+              <a:t>o</a:t>
+            </a:r>
+            <a:r>
+              <a:rPr b="0" i="0" lang="en" sz="1400" u="none" cap="none" strike="noStrike">
+                <a:solidFill>
+                  <a:schemeClr val="lt1"/>
+                </a:solidFill>
+                <a:latin typeface="Squada One"/>
+                <a:ea typeface="Squada One"/>
+                <a:cs typeface="Squada One"/>
+                <a:sym typeface="Squada One"/>
+              </a:rPr>
+              <a:t> mapa, célula a célula, para ter noção de como organizaríamos o jogo</a:t>
             </a:r>
             <a:endParaRPr/>
           </a:p>
@@ -34770,7 +35659,7 @@
                 <a:spcPct val="100000"/>
               </a:lnSpc>
               <a:spcBef>
-                <a:spcPts val="0"/>
+                <a:spcPts val="1000"/>
               </a:spcBef>
               <a:spcAft>
                 <a:spcPts val="0"/>
@@ -34779,7 +35668,7 @@
                 <a:schemeClr val="lt1"/>
               </a:buClr>
               <a:buSzPts val="1400"/>
-              <a:buFont typeface="Arial"/>
+              <a:buFont typeface="Squada One"/>
               <a:buAutoNum type="arabicPeriod"/>
             </a:pPr>
             <a:r>
@@ -34792,7 +35681,7 @@
                 <a:cs typeface="Squada One"/>
                 <a:sym typeface="Squada One"/>
               </a:rPr>
-              <a:t>Para o Frontend decidimos usar o framework Libgdx para renderizações e funcionalidades audiovisuais </a:t>
+              <a:t>Para o Frontend decidimos usar o framework Libgdx para renderizações e funcionalidades visuais </a:t>
             </a:r>
             <a:endParaRPr/>
           </a:p>
@@ -34802,7 +35691,7 @@
                 <a:spcPct val="100000"/>
               </a:lnSpc>
               <a:spcBef>
-                <a:spcPts val="0"/>
+                <a:spcPts val="1000"/>
               </a:spcBef>
               <a:spcAft>
                 <a:spcPts val="0"/>
@@ -34811,7 +35700,7 @@
                 <a:schemeClr val="lt1"/>
               </a:buClr>
               <a:buSzPts val="1400"/>
-              <a:buFont typeface="Arial"/>
+              <a:buFont typeface="Squada One"/>
               <a:buAutoNum type="arabicPeriod"/>
             </a:pPr>
             <a:r>
@@ -34824,30 +35713,55 @@
                 <a:cs typeface="Squada One"/>
                 <a:sym typeface="Squada One"/>
               </a:rPr>
-              <a:t>Usamos o Tiled, um software Open Source que permite a criação de mapas celulares de forma simplificada. Além de conter uma biblioteca que interage com o Framework Libgdx e facilita a renderização dos mapas</a:t>
+              <a:t>Usamos o Tiled, um software Open Source que permite a criação de mapas celulares de forma simplificada. </a:t>
             </a:r>
-            <a:endParaRPr/>
-          </a:p>
-          <a:p>
-            <a:pPr indent="-254000" lvl="0" marL="342900" marR="0" rtl="0" algn="l">
-              <a:lnSpc>
-                <a:spcPct val="100000"/>
-              </a:lnSpc>
-              <a:spcBef>
-                <a:spcPts val="0"/>
-              </a:spcBef>
-              <a:spcAft>
-                <a:spcPts val="0"/>
-              </a:spcAft>
-              <a:buClr>
-                <a:srgbClr val="000000"/>
-              </a:buClr>
-              <a:buSzPts val="1400"/>
-              <a:buFont typeface="Arial"/>
-              <a:buNone/>
-            </a:pPr>
             <a:r>
-              <a:t/>
+              <a:rPr lang="en">
+                <a:solidFill>
+                  <a:schemeClr val="lt1"/>
+                </a:solidFill>
+                <a:latin typeface="Squada One"/>
+                <a:ea typeface="Squada One"/>
+                <a:cs typeface="Squada One"/>
+                <a:sym typeface="Squada One"/>
+              </a:rPr>
+              <a:t>Também</a:t>
+            </a:r>
+            <a:r>
+              <a:rPr b="0" i="0" lang="en" sz="1400" u="none" cap="none" strike="noStrike">
+                <a:solidFill>
+                  <a:schemeClr val="lt1"/>
+                </a:solidFill>
+                <a:latin typeface="Squada One"/>
+                <a:ea typeface="Squada One"/>
+                <a:cs typeface="Squada One"/>
+                <a:sym typeface="Squada One"/>
+              </a:rPr>
+              <a:t> cont</a:t>
+            </a:r>
+            <a:r>
+              <a:rPr lang="en">
+                <a:solidFill>
+                  <a:schemeClr val="lt1"/>
+                </a:solidFill>
+                <a:latin typeface="Squada One"/>
+                <a:ea typeface="Squada One"/>
+                <a:cs typeface="Squada One"/>
+                <a:sym typeface="Squada One"/>
+              </a:rPr>
+              <a:t>ém</a:t>
+            </a:r>
+            <a:r>
+              <a:rPr b="0" i="0" lang="en" sz="1400" u="none" cap="none" strike="noStrike">
+                <a:solidFill>
+                  <a:schemeClr val="lt1"/>
+                </a:solidFill>
+                <a:latin typeface="Squada One"/>
+                <a:ea typeface="Squada One"/>
+                <a:cs typeface="Squada One"/>
+                <a:sym typeface="Squada One"/>
+              </a:rPr>
+              <a:t> uma biblioteca que interage com o Framework Libgdx e facilita a renderização dos mapas</a:t>
             </a:r>
             <a:endParaRPr b="0" i="0" sz="1400" u="none" cap="none" strike="noStrike">
               <a:solidFill>
@@ -34863,7 +35777,7 @@
       </p:sp>
       <p:pic>
         <p:nvPicPr>
-          <p:cNvPr id="256" name="Google Shape;256;p2"/>
+          <p:cNvPr id="263" name="Google Shape;263;p2"/>
           <p:cNvPicPr preferRelativeResize="0"/>
           <p:nvPr/>
         </p:nvPicPr>
@@ -34876,8 +35790,8 @@
         </p:blipFill>
         <p:spPr>
           <a:xfrm>
-            <a:off x="6165624" y="1296140"/>
-            <a:ext cx="2703168" cy="2540647"/>
+            <a:off x="6352972" y="1296150"/>
+            <a:ext cx="2161906" cy="2031899"/>
           </a:xfrm>
           <a:prstGeom prst="rect">
             <a:avLst/>
@@ -34890,7 +35804,7 @@
       </p:pic>
       <p:pic>
         <p:nvPicPr>
-          <p:cNvPr id="257" name="Google Shape;257;p2"/>
+          <p:cNvPr id="264" name="Google Shape;264;p2"/>
           <p:cNvPicPr preferRelativeResize="0"/>
           <p:nvPr/>
         </p:nvPicPr>
@@ -34903,8 +35817,8 @@
         </p:blipFill>
         <p:spPr>
           <a:xfrm>
-            <a:off x="805324" y="3327465"/>
-            <a:ext cx="2173052" cy="1568307"/>
+            <a:off x="1200957" y="3328050"/>
+            <a:ext cx="2279811" cy="1645350"/>
           </a:xfrm>
           <a:prstGeom prst="rect">
             <a:avLst/>
@@ -34917,7 +35831,7 @@
       </p:pic>
       <p:pic>
         <p:nvPicPr>
-          <p:cNvPr id="258" name="Google Shape;258;p2"/>
+          <p:cNvPr id="265" name="Google Shape;265;p2"/>
           <p:cNvPicPr preferRelativeResize="0"/>
           <p:nvPr/>
         </p:nvPicPr>
@@ -34930,8 +35844,8 @@
         </p:blipFill>
         <p:spPr>
           <a:xfrm>
-            <a:off x="4012218" y="3327465"/>
-            <a:ext cx="1634468" cy="1645365"/>
+            <a:off x="4248981" y="3328040"/>
+            <a:ext cx="1634467" cy="1645365"/>
           </a:xfrm>
           <a:prstGeom prst="rect">
             <a:avLst/>
@@ -34944,14 +35858,14 @@
       </p:pic>
       <p:sp>
         <p:nvSpPr>
-          <p:cNvPr id="259" name="Google Shape;259;p2"/>
+          <p:cNvPr id="266" name="Google Shape;266;p2"/>
           <p:cNvSpPr txBox="1"/>
           <p:nvPr/>
         </p:nvSpPr>
         <p:spPr>
           <a:xfrm>
-            <a:off x="6094603" y="3836787"/>
-            <a:ext cx="1792801" cy="261610"/>
+            <a:off x="6537528" y="3328062"/>
+            <a:ext cx="1792800" cy="253800"/>
           </a:xfrm>
           <a:prstGeom prst="rect">
             <a:avLst/>
@@ -34967,7 +35881,7 @@
           </a:bodyPr>
           <a:lstStyle/>
           <a:p>
-            <a:pPr indent="0" lvl="0" marL="0" marR="0" rtl="0" algn="l">
+            <a:pPr indent="0" lvl="0" marL="0" marR="0" rtl="0" algn="ctr">
               <a:lnSpc>
                 <a:spcPct val="100000"/>
               </a:lnSpc>
@@ -35003,12 +35917,12 @@
 </p:sld>
 </file>
 
-<file path=ppt/slides/slide3.xml><?xml version="1.0" encoding="utf-8"?>
+<file path=ppt/slides/slide4.xml><?xml version="1.0" encoding="utf-8"?>
 <p:sld xmlns:a="http://schemas.openxmlformats.org/drawingml/2006/main" xmlns:r="http://schemas.openxmlformats.org/officeDocument/2006/relationships" xmlns:mc="http://schemas.openxmlformats.org/markup-compatibility/2006" xmlns:mv="urn:schemas-microsoft-com:mac:vml" xmlns:p="http://schemas.openxmlformats.org/presentationml/2006/main" xmlns:c="http://schemas.openxmlformats.org/drawingml/2006/chart" xmlns:dgm="http://schemas.openxmlformats.org/drawingml/2006/diagram" xmlns:o="urn:schemas-microsoft-com:office:office" xmlns:v="urn:schemas-microsoft-com:vml" xmlns:pvml="urn:schemas-microsoft-com:office:powerpoint" xmlns:com="http://schemas.openxmlformats.org/drawingml/2006/compatibility" xmlns:p14="http://schemas.microsoft.com/office/powerpoint/2010/main" xmlns:p15="http://schemas.microsoft.com/office/powerpoint/2012/main" xmlns:ahyp="http://schemas.microsoft.com/office/drawing/2018/hyperlinkcolor">
   <p:cSld>
     <p:spTree>
       <p:nvGrpSpPr>
-        <p:cNvPr id="263" name="Shape 263"/>
+        <p:cNvPr id="270" name="Shape 270"/>
         <p:cNvGrpSpPr/>
         <p:nvPr/>
       </p:nvGrpSpPr>
@@ -35022,7 +35936,7 @@
       </p:grpSpPr>
       <p:sp>
         <p:nvSpPr>
-          <p:cNvPr id="264" name="Google Shape;264;p3"/>
+          <p:cNvPr id="271" name="Google Shape;271;p3"/>
           <p:cNvSpPr txBox="1"/>
           <p:nvPr>
             <p:ph idx="8" type="ctrTitle"/>
@@ -35074,14 +35988,14 @@
       </p:sp>
       <p:sp>
         <p:nvSpPr>
-          <p:cNvPr id="265" name="Google Shape;265;p3"/>
+          <p:cNvPr id="272" name="Google Shape;272;p3"/>
           <p:cNvSpPr txBox="1"/>
           <p:nvPr/>
         </p:nvSpPr>
         <p:spPr>
           <a:xfrm>
-            <a:off x="346228" y="1347649"/>
-            <a:ext cx="6809173" cy="3323987"/>
+            <a:off x="1167453" y="1347649"/>
+            <a:ext cx="6809100" cy="3109200"/>
           </a:xfrm>
           <a:prstGeom prst="rect">
             <a:avLst/>
@@ -35111,8 +36025,34 @@
                 <a:schemeClr val="lt1"/>
               </a:buClr>
               <a:buSzPts val="1400"/>
-              <a:buFont typeface="Arial"/>
               <a:buChar char="•"/>
+            </a:pPr>
+            <a:r>
+              <a:rPr b="1" i="0" lang="en" sz="1400" u="none" cap="none" strike="noStrike">
+                <a:solidFill>
+                  <a:schemeClr val="lt1"/>
+                </a:solidFill>
+              </a:rPr>
+              <a:t>Libgdx – Main – DesktopLauncher</a:t>
+            </a:r>
+            <a:endParaRPr b="1" i="0" sz="1400" u="none" cap="none" strike="noStrike">
+              <a:solidFill>
+                <a:schemeClr val="lt1"/>
+              </a:solidFill>
+            </a:endParaRPr>
+          </a:p>
+          <a:p>
+            <a:pPr indent="0" lvl="2" marL="0" marR="0" rtl="0" algn="l">
+              <a:lnSpc>
+                <a:spcPct val="100000"/>
+              </a:lnSpc>
+              <a:spcBef>
+                <a:spcPts val="0"/>
+              </a:spcBef>
+              <a:spcAft>
+                <a:spcPts val="0"/>
+              </a:spcAft>
+              <a:buNone/>
             </a:pPr>
             <a:r>
               <a:rPr b="0" i="0" lang="en" sz="1400" u="none" cap="none" strike="noStrike">
@@ -35124,7 +36064,27 @@
                 <a:cs typeface="Arial"/>
                 <a:sym typeface="Arial"/>
               </a:rPr>
-              <a:t>Libgdx – Main – DesktopLauncher</a:t>
+              <a:t>	- </a:t>
+            </a:r>
+            <a:r>
+              <a:rPr lang="en">
+                <a:solidFill>
+                  <a:schemeClr val="lt1"/>
+                </a:solidFill>
+              </a:rPr>
+              <a:t>C</a:t>
+            </a:r>
+            <a:r>
+              <a:rPr b="0" i="0" lang="en" sz="1400" u="none" cap="none" strike="noStrike">
+                <a:solidFill>
+                  <a:schemeClr val="lt1"/>
+                </a:solidFill>
+                <a:latin typeface="Arial"/>
+                <a:ea typeface="Arial"/>
+                <a:cs typeface="Arial"/>
+                <a:sym typeface="Arial"/>
+              </a:rPr>
+              <a:t>onfigura a tela inicial (altura, largura, FPS, modo 	janela)</a:t>
             </a:r>
             <a:endParaRPr b="0" i="0" sz="1400" u="none" cap="none" strike="noStrike">
               <a:solidFill>
@@ -35150,6 +36110,91 @@
               <a:buNone/>
             </a:pPr>
             <a:r>
+              <a:rPr lang="en">
+                <a:solidFill>
+                  <a:schemeClr val="lt1"/>
+                </a:solidFill>
+              </a:rPr>
+              <a:t>	- C</a:t>
+            </a:r>
+            <a:r>
+              <a:rPr lang="en">
+                <a:solidFill>
+                  <a:schemeClr val="lt1"/>
+                </a:solidFill>
+              </a:rPr>
+              <a:t>hama a classe Renderizador</a:t>
+            </a:r>
+            <a:endParaRPr>
+              <a:solidFill>
+                <a:schemeClr val="lt1"/>
+              </a:solidFill>
+            </a:endParaRPr>
+          </a:p>
+          <a:p>
+            <a:pPr indent="0" lvl="2" marL="0" marR="0" rtl="0" algn="l">
+              <a:lnSpc>
+                <a:spcPct val="100000"/>
+              </a:lnSpc>
+              <a:spcBef>
+                <a:spcPts val="0"/>
+              </a:spcBef>
+              <a:spcAft>
+                <a:spcPts val="0"/>
+              </a:spcAft>
+              <a:buNone/>
+            </a:pPr>
+            <a:r>
+              <a:t/>
+            </a:r>
+            <a:endParaRPr>
+              <a:solidFill>
+                <a:schemeClr val="lt1"/>
+              </a:solidFill>
+            </a:endParaRPr>
+          </a:p>
+          <a:p>
+            <a:pPr indent="-285750" lvl="2" marL="285750" marR="0" rtl="0" algn="l">
+              <a:lnSpc>
+                <a:spcPct val="100000"/>
+              </a:lnSpc>
+              <a:spcBef>
+                <a:spcPts val="0"/>
+              </a:spcBef>
+              <a:spcAft>
+                <a:spcPts val="0"/>
+              </a:spcAft>
+              <a:buClr>
+                <a:schemeClr val="lt1"/>
+              </a:buClr>
+              <a:buSzPts val="1400"/>
+              <a:buFont typeface="Arial"/>
+              <a:buChar char="•"/>
+            </a:pPr>
+            <a:r>
+              <a:rPr b="1" i="0" lang="en" sz="1400" u="none" cap="none" strike="noStrike">
+                <a:solidFill>
+                  <a:schemeClr val="lt1"/>
+                </a:solidFill>
+              </a:rPr>
+              <a:t>Renderizador</a:t>
+            </a:r>
+            <a:endParaRPr/>
+          </a:p>
+          <a:p>
+            <a:pPr indent="0" lvl="2" marL="0" marR="0" rtl="0" algn="l">
+              <a:lnSpc>
+                <a:spcPct val="100000"/>
+              </a:lnSpc>
+              <a:spcBef>
+                <a:spcPts val="0"/>
+              </a:spcBef>
+              <a:spcAft>
+                <a:spcPts val="0"/>
+              </a:spcAft>
+              <a:buNone/>
+            </a:pPr>
+            <a:r>
               <a:rPr b="0" i="0" lang="en" sz="1400" u="none" cap="none" strike="noStrike">
                 <a:solidFill>
                   <a:schemeClr val="lt1"/>
@@ -35159,7 +36204,47 @@
                 <a:cs typeface="Arial"/>
                 <a:sym typeface="Arial"/>
               </a:rPr>
-              <a:t>	- Responsável por configurar a tela inicial(altura, largura, FPS, modo 	janela) chama a classe Renderizador</a:t>
+              <a:t>	- </a:t>
+            </a:r>
+            <a:r>
+              <a:rPr lang="en">
+                <a:solidFill>
+                  <a:schemeClr val="lt1"/>
+                </a:solidFill>
+              </a:rPr>
+              <a:t>E</a:t>
+            </a:r>
+            <a:r>
+              <a:rPr b="0" i="0" lang="en" sz="1400" u="none" cap="none" strike="noStrike">
+                <a:solidFill>
+                  <a:schemeClr val="lt1"/>
+                </a:solidFill>
+                <a:latin typeface="Arial"/>
+                <a:ea typeface="Arial"/>
+                <a:cs typeface="Arial"/>
+                <a:sym typeface="Arial"/>
+              </a:rPr>
+              <a:t>xtende a classe </a:t>
+            </a:r>
+            <a:r>
+              <a:rPr lang="en">
+                <a:solidFill>
+                  <a:schemeClr val="lt1"/>
+                </a:solidFill>
+              </a:rPr>
+              <a:t>G</a:t>
+            </a:r>
+            <a:r>
+              <a:rPr b="0" i="0" lang="en" sz="1400" u="none" cap="none" strike="noStrike">
+                <a:solidFill>
+                  <a:schemeClr val="lt1"/>
+                </a:solidFill>
+                <a:latin typeface="Arial"/>
+                <a:ea typeface="Arial"/>
+                <a:cs typeface="Arial"/>
+                <a:sym typeface="Arial"/>
+              </a:rPr>
+              <a:t>ame </a:t>
             </a:r>
             <a:endParaRPr b="0" i="0" sz="1400" u="none" cap="none" strike="noStrike">
               <a:solidFill>
@@ -35172,22 +36257,48 @@
             </a:endParaRPr>
           </a:p>
           <a:p>
-            <a:pPr indent="-285750" lvl="2" marL="285750" marR="0" rtl="0" algn="l">
-              <a:lnSpc>
-                <a:spcPct val="100000"/>
-              </a:lnSpc>
-              <a:spcBef>
-                <a:spcPts val="0"/>
-              </a:spcBef>
-              <a:spcAft>
-                <a:spcPts val="0"/>
-              </a:spcAft>
-              <a:buClr>
-                <a:schemeClr val="lt1"/>
-              </a:buClr>
-              <a:buSzPts val="1400"/>
-              <a:buFont typeface="Arial"/>
-              <a:buChar char="•"/>
+            <a:pPr indent="0" lvl="2" marL="0" marR="0" rtl="0" algn="l">
+              <a:lnSpc>
+                <a:spcPct val="100000"/>
+              </a:lnSpc>
+              <a:spcBef>
+                <a:spcPts val="0"/>
+              </a:spcBef>
+              <a:spcAft>
+                <a:spcPts val="0"/>
+              </a:spcAft>
+              <a:buNone/>
+            </a:pPr>
+            <a:r>
+              <a:rPr lang="en">
+                <a:solidFill>
+                  <a:schemeClr val="lt1"/>
+                </a:solidFill>
+              </a:rPr>
+              <a:t>	- C</a:t>
+            </a:r>
+            <a:r>
+              <a:rPr lang="en">
+                <a:solidFill>
+                  <a:schemeClr val="lt1"/>
+                </a:solidFill>
+              </a:rPr>
+              <a:t>ria nosso game e chama as Screens</a:t>
+            </a:r>
+            <a:endParaRPr/>
+          </a:p>
+          <a:p>
+            <a:pPr indent="0" lvl="2" marL="0" marR="0" rtl="0" algn="l">
+              <a:lnSpc>
+                <a:spcPct val="100000"/>
+              </a:lnSpc>
+              <a:spcBef>
+                <a:spcPts val="0"/>
+              </a:spcBef>
+              <a:spcAft>
+                <a:spcPts val="0"/>
+              </a:spcAft>
+              <a:buNone/>
             </a:pPr>
             <a:r>
               <a:rPr b="0" i="0" lang="en" sz="1400" u="none" cap="none" strike="noStrike">
@@ -35199,12 +36310,69 @@
                 <a:cs typeface="Arial"/>
                 <a:sym typeface="Arial"/>
               </a:rPr>
-              <a:t>Renderizador: </a:t>
+              <a:t>	- Chama o Builder para construir o mapa</a:t>
             </a:r>
-            <a:endParaRPr/>
+            <a:endParaRPr b="0" i="0" sz="1400" u="none" cap="none" strike="noStrike">
+              <a:solidFill>
+                <a:schemeClr val="lt1"/>
+              </a:solidFill>
+              <a:latin typeface="Arial"/>
+              <a:ea typeface="Arial"/>
+              <a:cs typeface="Arial"/>
+              <a:sym typeface="Arial"/>
+            </a:endParaRPr>
           </a:p>
           <a:p>
             <a:pPr indent="0" lvl="2" marL="0" marR="0" rtl="0" algn="l">
+              <a:lnSpc>
+                <a:spcPct val="100000"/>
+              </a:lnSpc>
+              <a:spcBef>
+                <a:spcPts val="0"/>
+              </a:spcBef>
+              <a:spcAft>
+                <a:spcPts val="0"/>
+              </a:spcAft>
+              <a:buNone/>
+            </a:pPr>
+            <a:r>
+              <a:t/>
+            </a:r>
+            <a:endParaRPr>
+              <a:solidFill>
+                <a:schemeClr val="lt1"/>
+              </a:solidFill>
+            </a:endParaRPr>
+          </a:p>
+          <a:p>
+            <a:pPr indent="-285750" lvl="2" marL="285750" marR="0" rtl="0" algn="l">
+              <a:lnSpc>
+                <a:spcPct val="100000"/>
+              </a:lnSpc>
+              <a:spcBef>
+                <a:spcPts val="0"/>
+              </a:spcBef>
+              <a:spcAft>
+                <a:spcPts val="0"/>
+              </a:spcAft>
+              <a:buClr>
+                <a:schemeClr val="lt1"/>
+              </a:buClr>
+              <a:buSzPts val="1400"/>
+              <a:buChar char="•"/>
+            </a:pPr>
+            <a:r>
+              <a:rPr b="1" i="0" lang="en" sz="1400" u="none" cap="none" strike="noStrike">
+                <a:solidFill>
+                  <a:schemeClr val="lt1"/>
+                </a:solidFill>
+              </a:rPr>
+              <a:t>Screens </a:t>
+            </a:r>
+            <a:endParaRPr b="1"/>
+          </a:p>
+          <a:p>
+            <a:pPr indent="0" lvl="3" marL="0" marR="0" rtl="0" algn="l">
               <a:lnSpc>
                 <a:spcPct val="100000"/>
               </a:lnSpc>
@@ -35226,12 +36394,12 @@
                 <a:cs typeface="Arial"/>
                 <a:sym typeface="Arial"/>
               </a:rPr>
-              <a:t>	- extende a classe game e é responsável por criar nosso game e 	chamar as Screens.</a:t>
+              <a:t>	- Implementam a interface Screen do Libgdx</a:t>
             </a:r>
             <a:endParaRPr/>
           </a:p>
           <a:p>
-            <a:pPr indent="0" lvl="2" marL="0" marR="0" rtl="0" algn="l">
+            <a:pPr indent="0" lvl="3" marL="0" marR="0" rtl="0" algn="l">
               <a:lnSpc>
                 <a:spcPct val="100000"/>
               </a:lnSpc>
@@ -35253,93 +36421,7 @@
                 <a:cs typeface="Arial"/>
                 <a:sym typeface="Arial"/>
               </a:rPr>
-              <a:t>	- Chama o Builder para construir o mapa.</a:t>
-            </a:r>
-            <a:endParaRPr/>
-          </a:p>
-          <a:p>
-            <a:pPr indent="-285750" lvl="2" marL="285750" marR="0" rtl="0" algn="l">
-              <a:lnSpc>
-                <a:spcPct val="100000"/>
-              </a:lnSpc>
-              <a:spcBef>
-                <a:spcPts val="0"/>
-              </a:spcBef>
-              <a:spcAft>
-                <a:spcPts val="0"/>
-              </a:spcAft>
-              <a:buClr>
-                <a:schemeClr val="lt1"/>
-              </a:buClr>
-              <a:buSzPts val="1400"/>
-              <a:buFont typeface="Arial"/>
-              <a:buChar char="•"/>
-            </a:pPr>
-            <a:r>
-              <a:rPr b="0" i="0" lang="en" sz="1400" u="none" cap="none" strike="noStrike">
-                <a:solidFill>
-                  <a:schemeClr val="lt1"/>
-                </a:solidFill>
-                <a:latin typeface="Arial"/>
-                <a:ea typeface="Arial"/>
-                <a:cs typeface="Arial"/>
-                <a:sym typeface="Arial"/>
-              </a:rPr>
-              <a:t>Screens </a:t>
-            </a:r>
-            <a:endParaRPr/>
-          </a:p>
-          <a:p>
-            <a:pPr indent="0" lvl="3" marL="0" marR="0" rtl="0" algn="l">
-              <a:lnSpc>
-                <a:spcPct val="100000"/>
-              </a:lnSpc>
-              <a:spcBef>
-                <a:spcPts val="0"/>
-              </a:spcBef>
-              <a:spcAft>
-                <a:spcPts val="0"/>
-              </a:spcAft>
-              <a:buNone/>
-            </a:pPr>
-            <a:r>
-              <a:rPr b="0" i="0" lang="en" sz="1400" u="none" cap="none" strike="noStrike">
-                <a:solidFill>
-                  <a:schemeClr val="lt1"/>
-                </a:solidFill>
-                <a:latin typeface="Arial"/>
-                <a:ea typeface="Arial"/>
-                <a:cs typeface="Arial"/>
-                <a:sym typeface="Arial"/>
-              </a:rPr>
-              <a:t>	- Implementam a interface Screen do Libgdx e cada uma é responsável 	por uma tela vista no jogo</a:t>
-            </a:r>
-            <a:endParaRPr/>
-          </a:p>
-          <a:p>
-            <a:pPr indent="0" lvl="3" marL="0" marR="0" rtl="0" algn="l">
-              <a:lnSpc>
-                <a:spcPct val="100000"/>
-              </a:lnSpc>
-              <a:spcBef>
-                <a:spcPts val="0"/>
-              </a:spcBef>
-              <a:spcAft>
-                <a:spcPts val="0"/>
-              </a:spcAft>
-              <a:buNone/>
-            </a:pPr>
-            <a:r>
-              <a:rPr b="0" i="0" lang="en" sz="1400" u="none" cap="none" strike="noStrike">
-                <a:solidFill>
-                  <a:schemeClr val="lt1"/>
-                </a:solidFill>
-                <a:latin typeface="Arial"/>
-                <a:ea typeface="Arial"/>
-                <a:cs typeface="Arial"/>
-                <a:sym typeface="Arial"/>
-              </a:rPr>
-              <a:t>	- MainMenu : Menu inicial do jogo, primeira tela chamada pelo 	renderizador</a:t>
+              <a:t>	- MainMenu: Menu inicial do jogo, primeira tela chamada pelo renderizador</a:t>
             </a:r>
             <a:endParaRPr b="0" i="0" sz="1400" u="none" cap="none" strike="noStrike">
               <a:solidFill>
@@ -35374,7 +36456,35 @@
                 <a:cs typeface="Arial"/>
                 <a:sym typeface="Arial"/>
               </a:rPr>
-              <a:t>	- GameScreen: Tela jogável onde o jogador realizará a Gameplay</a:t>
+              <a:t>	- GameScreen: Tela</a:t>
+            </a:r>
+            <a:r>
+              <a:rPr lang="en">
+                <a:solidFill>
+                  <a:schemeClr val="lt1"/>
+                </a:solidFill>
+              </a:rPr>
+              <a:t> </a:t>
+            </a:r>
+            <a:r>
+              <a:rPr b="0" i="0" lang="en" sz="1400" u="none" cap="none" strike="noStrike">
+                <a:solidFill>
+                  <a:schemeClr val="lt1"/>
+                </a:solidFill>
+                <a:latin typeface="Arial"/>
+                <a:ea typeface="Arial"/>
+                <a:cs typeface="Arial"/>
+                <a:sym typeface="Arial"/>
+              </a:rPr>
+              <a:t>onde </a:t>
+            </a:r>
+            <a:r>
+              <a:rPr lang="en">
+                <a:solidFill>
+                  <a:schemeClr val="lt1"/>
+                </a:solidFill>
+              </a:rPr>
+              <a:t>o jogo rodará</a:t>
             </a:r>
             <a:endParaRPr/>
           </a:p>
@@ -35401,7 +36511,67 @@
                 <a:cs typeface="Arial"/>
                 <a:sym typeface="Arial"/>
               </a:rPr>
-              <a:t>	- MercadoScreen: Tela que será chamada quando o jogador quiser 	inserir torres novas</a:t>
+              <a:t>	- MercadoScreen: Tela</a:t>
+            </a:r>
+            <a:r>
+              <a:rPr lang="en">
+                <a:solidFill>
+                  <a:schemeClr val="lt1"/>
+                </a:solidFill>
+              </a:rPr>
+              <a:t> onde</a:t>
+            </a:r>
+            <a:r>
+              <a:rPr b="0" i="0" lang="en" sz="1400" u="none" cap="none" strike="noStrike">
+                <a:solidFill>
+                  <a:schemeClr val="lt1"/>
+                </a:solidFill>
+                <a:latin typeface="Arial"/>
+                <a:ea typeface="Arial"/>
+                <a:cs typeface="Arial"/>
+                <a:sym typeface="Arial"/>
+              </a:rPr>
+              <a:t> o jogador </a:t>
+            </a:r>
+            <a:r>
+              <a:rPr lang="en">
+                <a:solidFill>
+                  <a:schemeClr val="lt1"/>
+                </a:solidFill>
+              </a:rPr>
+              <a:t>pode</a:t>
+            </a:r>
+            <a:r>
+              <a:rPr b="0" i="0" lang="en" sz="1400" u="none" cap="none" strike="noStrike">
+                <a:solidFill>
+                  <a:schemeClr val="lt1"/>
+                </a:solidFill>
+                <a:latin typeface="Arial"/>
+                <a:ea typeface="Arial"/>
+                <a:cs typeface="Arial"/>
+                <a:sym typeface="Arial"/>
+              </a:rPr>
+              <a:t> </a:t>
+            </a:r>
+            <a:r>
+              <a:rPr lang="en">
+                <a:solidFill>
+                  <a:schemeClr val="lt1"/>
+                </a:solidFill>
+              </a:rPr>
+              <a:t>comprar </a:t>
+            </a:r>
+            <a:r>
+              <a:rPr b="0" i="0" lang="en" sz="1400" u="none" cap="none" strike="noStrike">
+                <a:solidFill>
+                  <a:schemeClr val="lt1"/>
+                </a:solidFill>
+                <a:latin typeface="Arial"/>
+                <a:ea typeface="Arial"/>
+                <a:cs typeface="Arial"/>
+                <a:sym typeface="Arial"/>
+              </a:rPr>
+              <a:t>torres novas</a:t>
             </a:r>
             <a:endParaRPr/>
           </a:p>
@@ -35446,7 +36616,7 @@
                                           </p:stCondLst>
                                         </p:cTn>
                                         <p:tgtEl>
-                                          <p:spTgt spid="264"/>
+                                          <p:spTgt spid="271"/>
                                         </p:tgtEl>
                                         <p:attrNameLst>
                                           <p:attrName>style.visibility</p:attrName>
@@ -35460,7 +36630,7 @@
                                       <p:cBhvr additive="base">
                                         <p:cTn dur="1000"/>
                                         <p:tgtEl>
-                                          <p:spTgt spid="264"/>
+                                          <p:spTgt spid="271"/>
                                         </p:tgtEl>
                                         <p:attrNameLst>
                                           <p:attrName>ppt_y</p:attrName>
@@ -35513,12 +36683,12 @@
 </p:sld>
 </file>
 
-<file path=ppt/slides/slide4.xml><?xml version="1.0" encoding="utf-8"?>
+<file path=ppt/slides/slide5.xml><?xml version="1.0" encoding="utf-8"?>
 <p:sld xmlns:a="http://schemas.openxmlformats.org/drawingml/2006/main" xmlns:r="http://schemas.openxmlformats.org/officeDocument/2006/relationships" xmlns:mc="http://schemas.openxmlformats.org/markup-compatibility/2006" xmlns:mv="urn:schemas-microsoft-com:mac:vml" xmlns:p="http://schemas.openxmlformats.org/presentationml/2006/main" xmlns:c="http://schemas.openxmlformats.org/drawingml/2006/chart" xmlns:dgm="http://schemas.openxmlformats.org/drawingml/2006/diagram" xmlns:o="urn:schemas-microsoft-com:office:office" xmlns:v="urn:schemas-microsoft-com:vml" xmlns:pvml="urn:schemas-microsoft-com:office:powerpoint" xmlns:com="http://schemas.openxmlformats.org/drawingml/2006/compatibility" xmlns:p14="http://schemas.microsoft.com/office/powerpoint/2010/main" xmlns:p15="http://schemas.microsoft.com/office/powerpoint/2012/main" xmlns:ahyp="http://schemas.microsoft.com/office/drawing/2018/hyperlinkcolor">
   <p:cSld>
     <p:spTree>
       <p:nvGrpSpPr>
-        <p:cNvPr id="269" name="Shape 269"/>
+        <p:cNvPr id="276" name="Shape 276"/>
         <p:cNvGrpSpPr/>
         <p:nvPr/>
       </p:nvGrpSpPr>
@@ -35532,7 +36702,7 @@
       </p:grpSpPr>
       <p:sp>
         <p:nvSpPr>
-          <p:cNvPr id="270" name="Google Shape;270;p4"/>
+          <p:cNvPr id="277" name="Google Shape;277;p4"/>
           <p:cNvSpPr txBox="1"/>
           <p:nvPr>
             <p:ph idx="8" type="ctrTitle"/>
@@ -35580,7 +36750,7 @@
       </p:sp>
       <p:pic>
         <p:nvPicPr>
-          <p:cNvPr descr="Diagrama&#10;&#10;Descrição gerada automaticamente" id="271" name="Google Shape;271;p4"/>
+          <p:cNvPr descr="Diagrama&#10;&#10;Descrição gerada automaticamente" id="278" name="Google Shape;278;p4"/>
           <p:cNvPicPr preferRelativeResize="0"/>
           <p:nvPr/>
         </p:nvPicPr>
@@ -35593,135 +36763,8 @@
         </p:blipFill>
         <p:spPr>
           <a:xfrm>
-            <a:off x="952190" y="1214484"/>
+            <a:off x="1168553" y="1221559"/>
             <a:ext cx="6806893" cy="3430361"/>
-          </a:xfrm>
-          <a:prstGeom prst="rect">
-            <a:avLst/>
-          </a:prstGeom>
-          <a:noFill/>
-          <a:ln>
-            <a:noFill/>
-          </a:ln>
-        </p:spPr>
-      </p:pic>
-    </p:spTree>
-  </p:cSld>
-  <p:clrMapOvr>
-    <a:masterClrMapping/>
-  </p:clrMapOvr>
-</p:sld>
-</file>
-
-<file path=ppt/slides/slide5.xml><?xml version="1.0" encoding="utf-8"?>
-<p:sld xmlns:a="http://schemas.openxmlformats.org/drawingml/2006/main" xmlns:r="http://schemas.openxmlformats.org/officeDocument/2006/relationships" xmlns:mc="http://schemas.openxmlformats.org/markup-compatibility/2006" xmlns:mv="urn:schemas-microsoft-com:mac:vml" xmlns:p="http://schemas.openxmlformats.org/presentationml/2006/main" xmlns:c="http://schemas.openxmlformats.org/drawingml/2006/chart" xmlns:dgm="http://schemas.openxmlformats.org/drawingml/2006/diagram" xmlns:o="urn:schemas-microsoft-com:office:office" xmlns:v="urn:schemas-microsoft-com:vml" xmlns:pvml="urn:schemas-microsoft-com:office:powerpoint" xmlns:com="http://schemas.openxmlformats.org/drawingml/2006/compatibility" xmlns:p14="http://schemas.microsoft.com/office/powerpoint/2010/main" xmlns:p15="http://schemas.microsoft.com/office/powerpoint/2012/main" xmlns:ahyp="http://schemas.microsoft.com/office/drawing/2018/hyperlinkcolor">
-  <p:cSld>
-    <p:spTree>
-      <p:nvGrpSpPr>
-        <p:cNvPr id="275" name="Shape 275"/>
-        <p:cNvGrpSpPr/>
-        <p:nvPr/>
-      </p:nvGrpSpPr>
-      <p:grpSpPr>
-        <a:xfrm>
-          <a:off x="0" y="0"/>
-          <a:ext cx="0" cy="0"/>
-          <a:chOff x="0" y="0"/>
-          <a:chExt cx="0" cy="0"/>
-        </a:xfrm>
-      </p:grpSpPr>
-      <p:sp>
-        <p:nvSpPr>
-          <p:cNvPr id="276" name="Google Shape;276;p5"/>
-          <p:cNvSpPr txBox="1"/>
-          <p:nvPr>
-            <p:ph idx="8" type="ctrTitle"/>
-          </p:nvPr>
-        </p:nvSpPr>
-        <p:spPr>
-          <a:xfrm>
-            <a:off x="1122300" y="135120"/>
-            <a:ext cx="6899400" cy="946200"/>
-          </a:xfrm>
-          <a:prstGeom prst="rect">
-            <a:avLst/>
-          </a:prstGeom>
-          <a:noFill/>
-          <a:ln>
-            <a:noFill/>
-          </a:ln>
-        </p:spPr>
-        <p:txBody>
-          <a:bodyPr anchorCtr="0" anchor="t" bIns="91425" lIns="91425" spcFirstLastPara="1" rIns="91425" wrap="square" tIns="91425">
-            <a:noAutofit/>
-          </a:bodyPr>
-          <a:lstStyle/>
-          <a:p>
-            <a:pPr indent="0" lvl="0" marL="0" rtl="0" algn="ctr">
-              <a:lnSpc>
-                <a:spcPct val="100000"/>
-              </a:lnSpc>
-              <a:spcBef>
-                <a:spcPts val="0"/>
-              </a:spcBef>
-              <a:spcAft>
-                <a:spcPts val="0"/>
-              </a:spcAft>
-              <a:buSzPts val="3600"/>
-              <a:buNone/>
-            </a:pPr>
-            <a:r>
-              <a:rPr lang="en"/>
-              <a:t>Estrutura Inicial – Códigos Desktop e Renderizador</a:t>
-            </a:r>
-            <a:endParaRPr/>
-          </a:p>
-        </p:txBody>
-      </p:sp>
-      <p:pic>
-        <p:nvPicPr>
-          <p:cNvPr id="277" name="Google Shape;277;p5"/>
-          <p:cNvPicPr preferRelativeResize="0"/>
-          <p:nvPr/>
-        </p:nvPicPr>
-        <p:blipFill rotWithShape="1">
-          <a:blip r:embed="rId3">
-            <a:alphaModFix/>
-          </a:blip>
-          <a:srcRect b="0" l="0" r="0" t="0"/>
-          <a:stretch/>
-        </p:blipFill>
-        <p:spPr>
-          <a:xfrm>
-            <a:off x="240620" y="1357458"/>
-            <a:ext cx="5221557" cy="2116209"/>
-          </a:xfrm>
-          <a:prstGeom prst="rect">
-            <a:avLst/>
-          </a:prstGeom>
-          <a:noFill/>
-          <a:ln>
-            <a:noFill/>
-          </a:ln>
-        </p:spPr>
-      </p:pic>
-      <p:pic>
-        <p:nvPicPr>
-          <p:cNvPr id="278" name="Google Shape;278;p5"/>
-          <p:cNvPicPr preferRelativeResize="0"/>
-          <p:nvPr/>
-        </p:nvPicPr>
-        <p:blipFill rotWithShape="1">
-          <a:blip r:embed="rId4">
-            <a:alphaModFix/>
-          </a:blip>
-          <a:srcRect b="0" l="0" r="0" t="0"/>
-          <a:stretch/>
-        </p:blipFill>
-        <p:spPr>
-          <a:xfrm>
-            <a:off x="5878184" y="1357458"/>
-            <a:ext cx="3025196" cy="2860110"/>
           </a:xfrm>
           <a:prstGeom prst="rect">
             <a:avLst/>
@@ -35759,7 +36802,134 @@
       </p:grpSpPr>
       <p:sp>
         <p:nvSpPr>
-          <p:cNvPr id="283" name="Google Shape;283;p6"/>
+          <p:cNvPr id="283" name="Google Shape;283;p5"/>
+          <p:cNvSpPr txBox="1"/>
+          <p:nvPr>
+            <p:ph idx="8" type="ctrTitle"/>
+          </p:nvPr>
+        </p:nvSpPr>
+        <p:spPr>
+          <a:xfrm>
+            <a:off x="1122300" y="135120"/>
+            <a:ext cx="6899400" cy="946200"/>
+          </a:xfrm>
+          <a:prstGeom prst="rect">
+            <a:avLst/>
+          </a:prstGeom>
+          <a:noFill/>
+          <a:ln>
+            <a:noFill/>
+          </a:ln>
+        </p:spPr>
+        <p:txBody>
+          <a:bodyPr anchorCtr="0" anchor="t" bIns="91425" lIns="91425" spcFirstLastPara="1" rIns="91425" wrap="square" tIns="91425">
+            <a:noAutofit/>
+          </a:bodyPr>
+          <a:lstStyle/>
+          <a:p>
+            <a:pPr indent="0" lvl="0" marL="0" rtl="0" algn="ctr">
+              <a:lnSpc>
+                <a:spcPct val="100000"/>
+              </a:lnSpc>
+              <a:spcBef>
+                <a:spcPts val="0"/>
+              </a:spcBef>
+              <a:spcAft>
+                <a:spcPts val="0"/>
+              </a:spcAft>
+              <a:buSzPts val="3600"/>
+              <a:buNone/>
+            </a:pPr>
+            <a:r>
+              <a:rPr lang="en"/>
+              <a:t>Estrutura Inicial – Códigos Desktop e Renderizador</a:t>
+            </a:r>
+            <a:endParaRPr/>
+          </a:p>
+        </p:txBody>
+      </p:sp>
+      <p:pic>
+        <p:nvPicPr>
+          <p:cNvPr id="284" name="Google Shape;284;p5"/>
+          <p:cNvPicPr preferRelativeResize="0"/>
+          <p:nvPr/>
+        </p:nvPicPr>
+        <p:blipFill rotWithShape="1">
+          <a:blip r:embed="rId3">
+            <a:alphaModFix/>
+          </a:blip>
+          <a:srcRect b="0" l="0" r="0" t="0"/>
+          <a:stretch/>
+        </p:blipFill>
+        <p:spPr>
+          <a:xfrm>
+            <a:off x="275995" y="1729408"/>
+            <a:ext cx="5221557" cy="2116210"/>
+          </a:xfrm>
+          <a:prstGeom prst="rect">
+            <a:avLst/>
+          </a:prstGeom>
+          <a:noFill/>
+          <a:ln>
+            <a:noFill/>
+          </a:ln>
+        </p:spPr>
+      </p:pic>
+      <p:pic>
+        <p:nvPicPr>
+          <p:cNvPr id="285" name="Google Shape;285;p5"/>
+          <p:cNvPicPr preferRelativeResize="0"/>
+          <p:nvPr/>
+        </p:nvPicPr>
+        <p:blipFill rotWithShape="1">
+          <a:blip r:embed="rId4">
+            <a:alphaModFix/>
+          </a:blip>
+          <a:srcRect b="0" l="0" r="0" t="0"/>
+          <a:stretch/>
+        </p:blipFill>
+        <p:spPr>
+          <a:xfrm>
+            <a:off x="5842809" y="1357458"/>
+            <a:ext cx="3025195" cy="2860110"/>
+          </a:xfrm>
+          <a:prstGeom prst="rect">
+            <a:avLst/>
+          </a:prstGeom>
+          <a:noFill/>
+          <a:ln>
+            <a:noFill/>
+          </a:ln>
+        </p:spPr>
+      </p:pic>
+    </p:spTree>
+  </p:cSld>
+  <p:clrMapOvr>
+    <a:masterClrMapping/>
+  </p:clrMapOvr>
+</p:sld>
+</file>
+
+<file path=ppt/slides/slide7.xml><?xml version="1.0" encoding="utf-8"?>
+<p:sld xmlns:a="http://schemas.openxmlformats.org/drawingml/2006/main" xmlns:r="http://schemas.openxmlformats.org/officeDocument/2006/relationships" xmlns:mc="http://schemas.openxmlformats.org/markup-compatibility/2006" xmlns:mv="urn:schemas-microsoft-com:mac:vml" xmlns:p="http://schemas.openxmlformats.org/presentationml/2006/main" xmlns:c="http://schemas.openxmlformats.org/drawingml/2006/chart" xmlns:dgm="http://schemas.openxmlformats.org/drawingml/2006/diagram" xmlns:o="urn:schemas-microsoft-com:office:office" xmlns:v="urn:schemas-microsoft-com:vml" xmlns:pvml="urn:schemas-microsoft-com:office:powerpoint" xmlns:com="http://schemas.openxmlformats.org/drawingml/2006/compatibility" xmlns:p14="http://schemas.microsoft.com/office/powerpoint/2010/main" xmlns:p15="http://schemas.microsoft.com/office/powerpoint/2012/main" xmlns:ahyp="http://schemas.microsoft.com/office/drawing/2018/hyperlinkcolor">
+  <p:cSld>
+    <p:spTree>
+      <p:nvGrpSpPr>
+        <p:cNvPr id="289" name="Shape 289"/>
+        <p:cNvGrpSpPr/>
+        <p:nvPr/>
+      </p:nvGrpSpPr>
+      <p:grpSpPr>
+        <a:xfrm>
+          <a:off x="0" y="0"/>
+          <a:ext cx="0" cy="0"/>
+          <a:chOff x="0" y="0"/>
+          <a:chExt cx="0" cy="0"/>
+        </a:xfrm>
+      </p:grpSpPr>
+      <p:sp>
+        <p:nvSpPr>
+          <p:cNvPr id="290" name="Google Shape;290;p6"/>
           <p:cNvSpPr txBox="1"/>
           <p:nvPr>
             <p:ph type="ctrTitle"/>
@@ -35807,14 +36977,14 @@
       </p:sp>
       <p:sp>
         <p:nvSpPr>
-          <p:cNvPr id="284" name="Google Shape;284;p6"/>
+          <p:cNvPr id="291" name="Google Shape;291;p6"/>
           <p:cNvSpPr txBox="1"/>
           <p:nvPr/>
         </p:nvSpPr>
         <p:spPr>
           <a:xfrm>
-            <a:off x="310718" y="1115525"/>
-            <a:ext cx="8184600" cy="3754874"/>
+            <a:off x="502193" y="1419750"/>
+            <a:ext cx="8184600" cy="2893800"/>
           </a:xfrm>
           <a:prstGeom prst="rect">
             <a:avLst/>
@@ -35848,6 +37018,14 @@
               <a:buChar char="•"/>
             </a:pPr>
             <a:r>
+              <a:rPr b="1" i="0" lang="en" sz="1400" u="none" cap="none" strike="noStrike">
+                <a:solidFill>
+                  <a:schemeClr val="lt1"/>
+                </a:solidFill>
+              </a:rPr>
+              <a:t>Builder</a:t>
+            </a:r>
+            <a:r>
               <a:rPr b="0" i="0" lang="en" sz="1400" u="none" cap="none" strike="noStrike">
                 <a:solidFill>
                   <a:schemeClr val="lt1"/>
@@ -35857,7 +37035,27 @@
                 <a:cs typeface="Arial"/>
                 <a:sym typeface="Arial"/>
               </a:rPr>
-              <a:t>Builder - Responsável por instanciar o mapa e o Controlador</a:t>
+              <a:t> - </a:t>
+            </a:r>
+            <a:r>
+              <a:rPr lang="en">
+                <a:solidFill>
+                  <a:schemeClr val="lt1"/>
+                </a:solidFill>
+              </a:rPr>
+              <a:t>I</a:t>
+            </a:r>
+            <a:r>
+              <a:rPr b="0" i="0" lang="en" sz="1400" u="none" cap="none" strike="noStrike">
+                <a:solidFill>
+                  <a:schemeClr val="lt1"/>
+                </a:solidFill>
+                <a:latin typeface="Arial"/>
+                <a:ea typeface="Arial"/>
+                <a:cs typeface="Arial"/>
+                <a:sym typeface="Arial"/>
+              </a:rPr>
+              <a:t>nstancia o mapa</a:t>
             </a:r>
             <a:endParaRPr/>
           </a:p>
@@ -35906,6 +37104,14 @@
               <a:buChar char="•"/>
             </a:pPr>
             <a:r>
+              <a:rPr b="1" i="0" lang="en" sz="1400" u="none" cap="none" strike="noStrike">
+                <a:solidFill>
+                  <a:schemeClr val="lt1"/>
+                </a:solidFill>
+              </a:rPr>
+              <a:t>Mapa</a:t>
+            </a:r>
+            <a:r>
               <a:rPr b="0" i="0" lang="en" sz="1400" u="none" cap="none" strike="noStrike">
                 <a:solidFill>
                   <a:schemeClr val="lt1"/>
@@ -35915,12 +37121,12 @@
                 <a:cs typeface="Arial"/>
                 <a:sym typeface="Arial"/>
               </a:rPr>
-              <a:t>Controle - Observa e relata as ações do jogador no teclado</a:t>
+              <a:t> - Cria uma matriz de salas que representa o mapa</a:t>
             </a:r>
             <a:endParaRPr/>
           </a:p>
           <a:p>
-            <a:pPr indent="0" lvl="0" marL="0" marR="0" rtl="0" algn="just">
+            <a:pPr indent="0" lvl="2" marL="0" marR="0" rtl="0" algn="just">
               <a:lnSpc>
                 <a:spcPct val="100000"/>
               </a:lnSpc>
@@ -35933,7 +37139,36 @@
               <a:buNone/>
             </a:pPr>
             <a:r>
-              <a:t/>
+              <a:rPr b="0" i="0" lang="en" sz="1400" u="none" cap="none" strike="noStrike">
+                <a:solidFill>
+                  <a:schemeClr val="lt1"/>
+                </a:solidFill>
+                <a:latin typeface="Arial"/>
+                <a:ea typeface="Arial"/>
+                <a:cs typeface="Arial"/>
+                <a:sym typeface="Arial"/>
+              </a:rPr>
+              <a:t>                - </a:t>
+            </a:r>
+            <a:r>
+              <a:rPr lang="en">
+                <a:solidFill>
+                  <a:schemeClr val="lt1"/>
+                </a:solidFill>
+              </a:rPr>
+              <a:t>L</a:t>
+            </a:r>
+            <a:r>
+              <a:rPr b="0" i="0" lang="en" sz="1400" u="none" cap="none" strike="noStrike">
+                <a:solidFill>
+                  <a:schemeClr val="lt1"/>
+                </a:solidFill>
+                <a:latin typeface="Arial"/>
+                <a:ea typeface="Arial"/>
+                <a:cs typeface="Arial"/>
+                <a:sym typeface="Arial"/>
+              </a:rPr>
+              <a:t>iga o programa a qualquer sala desejada</a:t>
             </a:r>
             <a:endParaRPr b="0" i="0" sz="1400" u="none" cap="none" strike="noStrike">
               <a:solidFill>
@@ -35946,7 +37181,349 @@
             </a:endParaRPr>
           </a:p>
           <a:p>
-            <a:pPr indent="-285750" lvl="0" marL="285750" marR="0" rtl="0" algn="just">
+            <a:pPr indent="0" lvl="2" marL="0" marR="0" rtl="0" algn="just">
+              <a:lnSpc>
+                <a:spcPct val="100000"/>
+              </a:lnSpc>
+              <a:spcBef>
+                <a:spcPts val="0"/>
+              </a:spcBef>
+              <a:spcAft>
+                <a:spcPts val="0"/>
+              </a:spcAft>
+              <a:buNone/>
+            </a:pPr>
+            <a:r>
+              <a:t/>
+            </a:r>
+            <a:endParaRPr>
+              <a:solidFill>
+                <a:schemeClr val="lt1"/>
+              </a:solidFill>
+            </a:endParaRPr>
+          </a:p>
+          <a:p>
+            <a:pPr indent="-285750" lvl="2" marL="285750" marR="0" rtl="0" algn="just">
+              <a:lnSpc>
+                <a:spcPct val="100000"/>
+              </a:lnSpc>
+              <a:spcBef>
+                <a:spcPts val="0"/>
+              </a:spcBef>
+              <a:spcAft>
+                <a:spcPts val="0"/>
+              </a:spcAft>
+              <a:buClr>
+                <a:schemeClr val="lt1"/>
+              </a:buClr>
+              <a:buSzPts val="1400"/>
+              <a:buChar char="•"/>
+            </a:pPr>
+            <a:r>
+              <a:rPr b="1" i="0" lang="en" sz="1400" u="none" cap="none" strike="noStrike">
+                <a:solidFill>
+                  <a:schemeClr val="lt1"/>
+                </a:solidFill>
+              </a:rPr>
+              <a:t>Sala</a:t>
+            </a:r>
+            <a:endParaRPr b="1"/>
+          </a:p>
+          <a:p>
+            <a:pPr indent="0" lvl="3" marL="0" marR="0" rtl="0" algn="just">
+              <a:lnSpc>
+                <a:spcPct val="100000"/>
+              </a:lnSpc>
+              <a:spcBef>
+                <a:spcPts val="0"/>
+              </a:spcBef>
+              <a:spcAft>
+                <a:spcPts val="0"/>
+              </a:spcAft>
+              <a:buNone/>
+            </a:pPr>
+            <a:r>
+              <a:rPr b="0" i="0" lang="en" sz="1400" u="none" cap="none" strike="noStrike">
+                <a:solidFill>
+                  <a:schemeClr val="lt1"/>
+                </a:solidFill>
+                <a:latin typeface="Arial"/>
+                <a:ea typeface="Arial"/>
+                <a:cs typeface="Arial"/>
+                <a:sym typeface="Arial"/>
+              </a:rPr>
+              <a:t>	- Interface Sala</a:t>
+            </a:r>
+            <a:r>
+              <a:rPr lang="en">
+                <a:solidFill>
+                  <a:schemeClr val="lt1"/>
+                </a:solidFill>
+              </a:rPr>
+              <a:t> -</a:t>
+            </a:r>
+            <a:r>
+              <a:rPr b="0" i="0" lang="en" sz="1400" u="none" cap="none" strike="noStrike">
+                <a:solidFill>
+                  <a:schemeClr val="lt1"/>
+                </a:solidFill>
+                <a:latin typeface="Arial"/>
+                <a:ea typeface="Arial"/>
+                <a:cs typeface="Arial"/>
+                <a:sym typeface="Arial"/>
+              </a:rPr>
+              <a:t> </a:t>
+            </a:r>
+            <a:r>
+              <a:rPr lang="en">
+                <a:solidFill>
+                  <a:schemeClr val="lt1"/>
+                </a:solidFill>
+              </a:rPr>
+              <a:t>métodos </a:t>
+            </a:r>
+            <a:r>
+              <a:rPr b="0" i="0" lang="en" sz="1400" u="none" cap="none" strike="noStrike">
+                <a:solidFill>
+                  <a:schemeClr val="lt1"/>
+                </a:solidFill>
+                <a:latin typeface="Arial"/>
+                <a:ea typeface="Arial"/>
+                <a:cs typeface="Arial"/>
+                <a:sym typeface="Arial"/>
+              </a:rPr>
+              <a:t>básic</a:t>
+            </a:r>
+            <a:r>
+              <a:rPr lang="en">
+                <a:solidFill>
+                  <a:schemeClr val="lt1"/>
+                </a:solidFill>
+              </a:rPr>
+              <a:t>o</a:t>
+            </a:r>
+            <a:r>
+              <a:rPr b="0" i="0" lang="en" sz="1400" u="none" cap="none" strike="noStrike">
+                <a:solidFill>
+                  <a:schemeClr val="lt1"/>
+                </a:solidFill>
+                <a:latin typeface="Arial"/>
+                <a:ea typeface="Arial"/>
+                <a:cs typeface="Arial"/>
+                <a:sym typeface="Arial"/>
+              </a:rPr>
+              <a:t>s de todas as salas</a:t>
+            </a:r>
+            <a:endParaRPr/>
+          </a:p>
+          <a:p>
+            <a:pPr indent="0" lvl="3" marL="0" marR="0" rtl="0" algn="just">
+              <a:lnSpc>
+                <a:spcPct val="100000"/>
+              </a:lnSpc>
+              <a:spcBef>
+                <a:spcPts val="0"/>
+              </a:spcBef>
+              <a:spcAft>
+                <a:spcPts val="0"/>
+              </a:spcAft>
+              <a:buNone/>
+            </a:pPr>
+            <a:r>
+              <a:rPr b="0" i="0" lang="en" sz="1400" u="none" cap="none" strike="noStrike">
+                <a:solidFill>
+                  <a:schemeClr val="lt1"/>
+                </a:solidFill>
+                <a:latin typeface="Arial"/>
+                <a:ea typeface="Arial"/>
+                <a:cs typeface="Arial"/>
+                <a:sym typeface="Arial"/>
+              </a:rPr>
+              <a:t>		- Classe abstrata SalaBasica </a:t>
+            </a:r>
+            <a:r>
+              <a:rPr lang="en">
+                <a:solidFill>
+                  <a:schemeClr val="lt1"/>
+                </a:solidFill>
+              </a:rPr>
+              <a:t>- todos os métodos</a:t>
+            </a:r>
+            <a:r>
+              <a:rPr b="0" i="0" lang="en" sz="1400" u="none" cap="none" strike="noStrike">
+                <a:solidFill>
+                  <a:schemeClr val="lt1"/>
+                </a:solidFill>
+                <a:latin typeface="Arial"/>
+                <a:ea typeface="Arial"/>
+                <a:cs typeface="Arial"/>
+                <a:sym typeface="Arial"/>
+              </a:rPr>
+              <a:t> que</a:t>
+            </a:r>
+            <a:r>
+              <a:rPr lang="en">
+                <a:solidFill>
+                  <a:schemeClr val="lt1"/>
+                </a:solidFill>
+              </a:rPr>
+              <a:t> </a:t>
+            </a:r>
+            <a:r>
+              <a:rPr b="0" i="0" lang="en" sz="1400" u="none" cap="none" strike="noStrike">
+                <a:solidFill>
+                  <a:schemeClr val="lt1"/>
+                </a:solidFill>
+                <a:latin typeface="Arial"/>
+                <a:ea typeface="Arial"/>
+                <a:cs typeface="Arial"/>
+                <a:sym typeface="Arial"/>
+              </a:rPr>
+              <a:t>as salas utiliza</a:t>
+            </a:r>
+            <a:r>
+              <a:rPr lang="en">
+                <a:solidFill>
+                  <a:schemeClr val="lt1"/>
+                </a:solidFill>
+              </a:rPr>
+              <a:t>m</a:t>
+            </a:r>
+            <a:endParaRPr/>
+          </a:p>
+          <a:p>
+            <a:pPr indent="0" lvl="3" marL="0" marR="0" rtl="0" algn="just">
+              <a:lnSpc>
+                <a:spcPct val="100000"/>
+              </a:lnSpc>
+              <a:spcBef>
+                <a:spcPts val="0"/>
+              </a:spcBef>
+              <a:spcAft>
+                <a:spcPts val="0"/>
+              </a:spcAft>
+              <a:buNone/>
+            </a:pPr>
+            <a:r>
+              <a:rPr b="0" i="0" lang="en" sz="1400" u="none" cap="none" strike="noStrike">
+                <a:solidFill>
+                  <a:schemeClr val="lt1"/>
+                </a:solidFill>
+                <a:latin typeface="Arial"/>
+                <a:ea typeface="Arial"/>
+                <a:cs typeface="Arial"/>
+                <a:sym typeface="Arial"/>
+              </a:rPr>
+              <a:t>			- Classe Sala</a:t>
+            </a:r>
+            <a:r>
+              <a:rPr lang="en">
+                <a:solidFill>
+                  <a:schemeClr val="lt1"/>
+                </a:solidFill>
+              </a:rPr>
+              <a:t>C</a:t>
+            </a:r>
+            <a:r>
+              <a:rPr b="0" i="0" lang="en" sz="1400" u="none" cap="none" strike="noStrike">
+                <a:solidFill>
+                  <a:schemeClr val="lt1"/>
+                </a:solidFill>
+                <a:latin typeface="Arial"/>
+                <a:ea typeface="Arial"/>
+                <a:cs typeface="Arial"/>
+                <a:sym typeface="Arial"/>
+              </a:rPr>
+              <a:t>aminho</a:t>
+            </a:r>
+            <a:endParaRPr/>
+          </a:p>
+          <a:p>
+            <a:pPr indent="0" lvl="3" marL="0" marR="0" rtl="0" algn="just">
+              <a:lnSpc>
+                <a:spcPct val="100000"/>
+              </a:lnSpc>
+              <a:spcBef>
+                <a:spcPts val="0"/>
+              </a:spcBef>
+              <a:spcAft>
+                <a:spcPts val="0"/>
+              </a:spcAft>
+              <a:buNone/>
+            </a:pPr>
+            <a:r>
+              <a:rPr b="0" i="0" lang="en" sz="1400" u="none" cap="none" strike="noStrike">
+                <a:solidFill>
+                  <a:schemeClr val="lt1"/>
+                </a:solidFill>
+                <a:latin typeface="Arial"/>
+                <a:ea typeface="Arial"/>
+                <a:cs typeface="Arial"/>
+                <a:sym typeface="Arial"/>
+              </a:rPr>
+              <a:t>			- Classe SalaPedra</a:t>
+            </a:r>
+            <a:endParaRPr/>
+          </a:p>
+          <a:p>
+            <a:pPr indent="0" lvl="3" marL="0" marR="0" rtl="0" algn="just">
+              <a:lnSpc>
+                <a:spcPct val="100000"/>
+              </a:lnSpc>
+              <a:spcBef>
+                <a:spcPts val="0"/>
+              </a:spcBef>
+              <a:spcAft>
+                <a:spcPts val="0"/>
+              </a:spcAft>
+              <a:buNone/>
+            </a:pPr>
+            <a:r>
+              <a:rPr b="0" i="0" lang="en" sz="1400" u="none" cap="none" strike="noStrike">
+                <a:solidFill>
+                  <a:schemeClr val="lt1"/>
+                </a:solidFill>
+                <a:latin typeface="Arial"/>
+                <a:ea typeface="Arial"/>
+                <a:cs typeface="Arial"/>
+                <a:sym typeface="Arial"/>
+              </a:rPr>
+              <a:t>			- Classe SalaTorre</a:t>
+            </a:r>
+            <a:endParaRPr b="0" i="0" sz="1400" u="none" cap="none" strike="noStrike">
+              <a:solidFill>
+                <a:schemeClr val="lt1"/>
+              </a:solidFill>
+              <a:latin typeface="Arial"/>
+              <a:ea typeface="Arial"/>
+              <a:cs typeface="Arial"/>
+              <a:sym typeface="Arial"/>
+            </a:endParaRPr>
+          </a:p>
+          <a:p>
+            <a:pPr indent="0" lvl="3" marL="0" marR="0" rtl="0" algn="just">
+              <a:lnSpc>
+                <a:spcPct val="100000"/>
+              </a:lnSpc>
+              <a:spcBef>
+                <a:spcPts val="0"/>
+              </a:spcBef>
+              <a:spcAft>
+                <a:spcPts val="0"/>
+              </a:spcAft>
+              <a:buNone/>
+            </a:pPr>
+            <a:r>
+              <a:t/>
+            </a:r>
+            <a:endParaRPr>
+              <a:solidFill>
+                <a:schemeClr val="lt1"/>
+              </a:solidFill>
+            </a:endParaRPr>
+          </a:p>
+          <a:p>
+            <a:pPr indent="-285750" lvl="3" marL="285750" marR="0" rtl="0" algn="just">
               <a:lnSpc>
                 <a:spcPct val="100000"/>
               </a:lnSpc>
@@ -35964,6 +37541,14 @@
               <a:buChar char="•"/>
             </a:pPr>
             <a:r>
+              <a:rPr b="1" i="0" lang="en" sz="1400" u="none" cap="none" strike="noStrike">
+                <a:solidFill>
+                  <a:schemeClr val="lt1"/>
+                </a:solidFill>
+              </a:rPr>
+              <a:t>Torres</a:t>
+            </a:r>
+            <a:r>
               <a:rPr b="0" i="0" lang="en" sz="1400" u="none" cap="none" strike="noStrike">
                 <a:solidFill>
                   <a:schemeClr val="lt1"/>
@@ -35973,23 +37558,16 @@
                 <a:cs typeface="Arial"/>
                 <a:sym typeface="Arial"/>
               </a:rPr>
-              <a:t>Mapa - Cria uma matriz de salas que representa o mapa na visão matricial</a:t>
+              <a:t>, </a:t>
             </a:r>
-            <a:endParaRPr/>
-          </a:p>
-          <a:p>
-            <a:pPr indent="0" lvl="2" marL="0" marR="0" rtl="0" algn="just">
-              <a:lnSpc>
-                <a:spcPct val="100000"/>
-              </a:lnSpc>
-              <a:spcBef>
-                <a:spcPts val="0"/>
-              </a:spcBef>
-              <a:spcAft>
-                <a:spcPts val="0"/>
-              </a:spcAft>
-              <a:buNone/>
-            </a:pPr>
+            <a:r>
+              <a:rPr b="1" i="0" lang="en" sz="1400" u="none" cap="none" strike="noStrike">
+                <a:solidFill>
+                  <a:schemeClr val="lt1"/>
+                </a:solidFill>
+              </a:rPr>
+              <a:t>Efeitos</a:t>
+            </a:r>
             <a:r>
               <a:rPr b="0" i="0" lang="en" sz="1400" u="none" cap="none" strike="noStrike">
                 <a:solidFill>
@@ -36000,28 +37578,24 @@
                 <a:cs typeface="Arial"/>
                 <a:sym typeface="Arial"/>
               </a:rPr>
-              <a:t>	- Responsável por ligar o programa a qualquer sala</a:t>
+              <a:t> e </a:t>
             </a:r>
-            <a:endParaRPr/>
-          </a:p>
-          <a:p>
-            <a:pPr indent="-285750" lvl="2" marL="285750" marR="0" rtl="0" algn="just">
-              <a:lnSpc>
-                <a:spcPct val="100000"/>
-              </a:lnSpc>
-              <a:spcBef>
-                <a:spcPts val="0"/>
-              </a:spcBef>
-              <a:spcAft>
-                <a:spcPts val="0"/>
-              </a:spcAft>
-              <a:buClr>
-                <a:schemeClr val="lt1"/>
-              </a:buClr>
-              <a:buSzPts val="1400"/>
-              <a:buFont typeface="Arial"/>
-              <a:buChar char="•"/>
-            </a:pPr>
+            <a:r>
+              <a:rPr b="1" lang="en">
+                <a:solidFill>
+                  <a:schemeClr val="lt1"/>
+                </a:solidFill>
+              </a:rPr>
+              <a:t>I</a:t>
+            </a:r>
+            <a:r>
+              <a:rPr b="1" i="0" lang="en" sz="1400" u="none" cap="none" strike="noStrike">
+                <a:solidFill>
+                  <a:schemeClr val="lt1"/>
+                </a:solidFill>
+              </a:rPr>
+              <a:t>nimigos</a:t>
+            </a:r>
             <a:r>
               <a:rPr b="0" i="0" lang="en" sz="1400" u="none" cap="none" strike="noStrike">
                 <a:solidFill>
@@ -36032,15 +37606,46 @@
                 <a:cs typeface="Arial"/>
                 <a:sym typeface="Arial"/>
               </a:rPr>
-              <a:t>Salas :</a:t>
+              <a:t> estão contidos nas salas e seguem o mesmo padrão </a:t>
+            </a:r>
+            <a:r>
+              <a:rPr lang="en">
+                <a:solidFill>
+                  <a:schemeClr val="lt1"/>
+                </a:solidFill>
+              </a:rPr>
+              <a:t>de estrutura</a:t>
             </a:r>
             <a:endParaRPr/>
           </a:p>
+        </p:txBody>
+      </p:sp>
+      <p:sp>
+        <p:nvSpPr>
+          <p:cNvPr id="292" name="Google Shape;292;p6"/>
+          <p:cNvSpPr txBox="1"/>
+          <p:nvPr/>
+        </p:nvSpPr>
+        <p:spPr>
+          <a:xfrm>
+            <a:off x="3756800" y="3077550"/>
+            <a:ext cx="488100" cy="769500"/>
+          </a:xfrm>
+          <a:prstGeom prst="rect">
+            <a:avLst/>
+          </a:prstGeom>
+          <a:noFill/>
+          <a:ln>
+            <a:noFill/>
+          </a:ln>
+        </p:spPr>
+        <p:txBody>
+          <a:bodyPr anchorCtr="0" anchor="t" bIns="91425" lIns="91425" spcFirstLastPara="1" rIns="91425" wrap="square" tIns="91425">
+            <a:spAutoFit/>
+          </a:bodyPr>
+          <a:lstStyle/>
           <a:p>
-            <a:pPr indent="0" lvl="3" marL="0" marR="0" rtl="0" algn="just">
-              <a:lnSpc>
-                <a:spcPct val="100000"/>
-              </a:lnSpc>
+            <a:pPr indent="0" lvl="0" marL="0" rtl="0" algn="l">
               <a:spcBef>
                 <a:spcPts val="0"/>
               </a:spcBef>
@@ -36050,24 +37655,47 @@
               <a:buNone/>
             </a:pPr>
             <a:r>
-              <a:rPr b="0" i="0" lang="en" sz="1400" u="none" cap="none" strike="noStrike">
-                <a:solidFill>
-                  <a:schemeClr val="lt1"/>
-                </a:solidFill>
-                <a:latin typeface="Arial"/>
-                <a:ea typeface="Arial"/>
-                <a:cs typeface="Arial"/>
-                <a:sym typeface="Arial"/>
+              <a:rPr lang="en" sz="3800">
+                <a:solidFill>
+                  <a:srgbClr val="FFFFFF"/>
+                </a:solidFill>
               </a:rPr>
-              <a:t>	- Interface Sala que contem as funções básicas de todas as salas</a:t>
+              <a:t>}</a:t>
             </a:r>
-            <a:endParaRPr/>
+            <a:endParaRPr sz="3800">
+              <a:solidFill>
+                <a:srgbClr val="FFFFFF"/>
+              </a:solidFill>
+            </a:endParaRPr>
           </a:p>
+        </p:txBody>
+      </p:sp>
+      <p:sp>
+        <p:nvSpPr>
+          <p:cNvPr id="293" name="Google Shape;293;p6"/>
+          <p:cNvSpPr txBox="1"/>
+          <p:nvPr/>
+        </p:nvSpPr>
+        <p:spPr>
+          <a:xfrm>
+            <a:off x="4039800" y="3304000"/>
+            <a:ext cx="2872500" cy="400200"/>
+          </a:xfrm>
+          <a:prstGeom prst="rect">
+            <a:avLst/>
+          </a:prstGeom>
+          <a:noFill/>
+          <a:ln>
+            <a:noFill/>
+          </a:ln>
+        </p:spPr>
+        <p:txBody>
+          <a:bodyPr anchorCtr="0" anchor="t" bIns="91425" lIns="91425" spcFirstLastPara="1" rIns="91425" wrap="square" tIns="91425">
+            <a:spAutoFit/>
+          </a:bodyPr>
+          <a:lstStyle/>
           <a:p>
-            <a:pPr indent="0" lvl="3" marL="0" marR="0" rtl="0" algn="just">
-              <a:lnSpc>
-                <a:spcPct val="100000"/>
-              </a:lnSpc>
+            <a:pPr indent="0" lvl="0" marL="0" rtl="0" algn="l">
               <a:spcBef>
                 <a:spcPts val="0"/>
               </a:spcBef>
@@ -36077,131 +37705,18 @@
               <a:buNone/>
             </a:pPr>
             <a:r>
-              <a:rPr b="0" i="0" lang="en" sz="1400" u="none" cap="none" strike="noStrike">
-                <a:solidFill>
-                  <a:schemeClr val="lt1"/>
-                </a:solidFill>
-                <a:latin typeface="Arial"/>
-                <a:ea typeface="Arial"/>
-                <a:cs typeface="Arial"/>
-                <a:sym typeface="Arial"/>
+              <a:rPr lang="en">
+                <a:solidFill>
+                  <a:srgbClr val="FFFFFF"/>
+                </a:solidFill>
               </a:rPr>
-              <a:t>	- Classe abstrata SalaBasica - Responsável por escrever funções que todas as salas 	utilizarão igualmente</a:t>
+              <a:t>Implementam métodos próprios</a:t>
             </a:r>
-            <a:endParaRPr/>
-          </a:p>
-          <a:p>
-            <a:pPr indent="0" lvl="3" marL="0" marR="0" rtl="0" algn="just">
-              <a:lnSpc>
-                <a:spcPct val="100000"/>
-              </a:lnSpc>
-              <a:spcBef>
-                <a:spcPts val="0"/>
-              </a:spcBef>
-              <a:spcAft>
-                <a:spcPts val="0"/>
-              </a:spcAft>
-              <a:buNone/>
-            </a:pPr>
-            <a:r>
-              <a:rPr b="0" i="0" lang="en" sz="1400" u="none" cap="none" strike="noStrike">
-                <a:solidFill>
-                  <a:schemeClr val="lt1"/>
-                </a:solidFill>
-                <a:latin typeface="Arial"/>
-                <a:ea typeface="Arial"/>
-                <a:cs typeface="Arial"/>
-                <a:sym typeface="Arial"/>
-              </a:rPr>
-              <a:t>	- Classe Sala caminho - extende SalaBasica e representa as salas de passagem de 	inimigos</a:t>
-            </a:r>
-            <a:endParaRPr/>
-          </a:p>
-          <a:p>
-            <a:pPr indent="0" lvl="3" marL="0" marR="0" rtl="0" algn="just">
-              <a:lnSpc>
-                <a:spcPct val="100000"/>
-              </a:lnSpc>
-              <a:spcBef>
-                <a:spcPts val="0"/>
-              </a:spcBef>
-              <a:spcAft>
-                <a:spcPts val="0"/>
-              </a:spcAft>
-              <a:buNone/>
-            </a:pPr>
-            <a:r>
-              <a:rPr b="0" i="0" lang="en" sz="1400" u="none" cap="none" strike="noStrike">
-                <a:solidFill>
-                  <a:schemeClr val="lt1"/>
-                </a:solidFill>
-                <a:latin typeface="Arial"/>
-                <a:ea typeface="Arial"/>
-                <a:cs typeface="Arial"/>
-                <a:sym typeface="Arial"/>
-              </a:rPr>
-              <a:t>	- Classe SalaPedra – extende Salabasica e representa sala que não poderá ser passada 	nem utilizada para torres</a:t>
-            </a:r>
-            <a:endParaRPr/>
-          </a:p>
-          <a:p>
-            <a:pPr indent="0" lvl="3" marL="0" marR="0" rtl="0" algn="just">
-              <a:lnSpc>
-                <a:spcPct val="100000"/>
-              </a:lnSpc>
-              <a:spcBef>
-                <a:spcPts val="0"/>
-              </a:spcBef>
-              <a:spcAft>
-                <a:spcPts val="0"/>
-              </a:spcAft>
-              <a:buNone/>
-            </a:pPr>
-            <a:r>
-              <a:rPr b="0" i="0" lang="en" sz="1400" u="none" cap="none" strike="noStrike">
-                <a:solidFill>
-                  <a:schemeClr val="lt1"/>
-                </a:solidFill>
-                <a:latin typeface="Arial"/>
-                <a:ea typeface="Arial"/>
-                <a:cs typeface="Arial"/>
-                <a:sym typeface="Arial"/>
-              </a:rPr>
-              <a:t>	- Classe SalaTorre – extende Salabasica e representa salas que contém torres</a:t>
-            </a:r>
-            <a:endParaRPr/>
-          </a:p>
-          <a:p>
-            <a:pPr indent="-285750" lvl="3" marL="285750" marR="0" rtl="0" algn="just">
-              <a:lnSpc>
-                <a:spcPct val="100000"/>
-              </a:lnSpc>
-              <a:spcBef>
-                <a:spcPts val="0"/>
-              </a:spcBef>
-              <a:spcAft>
-                <a:spcPts val="0"/>
-              </a:spcAft>
-              <a:buClr>
-                <a:schemeClr val="lt1"/>
-              </a:buClr>
-              <a:buSzPts val="1400"/>
-              <a:buFont typeface="Arial"/>
-              <a:buChar char="•"/>
-            </a:pPr>
-            <a:r>
-              <a:rPr b="0" i="0" lang="en" sz="1400" u="none" cap="none" strike="noStrike">
-                <a:solidFill>
-                  <a:schemeClr val="lt1"/>
-                </a:solidFill>
-                <a:latin typeface="Arial"/>
-                <a:ea typeface="Arial"/>
-                <a:cs typeface="Arial"/>
-                <a:sym typeface="Arial"/>
-              </a:rPr>
-              <a:t>Torres, Efeitos e inimigos estão contidos nas salas e seguem o mesmo padrão interface – classe abstrata – classe especifica</a:t>
-            </a:r>
-            <a:endParaRPr/>
+            <a:endParaRPr>
+              <a:solidFill>
+                <a:srgbClr val="FFFFFF"/>
+              </a:solidFill>
+            </a:endParaRPr>
           </a:p>
         </p:txBody>
       </p:sp>
@@ -36213,12 +37728,12 @@
 </p:sld>
 </file>
 
-<file path=ppt/slides/slide7.xml><?xml version="1.0" encoding="utf-8"?>
+<file path=ppt/slides/slide8.xml><?xml version="1.0" encoding="utf-8"?>
 <p:sld xmlns:a="http://schemas.openxmlformats.org/drawingml/2006/main" xmlns:r="http://schemas.openxmlformats.org/officeDocument/2006/relationships" xmlns:mc="http://schemas.openxmlformats.org/markup-compatibility/2006" xmlns:mv="urn:schemas-microsoft-com:mac:vml" xmlns:p="http://schemas.openxmlformats.org/presentationml/2006/main" xmlns:c="http://schemas.openxmlformats.org/drawingml/2006/chart" xmlns:dgm="http://schemas.openxmlformats.org/drawingml/2006/diagram" xmlns:o="urn:schemas-microsoft-com:office:office" xmlns:v="urn:schemas-microsoft-com:vml" xmlns:pvml="urn:schemas-microsoft-com:office:powerpoint" xmlns:com="http://schemas.openxmlformats.org/drawingml/2006/compatibility" xmlns:p14="http://schemas.microsoft.com/office/powerpoint/2010/main" xmlns:p15="http://schemas.microsoft.com/office/powerpoint/2012/main" xmlns:ahyp="http://schemas.microsoft.com/office/drawing/2018/hyperlinkcolor">
   <p:cSld>
     <p:spTree>
       <p:nvGrpSpPr>
-        <p:cNvPr id="288" name="Shape 288"/>
+        <p:cNvPr id="297" name="Shape 297"/>
         <p:cNvGrpSpPr/>
         <p:nvPr/>
       </p:nvGrpSpPr>
@@ -36232,7 +37747,7 @@
       </p:grpSpPr>
       <p:sp>
         <p:nvSpPr>
-          <p:cNvPr id="289" name="Google Shape;289;p7"/>
+          <p:cNvPr id="298" name="Google Shape;298;p7"/>
           <p:cNvSpPr txBox="1"/>
           <p:nvPr>
             <p:ph idx="8" type="ctrTitle"/>
@@ -36280,7 +37795,7 @@
       </p:sp>
       <p:pic>
         <p:nvPicPr>
-          <p:cNvPr descr="Diagrama&#10;&#10;Descrição gerada automaticamente" id="290" name="Google Shape;290;p7"/>
+          <p:cNvPr descr="Diagrama&#10;&#10;Descrição gerada automaticamente" id="299" name="Google Shape;299;p7"/>
           <p:cNvPicPr preferRelativeResize="0"/>
           <p:nvPr/>
         </p:nvPicPr>
@@ -36293,135 +37808,8 @@
         </p:blipFill>
         <p:spPr>
           <a:xfrm>
-            <a:off x="468411" y="1232189"/>
-            <a:ext cx="8207178" cy="3509861"/>
-          </a:xfrm>
-          <a:prstGeom prst="rect">
-            <a:avLst/>
-          </a:prstGeom>
-          <a:noFill/>
-          <a:ln>
-            <a:noFill/>
-          </a:ln>
-        </p:spPr>
-      </p:pic>
-    </p:spTree>
-  </p:cSld>
-  <p:clrMapOvr>
-    <a:masterClrMapping/>
-  </p:clrMapOvr>
-</p:sld>
-</file>
-
-<file path=ppt/slides/slide8.xml><?xml version="1.0" encoding="utf-8"?>
-<p:sld xmlns:a="http://schemas.openxmlformats.org/drawingml/2006/main" xmlns:r="http://schemas.openxmlformats.org/officeDocument/2006/relationships" xmlns:mc="http://schemas.openxmlformats.org/markup-compatibility/2006" xmlns:mv="urn:schemas-microsoft-com:mac:vml" xmlns:p="http://schemas.openxmlformats.org/presentationml/2006/main" xmlns:c="http://schemas.openxmlformats.org/drawingml/2006/chart" xmlns:dgm="http://schemas.openxmlformats.org/drawingml/2006/diagram" xmlns:o="urn:schemas-microsoft-com:office:office" xmlns:v="urn:schemas-microsoft-com:vml" xmlns:pvml="urn:schemas-microsoft-com:office:powerpoint" xmlns:com="http://schemas.openxmlformats.org/drawingml/2006/compatibility" xmlns:p14="http://schemas.microsoft.com/office/powerpoint/2010/main" xmlns:p15="http://schemas.microsoft.com/office/powerpoint/2012/main" xmlns:ahyp="http://schemas.microsoft.com/office/drawing/2018/hyperlinkcolor">
-  <p:cSld>
-    <p:spTree>
-      <p:nvGrpSpPr>
-        <p:cNvPr id="294" name="Shape 294"/>
-        <p:cNvGrpSpPr/>
-        <p:nvPr/>
-      </p:nvGrpSpPr>
-      <p:grpSpPr>
-        <a:xfrm>
-          <a:off x="0" y="0"/>
-          <a:ext cx="0" cy="0"/>
-          <a:chOff x="0" y="0"/>
-          <a:chExt cx="0" cy="0"/>
-        </a:xfrm>
-      </p:grpSpPr>
-      <p:sp>
-        <p:nvSpPr>
-          <p:cNvPr id="295" name="Google Shape;295;p8"/>
-          <p:cNvSpPr txBox="1"/>
-          <p:nvPr>
-            <p:ph type="ctrTitle"/>
-          </p:nvPr>
-        </p:nvSpPr>
-        <p:spPr>
-          <a:xfrm flipH="1">
-            <a:off x="502200" y="445025"/>
-            <a:ext cx="8184600" cy="670500"/>
-          </a:xfrm>
-          <a:prstGeom prst="rect">
-            <a:avLst/>
-          </a:prstGeom>
-          <a:noFill/>
-          <a:ln>
-            <a:noFill/>
-          </a:ln>
-        </p:spPr>
-        <p:txBody>
-          <a:bodyPr anchorCtr="0" anchor="ctr" bIns="91425" lIns="91425" spcFirstLastPara="1" rIns="91425" wrap="square" tIns="91425">
-            <a:noAutofit/>
-          </a:bodyPr>
-          <a:lstStyle/>
-          <a:p>
-            <a:pPr indent="0" lvl="0" marL="0" rtl="0" algn="ctr">
-              <a:lnSpc>
-                <a:spcPct val="100000"/>
-              </a:lnSpc>
-              <a:spcBef>
-                <a:spcPts val="0"/>
-              </a:spcBef>
-              <a:spcAft>
-                <a:spcPts val="0"/>
-              </a:spcAft>
-              <a:buSzPts val="3600"/>
-              <a:buNone/>
-            </a:pPr>
-            <a:r>
-              <a:rPr lang="en"/>
-              <a:t>Estrutura Inicial – Classes vistas do Intelij</a:t>
-            </a:r>
-            <a:endParaRPr/>
-          </a:p>
-        </p:txBody>
-      </p:sp>
-      <p:pic>
-        <p:nvPicPr>
-          <p:cNvPr id="296" name="Google Shape;296;p8"/>
-          <p:cNvPicPr preferRelativeResize="0"/>
-          <p:nvPr/>
-        </p:nvPicPr>
-        <p:blipFill rotWithShape="1">
-          <a:blip r:embed="rId3">
-            <a:alphaModFix/>
-          </a:blip>
-          <a:srcRect b="0" l="0" r="28208" t="0"/>
-          <a:stretch/>
-        </p:blipFill>
-        <p:spPr>
-          <a:xfrm>
-            <a:off x="1198929" y="1115525"/>
-            <a:ext cx="3683790" cy="3861922"/>
-          </a:xfrm>
-          <a:prstGeom prst="rect">
-            <a:avLst/>
-          </a:prstGeom>
-          <a:noFill/>
-          <a:ln>
-            <a:noFill/>
-          </a:ln>
-        </p:spPr>
-      </p:pic>
-      <p:pic>
-        <p:nvPicPr>
-          <p:cNvPr id="297" name="Google Shape;297;p8"/>
-          <p:cNvPicPr preferRelativeResize="0"/>
-          <p:nvPr/>
-        </p:nvPicPr>
-        <p:blipFill rotWithShape="1">
-          <a:blip r:embed="rId4">
-            <a:alphaModFix/>
-          </a:blip>
-          <a:srcRect b="0" l="0" r="56026" t="0"/>
-          <a:stretch/>
-        </p:blipFill>
-        <p:spPr>
-          <a:xfrm>
-            <a:off x="5771424" y="1115525"/>
-            <a:ext cx="2915376" cy="2165461"/>
+            <a:off x="468386" y="1210964"/>
+            <a:ext cx="8207177" cy="3509861"/>
           </a:xfrm>
           <a:prstGeom prst="rect">
             <a:avLst/>
@@ -36445,7 +37833,7 @@
   <p:cSld>
     <p:spTree>
       <p:nvGrpSpPr>
-        <p:cNvPr id="301" name="Shape 301"/>
+        <p:cNvPr id="303" name="Shape 303"/>
         <p:cNvGrpSpPr/>
         <p:nvPr/>
       </p:nvGrpSpPr>
@@ -36459,7 +37847,7 @@
       </p:grpSpPr>
       <p:sp>
         <p:nvSpPr>
-          <p:cNvPr id="302" name="Google Shape;302;p9"/>
+          <p:cNvPr id="304" name="Google Shape;304;p8"/>
           <p:cNvSpPr txBox="1"/>
           <p:nvPr>
             <p:ph type="ctrTitle"/>
@@ -36467,7 +37855,7 @@
         </p:nvSpPr>
         <p:spPr>
           <a:xfrm flipH="1">
-            <a:off x="475261" y="96448"/>
+            <a:off x="479700" y="445025"/>
             <a:ext cx="8184600" cy="670500"/>
           </a:xfrm>
           <a:prstGeom prst="rect">
@@ -36499,22 +37887,30 @@
             </a:pPr>
             <a:r>
               <a:rPr lang="en"/>
-              <a:t>Implementação</a:t>
+              <a:t>Estrutura Inicial – Classes vistas no editor</a:t>
             </a:r>
             <a:endParaRPr/>
           </a:p>
         </p:txBody>
       </p:sp>
-      <p:sp>
-        <p:nvSpPr>
-          <p:cNvPr id="303" name="Google Shape;303;p9"/>
-          <p:cNvSpPr txBox="1"/>
+      <p:pic>
+        <p:nvPicPr>
+          <p:cNvPr id="305" name="Google Shape;305;p8"/>
+          <p:cNvPicPr preferRelativeResize="0"/>
           <p:nvPr/>
-        </p:nvSpPr>
+        </p:nvPicPr>
+        <p:blipFill>
+          <a:blip r:embed="rId3">
+            <a:alphaModFix/>
+          </a:blip>
+          <a:stretch>
+            <a:fillRect/>
+          </a:stretch>
+        </p:blipFill>
         <p:spPr>
           <a:xfrm>
-            <a:off x="291056" y="1340643"/>
-            <a:ext cx="4831360" cy="3108543"/>
+            <a:off x="2173212" y="1204250"/>
+            <a:ext cx="2187375" cy="3723175"/>
           </a:xfrm>
           <a:prstGeom prst="rect">
             <a:avLst/>
@@ -36524,316 +37920,25 @@
             <a:noFill/>
           </a:ln>
         </p:spPr>
-        <p:txBody>
-          <a:bodyPr anchorCtr="0" anchor="t" bIns="45700" lIns="91425" spcFirstLastPara="1" rIns="91425" wrap="square" tIns="45700">
-            <a:spAutoFit/>
-          </a:bodyPr>
-          <a:lstStyle/>
-          <a:p>
-            <a:pPr indent="-285750" lvl="0" marL="285750" marR="0" rtl="0" algn="l">
-              <a:lnSpc>
-                <a:spcPct val="100000"/>
-              </a:lnSpc>
-              <a:spcBef>
-                <a:spcPts val="0"/>
-              </a:spcBef>
-              <a:spcAft>
-                <a:spcPts val="0"/>
-              </a:spcAft>
-              <a:buClr>
-                <a:schemeClr val="lt1"/>
-              </a:buClr>
-              <a:buSzPts val="1400"/>
-              <a:buFont typeface="Arial"/>
-              <a:buChar char="•"/>
-            </a:pPr>
-            <a:r>
-              <a:rPr b="0" i="0" lang="en" sz="1400" u="none" cap="none" strike="noStrike">
-                <a:solidFill>
-                  <a:schemeClr val="lt1"/>
-                </a:solidFill>
-                <a:latin typeface="Arial"/>
-                <a:ea typeface="Arial"/>
-                <a:cs typeface="Arial"/>
-                <a:sym typeface="Arial"/>
-              </a:rPr>
-              <a:t>Integração Front + Back ocorre na GameScreen</a:t>
-            </a:r>
-            <a:endParaRPr b="0" i="0" sz="1400" u="none" cap="none" strike="noStrike">
-              <a:solidFill>
-                <a:schemeClr val="lt1"/>
-              </a:solidFill>
-              <a:latin typeface="Arial"/>
-              <a:ea typeface="Arial"/>
-              <a:cs typeface="Arial"/>
-              <a:sym typeface="Arial"/>
-            </a:endParaRPr>
-          </a:p>
-          <a:p>
-            <a:pPr indent="-196850" lvl="0" marL="285750" marR="0" rtl="0" algn="l">
-              <a:lnSpc>
-                <a:spcPct val="100000"/>
-              </a:lnSpc>
-              <a:spcBef>
-                <a:spcPts val="0"/>
-              </a:spcBef>
-              <a:spcAft>
-                <a:spcPts val="0"/>
-              </a:spcAft>
-              <a:buClr>
-                <a:schemeClr val="lt1"/>
-              </a:buClr>
-              <a:buSzPts val="1400"/>
-              <a:buFont typeface="Arial"/>
-              <a:buNone/>
-            </a:pPr>
-            <a:r>
-              <a:t/>
-            </a:r>
-            <a:endParaRPr b="0" i="0" sz="1400" u="none" cap="none" strike="noStrike">
-              <a:solidFill>
-                <a:schemeClr val="lt1"/>
-              </a:solidFill>
-              <a:latin typeface="Arial"/>
-              <a:ea typeface="Arial"/>
-              <a:cs typeface="Arial"/>
-              <a:sym typeface="Arial"/>
-            </a:endParaRPr>
-          </a:p>
-          <a:p>
-            <a:pPr indent="-285750" lvl="0" marL="285750" marR="0" rtl="0" algn="l">
-              <a:lnSpc>
-                <a:spcPct val="100000"/>
-              </a:lnSpc>
-              <a:spcBef>
-                <a:spcPts val="0"/>
-              </a:spcBef>
-              <a:spcAft>
-                <a:spcPts val="0"/>
-              </a:spcAft>
-              <a:buClr>
-                <a:schemeClr val="lt1"/>
-              </a:buClr>
-              <a:buSzPts val="1400"/>
-              <a:buFont typeface="Arial"/>
-              <a:buChar char="•"/>
-            </a:pPr>
-            <a:r>
-              <a:rPr b="0" i="0" lang="en" sz="1400" u="none" cap="none" strike="noStrike">
-                <a:solidFill>
-                  <a:schemeClr val="lt1"/>
-                </a:solidFill>
-                <a:latin typeface="Arial"/>
-                <a:ea typeface="Arial"/>
-                <a:cs typeface="Arial"/>
-                <a:sym typeface="Arial"/>
-              </a:rPr>
-              <a:t>Ela contém um objeto mapa inicializado no renderizador e um TiledMap que será visualizado na tela</a:t>
-            </a:r>
-            <a:endParaRPr/>
-          </a:p>
-          <a:p>
-            <a:pPr indent="-196850" lvl="0" marL="285750" marR="0" rtl="0" algn="l">
-              <a:lnSpc>
-                <a:spcPct val="100000"/>
-              </a:lnSpc>
-              <a:spcBef>
-                <a:spcPts val="0"/>
-              </a:spcBef>
-              <a:spcAft>
-                <a:spcPts val="0"/>
-              </a:spcAft>
-              <a:buClr>
-                <a:schemeClr val="lt1"/>
-              </a:buClr>
-              <a:buSzPts val="1400"/>
-              <a:buFont typeface="Arial"/>
-              <a:buNone/>
-            </a:pPr>
-            <a:r>
-              <a:t/>
-            </a:r>
-            <a:endParaRPr b="0" i="0" sz="1400" u="none" cap="none" strike="noStrike">
-              <a:solidFill>
-                <a:schemeClr val="lt1"/>
-              </a:solidFill>
-              <a:latin typeface="Arial"/>
-              <a:ea typeface="Arial"/>
-              <a:cs typeface="Arial"/>
-              <a:sym typeface="Arial"/>
-            </a:endParaRPr>
-          </a:p>
-          <a:p>
-            <a:pPr indent="-285750" lvl="0" marL="285750" marR="0" rtl="0" algn="l">
-              <a:lnSpc>
-                <a:spcPct val="100000"/>
-              </a:lnSpc>
-              <a:spcBef>
-                <a:spcPts val="0"/>
-              </a:spcBef>
-              <a:spcAft>
-                <a:spcPts val="0"/>
-              </a:spcAft>
-              <a:buClr>
-                <a:schemeClr val="lt1"/>
-              </a:buClr>
-              <a:buSzPts val="1400"/>
-              <a:buFont typeface="Arial"/>
-              <a:buChar char="•"/>
-            </a:pPr>
-            <a:r>
-              <a:rPr b="0" i="0" lang="en" sz="1400" u="none" cap="none" strike="noStrike">
-                <a:solidFill>
-                  <a:schemeClr val="lt1"/>
-                </a:solidFill>
-                <a:latin typeface="Arial"/>
-                <a:ea typeface="Arial"/>
-                <a:cs typeface="Arial"/>
-                <a:sym typeface="Arial"/>
-              </a:rPr>
-              <a:t>Pelo Tiled podemos inicializar diversos objetos retângulos que serão acessados posteriormente</a:t>
-            </a:r>
-            <a:endParaRPr/>
-          </a:p>
-          <a:p>
-            <a:pPr indent="-196850" lvl="0" marL="285750" marR="0" rtl="0" algn="l">
-              <a:lnSpc>
-                <a:spcPct val="100000"/>
-              </a:lnSpc>
-              <a:spcBef>
-                <a:spcPts val="0"/>
-              </a:spcBef>
-              <a:spcAft>
-                <a:spcPts val="0"/>
-              </a:spcAft>
-              <a:buClr>
-                <a:schemeClr val="lt1"/>
-              </a:buClr>
-              <a:buSzPts val="1400"/>
-              <a:buFont typeface="Arial"/>
-              <a:buNone/>
-            </a:pPr>
-            <a:r>
-              <a:t/>
-            </a:r>
-            <a:endParaRPr b="0" i="0" sz="1400" u="none" cap="none" strike="noStrike">
-              <a:solidFill>
-                <a:schemeClr val="lt1"/>
-              </a:solidFill>
-              <a:latin typeface="Arial"/>
-              <a:ea typeface="Arial"/>
-              <a:cs typeface="Arial"/>
-              <a:sym typeface="Arial"/>
-            </a:endParaRPr>
-          </a:p>
-          <a:p>
-            <a:pPr indent="-285750" lvl="0" marL="285750" marR="0" rtl="0" algn="l">
-              <a:lnSpc>
-                <a:spcPct val="100000"/>
-              </a:lnSpc>
-              <a:spcBef>
-                <a:spcPts val="0"/>
-              </a:spcBef>
-              <a:spcAft>
-                <a:spcPts val="0"/>
-              </a:spcAft>
-              <a:buClr>
-                <a:schemeClr val="lt1"/>
-              </a:buClr>
-              <a:buSzPts val="1400"/>
-              <a:buFont typeface="Arial"/>
-              <a:buChar char="•"/>
-            </a:pPr>
-            <a:r>
-              <a:rPr b="0" i="0" lang="en" sz="1400" u="none" cap="none" strike="noStrike">
-                <a:solidFill>
-                  <a:schemeClr val="lt1"/>
-                </a:solidFill>
-                <a:latin typeface="Arial"/>
-                <a:ea typeface="Arial"/>
-                <a:cs typeface="Arial"/>
-                <a:sym typeface="Arial"/>
-              </a:rPr>
-              <a:t>Cada Sala será associada a um retângulo do TiledMap que representará sua posição na matriz e na tela simultaneamente</a:t>
-            </a:r>
-            <a:endParaRPr/>
-          </a:p>
-          <a:p>
-            <a:pPr indent="-196850" lvl="0" marL="285750" marR="0" rtl="0" algn="l">
-              <a:lnSpc>
-                <a:spcPct val="100000"/>
-              </a:lnSpc>
-              <a:spcBef>
-                <a:spcPts val="0"/>
-              </a:spcBef>
-              <a:spcAft>
-                <a:spcPts val="0"/>
-              </a:spcAft>
-              <a:buClr>
-                <a:schemeClr val="lt1"/>
-              </a:buClr>
-              <a:buSzPts val="1400"/>
-              <a:buFont typeface="Arial"/>
-              <a:buNone/>
-            </a:pPr>
-            <a:r>
-              <a:t/>
-            </a:r>
-            <a:endParaRPr b="0" i="0" sz="1400" u="none" cap="none" strike="noStrike">
-              <a:solidFill>
-                <a:schemeClr val="lt1"/>
-              </a:solidFill>
-              <a:latin typeface="Arial"/>
-              <a:ea typeface="Arial"/>
-              <a:cs typeface="Arial"/>
-              <a:sym typeface="Arial"/>
-            </a:endParaRPr>
-          </a:p>
-          <a:p>
-            <a:pPr indent="0" lvl="0" marL="0" marR="0" rtl="0" algn="l">
-              <a:lnSpc>
-                <a:spcPct val="100000"/>
-              </a:lnSpc>
-              <a:spcBef>
-                <a:spcPts val="0"/>
-              </a:spcBef>
-              <a:spcAft>
-                <a:spcPts val="0"/>
-              </a:spcAft>
-              <a:buNone/>
-            </a:pPr>
-            <a:r>
-              <a:t/>
-            </a:r>
-            <a:endParaRPr b="0" i="0" sz="1400" u="none" cap="none" strike="noStrike">
-              <a:solidFill>
-                <a:schemeClr val="lt1"/>
-              </a:solidFill>
-              <a:latin typeface="Arial"/>
-              <a:ea typeface="Arial"/>
-              <a:cs typeface="Arial"/>
-              <a:sym typeface="Arial"/>
-            </a:endParaRPr>
-          </a:p>
-        </p:txBody>
-      </p:sp>
+      </p:pic>
       <p:pic>
         <p:nvPicPr>
-          <p:cNvPr id="304" name="Google Shape;304;p9"/>
+          <p:cNvPr id="306" name="Google Shape;306;p8"/>
           <p:cNvPicPr preferRelativeResize="0"/>
           <p:nvPr/>
         </p:nvPicPr>
-        <p:blipFill rotWithShape="1">
-          <a:blip r:embed="rId3">
+        <p:blipFill>
+          <a:blip r:embed="rId4">
             <a:alphaModFix/>
           </a:blip>
-          <a:srcRect b="0" l="0" r="0" t="0"/>
-          <a:stretch/>
+          <a:stretch>
+            <a:fillRect/>
+          </a:stretch>
         </p:blipFill>
         <p:spPr>
           <a:xfrm>
-            <a:off x="5486400" y="766948"/>
-            <a:ext cx="3366544" cy="3165861"/>
+            <a:off x="4753528" y="1204250"/>
+            <a:ext cx="2217257" cy="3723176"/>
           </a:xfrm>
           <a:prstGeom prst="rect">
             <a:avLst/>
@@ -36853,6 +37958,285 @@
 </file>
 
 <file path=ppt/theme/theme1.xml><?xml version="1.0" encoding="utf-8"?>
+<a:theme xmlns:a="http://schemas.openxmlformats.org/drawingml/2006/main" xmlns:r="http://schemas.openxmlformats.org/officeDocument/2006/relationships" name="Tech Startup by Slidesgo">
+  <a:themeElements>
+    <a:clrScheme name="Simple Light">
+      <a:dk1>
+        <a:srgbClr val="000000"/>
+      </a:dk1>
+      <a:lt1>
+        <a:srgbClr val="FFFFFF"/>
+      </a:lt1>
+      <a:dk2>
+        <a:srgbClr val="595959"/>
+      </a:dk2>
+      <a:lt2>
+        <a:srgbClr val="EEEEEE"/>
+      </a:lt2>
+      <a:accent1>
+        <a:srgbClr val="88D3CE"/>
+      </a:accent1>
+      <a:accent2>
+        <a:srgbClr val="423864"/>
+      </a:accent2>
+      <a:accent3>
+        <a:srgbClr val="78909C"/>
+      </a:accent3>
+      <a:accent4>
+        <a:srgbClr val="88D3CE"/>
+      </a:accent4>
+      <a:accent5>
+        <a:srgbClr val="0097A7"/>
+      </a:accent5>
+      <a:accent6>
+        <a:srgbClr val="423864"/>
+      </a:accent6>
+      <a:hlink>
+        <a:srgbClr val="FFFFFF"/>
+      </a:hlink>
+      <a:folHlink>
+        <a:srgbClr val="0097A7"/>
+      </a:folHlink>
+    </a:clrScheme>
+    <a:fontScheme name="Office">
+      <a:majorFont>
+        <a:latin typeface="Arial"/>
+        <a:ea typeface=""/>
+        <a:cs typeface=""/>
+        <a:font script="Jpan" typeface="ＭＳ Ｐゴシック"/>
+        <a:font script="Hang" typeface="맑은 고딕"/>
+        <a:font script="Hans" typeface="宋体"/>
+        <a:font script="Hant" typeface="新細明體"/>
+        <a:font script="Arab" typeface="Times New Roman"/>
+        <a:font script="Hebr" typeface="Times New Roman"/>
+        <a:font script="Thai" typeface="Angsana New"/>
+        <a:font script="Ethi" typeface="Nyala"/>
+        <a:font script="Beng" typeface="Vrinda"/>
+        <a:font script="Gujr" typeface="Shruti"/>
+        <a:font script="Khmr" typeface="MoolBoran"/>
+        <a:font script="Knda" typeface="Tunga"/>
+        <a:font script="Guru" typeface="Raavi"/>
+        <a:font script="Cans" typeface="Euphemia"/>
+        <a:font script="Cher" typeface="Plantagenet Cherokee"/>
+        <a:font script="Yiii" typeface="Microsoft Yi Baiti"/>
+        <a:font script="Tibt" typeface="Microsoft Himalaya"/>
+        <a:font script="Thaa" typeface="MV Boli"/>
+        <a:font script="Deva" typeface="Mangal"/>
+        <a:font script="Telu" typeface="Gautami"/>
+        <a:font script="Taml" typeface="Latha"/>
+        <a:font script="Syrc" typeface="Estrangelo Edessa"/>
+        <a:font script="Orya" typeface="Kalinga"/>
+        <a:font script="Mlym" typeface="Kartika"/>
+        <a:font script="Laoo" typeface="DokChampa"/>
+        <a:font script="Sinh" typeface="Iskoola Pota"/>
+        <a:font script="Mong" typeface="Mongolian Baiti"/>
+        <a:font script="Viet" typeface="Times New Roman"/>
+        <a:font script="Uigh" typeface="Microsoft Uighur"/>
+        <a:font script="Geor" typeface="Sylfaen"/>
+      </a:majorFont>
+      <a:minorFont>
+        <a:latin typeface="Arial"/>
+        <a:ea typeface=""/>
+        <a:cs typeface=""/>
+        <a:font script="Jpan" typeface="ＭＳ Ｐゴシック"/>
+        <a:font script="Hang" typeface="맑은 고딕"/>
+        <a:font script="Hans" typeface="宋体"/>
+        <a:font script="Hant" typeface="新細明體"/>
+        <a:font script="Arab" typeface="Arial"/>
+        <a:font script="Hebr" typeface="Arial"/>
+        <a:font script="Thai" typeface="Cordia New"/>
+        <a:font script="Ethi" typeface="Nyala"/>
+        <a:font script="Beng" typeface="Vrinda"/>
+        <a:font script="Gujr" typeface="Shruti"/>
+        <a:font script="Khmr" typeface="DaunPenh"/>
+        <a:font script="Knda" typeface="Tunga"/>
+        <a:font script="Guru" typeface="Raavi"/>
+        <a:font script="Cans" typeface="Euphemia"/>
+        <a:font script="Cher" typeface="Plantagenet Cherokee"/>
+        <a:font script="Yiii" typeface="Microsoft Yi Baiti"/>
+        <a:font script="Tibt" typeface="Microsoft Himalaya"/>
+        <a:font script="Thaa" typeface="MV Boli"/>
+        <a:font script="Deva" typeface="Mangal"/>
+        <a:font script="Telu" typeface="Gautami"/>
+        <a:font script="Taml" typeface="Latha"/>
+        <a:font script="Syrc" typeface="Estrangelo Edessa"/>
+        <a:font script="Orya" typeface="Kalinga"/>
+        <a:font script="Mlym" typeface="Kartika"/>
+        <a:font script="Laoo" typeface="DokChampa"/>
+        <a:font script="Sinh" typeface="Iskoola Pota"/>
+        <a:font script="Mong" typeface="Mongolian Baiti"/>
+        <a:font script="Viet" typeface="Arial"/>
+        <a:font script="Uigh" typeface="Microsoft Uighur"/>
+        <a:font script="Geor" typeface="Sylfaen"/>
+      </a:minorFont>
+    </a:fontScheme>
+    <a:fmtScheme name="Office">
+      <a:fillStyleLst>
+        <a:solidFill>
+          <a:schemeClr val="phClr"/>
+        </a:solidFill>
+        <a:gradFill rotWithShape="1">
+          <a:gsLst>
+            <a:gs pos="0">
+              <a:schemeClr val="phClr">
+                <a:tint val="50000"/>
+                <a:satMod val="300000"/>
+              </a:schemeClr>
+            </a:gs>
+            <a:gs pos="35000">
+              <a:schemeClr val="phClr">
+                <a:tint val="37000"/>
+                <a:satMod val="300000"/>
+              </a:schemeClr>
+            </a:gs>
+            <a:gs pos="100000">
+              <a:schemeClr val="phClr">
+                <a:tint val="15000"/>
+                <a:satMod val="350000"/>
+              </a:schemeClr>
+            </a:gs>
+          </a:gsLst>
+          <a:lin ang="16200000" scaled="1"/>
+        </a:gradFill>
+        <a:gradFill rotWithShape="1">
+          <a:gsLst>
+            <a:gs pos="0">
+              <a:schemeClr val="phClr">
+                <a:tint val="100000"/>
+                <a:shade val="100000"/>
+                <a:satMod val="130000"/>
+              </a:schemeClr>
+            </a:gs>
+            <a:gs pos="100000">
+              <a:schemeClr val="phClr">
+                <a:tint val="50000"/>
+                <a:shade val="100000"/>
+                <a:satMod val="350000"/>
+              </a:schemeClr>
+            </a:gs>
+          </a:gsLst>
+          <a:lin ang="16200000" scaled="0"/>
+        </a:gradFill>
+      </a:fillStyleLst>
+      <a:lnStyleLst>
+        <a:ln w="9525" cap="flat" cmpd="sng" algn="ctr">
+          <a:solidFill>
+            <a:schemeClr val="phClr">
+              <a:shade val="95000"/>
+              <a:satMod val="105000"/>
+            </a:schemeClr>
+          </a:solidFill>
+          <a:prstDash val="solid"/>
+        </a:ln>
+        <a:ln w="25400" cap="flat" cmpd="sng" algn="ctr">
+          <a:solidFill>
+            <a:schemeClr val="phClr"/>
+          </a:solidFill>
+          <a:prstDash val="solid"/>
+        </a:ln>
+        <a:ln w="38100" cap="flat" cmpd="sng" algn="ctr">
+          <a:solidFill>
+            <a:schemeClr val="phClr"/>
+          </a:solidFill>
+          <a:prstDash val="solid"/>
+        </a:ln>
+      </a:lnStyleLst>
+      <a:effectStyleLst>
+        <a:effectStyle>
+          <a:effectLst>
+            <a:outerShdw blurRad="40000" dist="20000" dir="5400000" rotWithShape="0">
+              <a:srgbClr val="000000">
+                <a:alpha val="38000"/>
+              </a:srgbClr>
+            </a:outerShdw>
+          </a:effectLst>
+        </a:effectStyle>
+        <a:effectStyle>
+          <a:effectLst>
+            <a:outerShdw blurRad="40000" dist="23000" dir="5400000" rotWithShape="0">
+              <a:srgbClr val="000000">
+                <a:alpha val="35000"/>
+              </a:srgbClr>
+            </a:outerShdw>
+          </a:effectLst>
+        </a:effectStyle>
+        <a:effectStyle>
+          <a:effectLst>
+            <a:outerShdw blurRad="40000" dist="23000" dir="5400000" rotWithShape="0">
+              <a:srgbClr val="000000">
+                <a:alpha val="35000"/>
+              </a:srgbClr>
+            </a:outerShdw>
+          </a:effectLst>
+          <a:scene3d>
+            <a:camera prst="orthographicFront">
+              <a:rot lat="0" lon="0" rev="0"/>
+            </a:camera>
+            <a:lightRig rig="threePt" dir="t">
+              <a:rot lat="0" lon="0" rev="1200000"/>
+            </a:lightRig>
+          </a:scene3d>
+          <a:sp3d>
+            <a:bevelT w="63500" h="25400"/>
+          </a:sp3d>
+        </a:effectStyle>
+      </a:effectStyleLst>
+      <a:bgFillStyleLst>
+        <a:solidFill>
+          <a:schemeClr val="phClr"/>
+        </a:solidFill>
+        <a:gradFill rotWithShape="1">
+          <a:gsLst>
+            <a:gs pos="0">
+              <a:schemeClr val="phClr">
+                <a:tint val="40000"/>
+                <a:satMod val="350000"/>
+              </a:schemeClr>
+            </a:gs>
+            <a:gs pos="40000">
+              <a:schemeClr val="phClr">
+                <a:tint val="45000"/>
+                <a:shade val="99000"/>
+                <a:satMod val="350000"/>
+              </a:schemeClr>
+            </a:gs>
+            <a:gs pos="100000">
+              <a:schemeClr val="phClr">
+                <a:shade val="20000"/>
+                <a:satMod val="255000"/>
+              </a:schemeClr>
+            </a:gs>
+          </a:gsLst>
+          <a:path path="circle">
+            <a:fillToRect l="50000" t="-80000" r="50000" b="180000"/>
+          </a:path>
+        </a:gradFill>
+        <a:gradFill rotWithShape="1">
+          <a:gsLst>
+            <a:gs pos="0">
+              <a:schemeClr val="phClr">
+                <a:tint val="80000"/>
+                <a:satMod val="300000"/>
+              </a:schemeClr>
+            </a:gs>
+            <a:gs pos="100000">
+              <a:schemeClr val="phClr">
+                <a:shade val="30000"/>
+                <a:satMod val="200000"/>
+              </a:schemeClr>
+            </a:gs>
+          </a:gsLst>
+          <a:path path="circle">
+            <a:fillToRect l="50000" t="50000" r="50000" b="50000"/>
+          </a:path>
+        </a:gradFill>
+      </a:bgFillStyleLst>
+    </a:fmtScheme>
+  </a:themeElements>
+</a:theme>
+</file>
+
+<file path=ppt/theme/theme2.xml><?xml version="1.0" encoding="utf-8"?>
 <a:theme xmlns:a="http://schemas.openxmlformats.org/drawingml/2006/main" xmlns:r="http://schemas.openxmlformats.org/officeDocument/2006/relationships">
   <a:themeElements>
     <a:clrScheme name="Default">
@@ -37129,283 +38513,4 @@
     </a:fmtScheme>
   </a:themeElements>
 </a:theme>
-</file>
-
-<file path=ppt/theme/theme2.xml><?xml version="1.0" encoding="utf-8"?>
-<a:theme xmlns:a="http://schemas.openxmlformats.org/drawingml/2006/main" xmlns:r="http://schemas.openxmlformats.org/officeDocument/2006/relationships" name="Tech Startup by Slidesgo">
-  <a:themeElements>
-    <a:clrScheme name="Simple Light">
-      <a:dk1>
-        <a:srgbClr val="000000"/>
-      </a:dk1>
-      <a:lt1>
-        <a:srgbClr val="FFFFFF"/>
-      </a:lt1>
-      <a:dk2>
-        <a:srgbClr val="595959"/>
-      </a:dk2>
-      <a:lt2>
-        <a:srgbClr val="EEEEEE"/>
-      </a:lt2>
-      <a:accent1>
-        <a:srgbClr val="88D3CE"/>
-      </a:accent1>
-      <a:accent2>
-        <a:srgbClr val="423864"/>
-      </a:accent2>
-      <a:accent3>
-        <a:srgbClr val="78909C"/>
-      </a:accent3>
-      <a:accent4>
-        <a:srgbClr val="88D3CE"/>
-      </a:accent4>
-      <a:accent5>
-        <a:srgbClr val="0097A7"/>
-      </a:accent5>
-      <a:accent6>
-        <a:srgbClr val="423864"/>
-      </a:accent6>
-      <a:hlink>
-        <a:srgbClr val="FFFFFF"/>
-      </a:hlink>
-      <a:folHlink>
-        <a:srgbClr val="0097A7"/>
-      </a:folHlink>
-    </a:clrScheme>
-    <a:fontScheme name="Office">
-      <a:majorFont>
-        <a:latin typeface="Arial"/>
-        <a:ea typeface=""/>
-        <a:cs typeface=""/>
-        <a:font script="Jpan" typeface="ＭＳ Ｐゴシック"/>
-        <a:font script="Hang" typeface="맑은 고딕"/>
-        <a:font script="Hans" typeface="宋体"/>
-        <a:font script="Hant" typeface="新細明體"/>
-        <a:font script="Arab" typeface="Times New Roman"/>
-        <a:font script="Hebr" typeface="Times New Roman"/>
-        <a:font script="Thai" typeface="Angsana New"/>
-        <a:font script="Ethi" typeface="Nyala"/>
-        <a:font script="Beng" typeface="Vrinda"/>
-        <a:font script="Gujr" typeface="Shruti"/>
-        <a:font script="Khmr" typeface="MoolBoran"/>
-        <a:font script="Knda" typeface="Tunga"/>
-        <a:font script="Guru" typeface="Raavi"/>
-        <a:font script="Cans" typeface="Euphemia"/>
-        <a:font script="Cher" typeface="Plantagenet Cherokee"/>
-        <a:font script="Yiii" typeface="Microsoft Yi Baiti"/>
-        <a:font script="Tibt" typeface="Microsoft Himalaya"/>
-        <a:font script="Thaa" typeface="MV Boli"/>
-        <a:font script="Deva" typeface="Mangal"/>
-        <a:font script="Telu" typeface="Gautami"/>
-        <a:font script="Taml" typeface="Latha"/>
-        <a:font script="Syrc" typeface="Estrangelo Edessa"/>
-        <a:font script="Orya" typeface="Kalinga"/>
-        <a:font script="Mlym" typeface="Kartika"/>
-        <a:font script="Laoo" typeface="DokChampa"/>
-        <a:font script="Sinh" typeface="Iskoola Pota"/>
-        <a:font script="Mong" typeface="Mongolian Baiti"/>
-        <a:font script="Viet" typeface="Times New Roman"/>
-        <a:font script="Uigh" typeface="Microsoft Uighur"/>
-        <a:font script="Geor" typeface="Sylfaen"/>
-      </a:majorFont>
-      <a:minorFont>
-        <a:latin typeface="Arial"/>
-        <a:ea typeface=""/>
-        <a:cs typeface=""/>
-        <a:font script="Jpan" typeface="ＭＳ Ｐゴシック"/>
-        <a:font script="Hang" typeface="맑은 고딕"/>
-        <a:font script="Hans" typeface="宋体"/>
-        <a:font script="Hant" typeface="新細明體"/>
-        <a:font script="Arab" typeface="Arial"/>
-        <a:font script="Hebr" typeface="Arial"/>
-        <a:font script="Thai" typeface="Cordia New"/>
-        <a:font script="Ethi" typeface="Nyala"/>
-        <a:font script="Beng" typeface="Vrinda"/>
-        <a:font script="Gujr" typeface="Shruti"/>
-        <a:font script="Khmr" typeface="DaunPenh"/>
-        <a:font script="Knda" typeface="Tunga"/>
-        <a:font script="Guru" typeface="Raavi"/>
-        <a:font script="Cans" typeface="Euphemia"/>
-        <a:font script="Cher" typeface="Plantagenet Cherokee"/>
-        <a:font script="Yiii" typeface="Microsoft Yi Baiti"/>
-        <a:font script="Tibt" typeface="Microsoft Himalaya"/>
-        <a:font script="Thaa" typeface="MV Boli"/>
-        <a:font script="Deva" typeface="Mangal"/>
-        <a:font script="Telu" typeface="Gautami"/>
-        <a:font script="Taml" typeface="Latha"/>
-        <a:font script="Syrc" typeface="Estrangelo Edessa"/>
-        <a:font script="Orya" typeface="Kalinga"/>
-        <a:font script="Mlym" typeface="Kartika"/>
-        <a:font script="Laoo" typeface="DokChampa"/>
-        <a:font script="Sinh" typeface="Iskoola Pota"/>
-        <a:font script="Mong" typeface="Mongolian Baiti"/>
-        <a:font script="Viet" typeface="Arial"/>
-        <a:font script="Uigh" typeface="Microsoft Uighur"/>
-        <a:font script="Geor" typeface="Sylfaen"/>
-      </a:minorFont>
-    </a:fontScheme>
-    <a:fmtScheme name="Office">
-      <a:fillStyleLst>
-        <a:solidFill>
-          <a:schemeClr val="phClr"/>
-        </a:solidFill>
-        <a:gradFill rotWithShape="1">
-          <a:gsLst>
-            <a:gs pos="0">
-              <a:schemeClr val="phClr">
-                <a:tint val="50000"/>
-                <a:satMod val="300000"/>
-              </a:schemeClr>
-            </a:gs>
-            <a:gs pos="35000">
-              <a:schemeClr val="phClr">
-                <a:tint val="37000"/>
-                <a:satMod val="300000"/>
-              </a:schemeClr>
-            </a:gs>
-            <a:gs pos="100000">
-              <a:schemeClr val="phClr">
-                <a:tint val="15000"/>
-                <a:satMod val="350000"/>
-              </a:schemeClr>
-            </a:gs>
-          </a:gsLst>
-          <a:lin ang="16200000" scaled="1"/>
-        </a:gradFill>
-        <a:gradFill rotWithShape="1">
-          <a:gsLst>
-            <a:gs pos="0">
-              <a:schemeClr val="phClr">
-                <a:tint val="100000"/>
-                <a:shade val="100000"/>
-                <a:satMod val="130000"/>
-              </a:schemeClr>
-            </a:gs>
-            <a:gs pos="100000">
-              <a:schemeClr val="phClr">
-                <a:tint val="50000"/>
-                <a:shade val="100000"/>
-                <a:satMod val="350000"/>
-              </a:schemeClr>
-            </a:gs>
-          </a:gsLst>
-          <a:lin ang="16200000" scaled="0"/>
-        </a:gradFill>
-      </a:fillStyleLst>
-      <a:lnStyleLst>
-        <a:ln w="9525" cap="flat" cmpd="sng" algn="ctr">
-          <a:solidFill>
-            <a:schemeClr val="phClr">
-              <a:shade val="95000"/>
-              <a:satMod val="105000"/>
-            </a:schemeClr>
-          </a:solidFill>
-          <a:prstDash val="solid"/>
-        </a:ln>
-        <a:ln w="25400" cap="flat" cmpd="sng" algn="ctr">
-          <a:solidFill>
-            <a:schemeClr val="phClr"/>
-          </a:solidFill>
-          <a:prstDash val="solid"/>
-        </a:ln>
-        <a:ln w="38100" cap="flat" cmpd="sng" algn="ctr">
-          <a:solidFill>
-            <a:schemeClr val="phClr"/>
-          </a:solidFill>
-          <a:prstDash val="solid"/>
-        </a:ln>
-      </a:lnStyleLst>
-      <a:effectStyleLst>
-        <a:effectStyle>
-          <a:effectLst>
-            <a:outerShdw blurRad="40000" dist="20000" dir="5400000" rotWithShape="0">
-              <a:srgbClr val="000000">
-                <a:alpha val="38000"/>
-              </a:srgbClr>
-            </a:outerShdw>
-          </a:effectLst>
-        </a:effectStyle>
-        <a:effectStyle>
-          <a:effectLst>
-            <a:outerShdw blurRad="40000" dist="23000" dir="5400000" rotWithShape="0">
-              <a:srgbClr val="000000">
-                <a:alpha val="35000"/>
-              </a:srgbClr>
-            </a:outerShdw>
-          </a:effectLst>
-        </a:effectStyle>
-        <a:effectStyle>
-          <a:effectLst>
-            <a:outerShdw blurRad="40000" dist="23000" dir="5400000" rotWithShape="0">
-              <a:srgbClr val="000000">
-                <a:alpha val="35000"/>
-              </a:srgbClr>
-            </a:outerShdw>
-          </a:effectLst>
-          <a:scene3d>
-            <a:camera prst="orthographicFront">
-              <a:rot lat="0" lon="0" rev="0"/>
-            </a:camera>
-            <a:lightRig rig="threePt" dir="t">
-              <a:rot lat="0" lon="0" rev="1200000"/>
-            </a:lightRig>
-          </a:scene3d>
-          <a:sp3d>
-            <a:bevelT w="63500" h="25400"/>
-          </a:sp3d>
-        </a:effectStyle>
-      </a:effectStyleLst>
-      <a:bgFillStyleLst>
-        <a:solidFill>
-          <a:schemeClr val="phClr"/>
-        </a:solidFill>
-        <a:gradFill rotWithShape="1">
-          <a:gsLst>
-            <a:gs pos="0">
-              <a:schemeClr val="phClr">
-                <a:tint val="40000"/>
-                <a:satMod val="350000"/>
-              </a:schemeClr>
-            </a:gs>
-            <a:gs pos="40000">
-              <a:schemeClr val="phClr">
-                <a:tint val="45000"/>
-                <a:shade val="99000"/>
-                <a:satMod val="350000"/>
-              </a:schemeClr>
-            </a:gs>
-            <a:gs pos="100000">
-              <a:schemeClr val="phClr">
-                <a:shade val="20000"/>
-                <a:satMod val="255000"/>
-              </a:schemeClr>
-            </a:gs>
-          </a:gsLst>
-          <a:path path="circle">
-            <a:fillToRect l="50000" t="-80000" r="50000" b="180000"/>
-          </a:path>
-        </a:gradFill>
-        <a:gradFill rotWithShape="1">
-          <a:gsLst>
-            <a:gs pos="0">
-              <a:schemeClr val="phClr">
-                <a:tint val="80000"/>
-                <a:satMod val="300000"/>
-              </a:schemeClr>
-            </a:gs>
-            <a:gs pos="100000">
-              <a:schemeClr val="phClr">
-                <a:shade val="30000"/>
-                <a:satMod val="200000"/>
-              </a:schemeClr>
-            </a:gs>
-          </a:gsLst>
-          <a:path path="circle">
-            <a:fillToRect l="50000" t="50000" r="50000" b="50000"/>
-          </a:path>
-        </a:gradFill>
-      </a:bgFillStyleLst>
-    </a:fmtScheme>
-  </a:themeElements>
-</a:theme>
 </file>